--- a/task2.pptx
+++ b/task2.pptx
@@ -5,7 +5,7 @@
     <p:sldMasterId id="2147483648" r:id="rId1"/>
   </p:sldMasterIdLst>
   <p:notesMasterIdLst>
-    <p:notesMasterId r:id="rId14"/>
+    <p:notesMasterId r:id="rId15"/>
   </p:notesMasterIdLst>
   <p:sldIdLst>
     <p:sldId id="256" r:id="rId2"/>
@@ -20,6 +20,7 @@
     <p:sldId id="265" r:id="rId11"/>
     <p:sldId id="266" r:id="rId12"/>
     <p:sldId id="267" r:id="rId13"/>
+    <p:sldId id="268" r:id="rId14"/>
   </p:sldIdLst>
   <p:sldSz cx="12192000" cy="6858000"/>
   <p:notesSz cx="6858000" cy="9144000"/>
@@ -1877,7 +1878,7 @@
           </a:ln>
           <a:extLst>
             <a:ext uri="{C572A759-6A51-4108-AA02-DFA0A04FC94B}">
-              <ma14:wrappingTextBoxFlag xmlns="" xmlns:m="http://schemas.openxmlformats.org/officeDocument/2006/math" xmlns:a14="http://schemas.microsoft.com/office/drawing/2010/main" xmlns:ma14="http://schemas.microsoft.com/office/mac/drawingml/2011/main" val="1"/>
+              <ma14:wrappingTextBoxFlag xmlns:ma14="http://schemas.microsoft.com/office/mac/drawingml/2011/main" xmlns:a14="http://schemas.microsoft.com/office/drawing/2010/main" xmlns:m="http://schemas.openxmlformats.org/officeDocument/2006/math" xmlns="" val="1"/>
             </a:ext>
           </a:extLst>
         </p:spPr>
@@ -1916,7 +1917,7 @@
           </a:ln>
           <a:extLst>
             <a:ext uri="{C572A759-6A51-4108-AA02-DFA0A04FC94B}">
-              <ma14:wrappingTextBoxFlag xmlns="" xmlns:m="http://schemas.openxmlformats.org/officeDocument/2006/math" xmlns:a14="http://schemas.microsoft.com/office/drawing/2010/main" xmlns:ma14="http://schemas.microsoft.com/office/mac/drawingml/2011/main" val="1"/>
+              <ma14:wrappingTextBoxFlag xmlns:ma14="http://schemas.microsoft.com/office/mac/drawingml/2011/main" xmlns:a14="http://schemas.microsoft.com/office/drawing/2010/main" xmlns:m="http://schemas.openxmlformats.org/officeDocument/2006/math" xmlns="" val="1"/>
             </a:ext>
           </a:extLst>
         </p:spPr>
@@ -2962,7 +2963,7 @@
           </a:ln>
           <a:extLst>
             <a:ext uri="{C572A759-6A51-4108-AA02-DFA0A04FC94B}">
-              <ma14:wrappingTextBoxFlag xmlns="" xmlns:m="http://schemas.openxmlformats.org/officeDocument/2006/math" xmlns:a14="http://schemas.microsoft.com/office/drawing/2010/main" xmlns:ma14="http://schemas.microsoft.com/office/mac/drawingml/2011/main" val="1"/>
+              <ma14:wrappingTextBoxFlag xmlns:ma14="http://schemas.microsoft.com/office/mac/drawingml/2011/main" xmlns:a14="http://schemas.microsoft.com/office/drawing/2010/main" xmlns:m="http://schemas.openxmlformats.org/officeDocument/2006/math" xmlns="" val="1"/>
             </a:ext>
           </a:extLst>
         </p:spPr>
@@ -3008,7 +3009,7 @@
           </a:ln>
           <a:extLst>
             <a:ext uri="{C572A759-6A51-4108-AA02-DFA0A04FC94B}">
-              <ma14:wrappingTextBoxFlag xmlns="" xmlns:m="http://schemas.openxmlformats.org/officeDocument/2006/math" xmlns:a14="http://schemas.microsoft.com/office/drawing/2010/main" xmlns:ma14="http://schemas.microsoft.com/office/mac/drawingml/2011/main" val="1"/>
+              <ma14:wrappingTextBoxFlag xmlns:ma14="http://schemas.microsoft.com/office/mac/drawingml/2011/main" xmlns:a14="http://schemas.microsoft.com/office/drawing/2010/main" xmlns:m="http://schemas.openxmlformats.org/officeDocument/2006/math" xmlns="" val="1"/>
             </a:ext>
           </a:extLst>
         </p:spPr>
@@ -3198,8 +3199,8 @@
         </p:blipFill>
         <p:spPr>
           <a:xfrm>
-            <a:off x="2006600" y="2647950"/>
-            <a:ext cx="8178800" cy="3263900"/>
+            <a:off x="1370286" y="2237362"/>
+            <a:ext cx="9451427" cy="3771765"/>
           </a:xfrm>
           <a:prstGeom prst="rect">
             <a:avLst/>
@@ -3247,53 +3248,65 @@
         </p:nvSpPr>
         <p:spPr>
           <a:xfrm>
-            <a:off x="828675" y="0"/>
-            <a:ext cx="10515600" cy="1325563"/>
+            <a:off x="838200" y="155642"/>
+            <a:ext cx="10515600" cy="597913"/>
           </a:xfrm>
           <a:prstGeom prst="rect">
             <a:avLst/>
           </a:prstGeom>
         </p:spPr>
         <p:txBody>
-          <a:bodyPr/>
+          <a:bodyPr>
+            <a:normAutofit fontScale="90000"/>
+          </a:bodyPr>
           <a:lstStyle/>
           <a:p>
             <a:r>
-              <a:t>Описание синтаксиса</a:t>
-            </a:r>
+              <a:rPr dirty="0" err="1"/>
+              <a:t>Описание</a:t>
+            </a:r>
+            <a:r>
+              <a:rPr dirty="0"/>
+              <a:t> </a:t>
+            </a:r>
+            <a:r>
+              <a:rPr dirty="0" err="1"/>
+              <a:t>синтаксиса</a:t>
+            </a:r>
+            <a:endParaRPr dirty="0"/>
           </a:p>
         </p:txBody>
       </p:sp>
       <p:sp>
         <p:nvSpPr>
-          <p:cNvPr id="136" name="&lt;signed_float&gt; → &lt;sign&gt;&lt;float&gt;…"/>
-          <p:cNvSpPr txBox="1"/>
-          <p:nvPr/>
+          <p:cNvPr id="2" name="Текст 1">
+            <a:extLst>
+              <a:ext uri="{FF2B5EF4-FFF2-40B4-BE49-F238E27FC236}">
+                <a16:creationId xmlns:a16="http://schemas.microsoft.com/office/drawing/2014/main" id="{CF1A1139-B48C-46DA-ACA6-93C503E4779D}"/>
+              </a:ext>
+            </a:extLst>
+          </p:cNvPr>
+          <p:cNvSpPr>
+            <a:spLocks noGrp="1"/>
+          </p:cNvSpPr>
+          <p:nvPr>
+            <p:ph type="body" idx="1"/>
+          </p:nvPr>
         </p:nvSpPr>
         <p:spPr>
           <a:xfrm>
-            <a:off x="276766" y="2291081"/>
-            <a:ext cx="11638468" cy="2847337"/>
+            <a:off x="0" y="1138136"/>
+            <a:ext cx="12192000" cy="5719863"/>
           </a:xfrm>
-          <a:prstGeom prst="rect">
-            <a:avLst/>
-          </a:prstGeom>
-          <a:ln w="12700">
-            <a:miter lim="400000"/>
-          </a:ln>
-          <a:extLst>
-            <a:ext uri="{C572A759-6A51-4108-AA02-DFA0A04FC94B}">
-              <ma14:wrappingTextBoxFlag xmlns="" xmlns:m="http://schemas.openxmlformats.org/officeDocument/2006/math" xmlns:a14="http://schemas.microsoft.com/office/drawing/2010/main" xmlns:ma14="http://schemas.microsoft.com/office/mac/drawingml/2011/main" val="1"/>
-            </a:ext>
-          </a:extLst>
         </p:spPr>
         <p:txBody>
-          <a:bodyPr lIns="45718" tIns="45718" rIns="45718" bIns="45718">
-            <a:spAutoFit/>
+          <a:bodyPr>
+            <a:normAutofit/>
           </a:bodyPr>
           <a:lstStyle/>
           <a:p>
-            <a:pPr>
+            <a:pPr marL="0" indent="0">
+              <a:buNone/>
               <a:defRPr sz="2600">
                 <a:latin typeface="Courier"/>
                 <a:ea typeface="Courier"/>
@@ -3302,18 +3315,61 @@
               </a:defRPr>
             </a:pPr>
             <a:r>
+              <a:rPr lang="en-US" sz="2000" dirty="0">
+                <a:latin typeface="Courier"/>
+                <a:cs typeface="Arial" panose="020B0604020202020204" pitchFamily="34" charset="0"/>
+              </a:rPr>
               <a:t>&lt;</a:t>
             </a:r>
             <a:r>
-              <a:rPr b="1"/>
-              <a:t>signed_float</a:t>
-            </a:r>
-            <a:r>
-              <a:t>&gt; → &lt;sign&gt;&lt;float&gt;</a:t>
-            </a:r>
-          </a:p>
-          <a:p>
-            <a:pPr>
+              <a:rPr lang="en-US" sz="2000" dirty="0" err="1">
+                <a:latin typeface="Courier"/>
+                <a:cs typeface="Arial" panose="020B0604020202020204" pitchFamily="34" charset="0"/>
+              </a:rPr>
+              <a:t>s_float</a:t>
+            </a:r>
+            <a:r>
+              <a:rPr lang="en-US" sz="2000" dirty="0">
+                <a:latin typeface="Courier"/>
+                <a:cs typeface="Arial" panose="020B0604020202020204" pitchFamily="34" charset="0"/>
+              </a:rPr>
+              <a:t>&gt; → &lt;sign&gt;&lt;float&gt;	</a:t>
+            </a:r>
+            <a:r>
+              <a:rPr lang="ru-RU" sz="2000" dirty="0">
+                <a:latin typeface="Courier"/>
+                <a:cs typeface="Arial" panose="020B0604020202020204" pitchFamily="34" charset="0"/>
+              </a:rPr>
+              <a:t> </a:t>
+            </a:r>
+            <a:r>
+              <a:rPr lang="en-US" sz="2000" dirty="0">
+                <a:solidFill>
+                  <a:schemeClr val="tx2">
+                    <a:lumMod val="50000"/>
+                  </a:schemeClr>
+                </a:solidFill>
+                <a:latin typeface="Courier"/>
+                <a:cs typeface="Arial" panose="020B0604020202020204" pitchFamily="34" charset="0"/>
+              </a:rPr>
+              <a:t>// </a:t>
+            </a:r>
+            <a:r>
+              <a:rPr lang="ru-RU" sz="2000" dirty="0">
+                <a:solidFill>
+                  <a:schemeClr val="tx2">
+                    <a:lumMod val="50000"/>
+                  </a:schemeClr>
+                </a:solidFill>
+                <a:latin typeface="Courier"/>
+                <a:cs typeface="Arial" panose="020B0604020202020204" pitchFamily="34" charset="0"/>
+              </a:rPr>
+              <a:t>состоит из знака и числа</a:t>
+            </a:r>
+          </a:p>
+          <a:p>
+            <a:pPr marL="0" indent="0">
+              <a:buNone/>
               <a:defRPr sz="2600">
                 <a:latin typeface="Courier"/>
                 <a:ea typeface="Courier"/>
@@ -3322,11 +3378,56 @@
               </a:defRPr>
             </a:pPr>
             <a:r>
-              <a:t>&lt;sign&gt;         → - | &lt;plus&gt;</a:t>
-            </a:r>
-          </a:p>
-          <a:p>
-            <a:pPr>
+              <a:rPr lang="en-US" sz="2000" dirty="0">
+                <a:latin typeface="Courier"/>
+                <a:cs typeface="Arial" panose="020B0604020202020204" pitchFamily="34" charset="0"/>
+              </a:rPr>
+              <a:t>&lt;float&gt;   → &lt;int&gt; 		</a:t>
+            </a:r>
+            <a:r>
+              <a:rPr lang="ru-RU" sz="2000" dirty="0">
+                <a:latin typeface="Courier"/>
+                <a:cs typeface="Arial" panose="020B0604020202020204" pitchFamily="34" charset="0"/>
+              </a:rPr>
+              <a:t> </a:t>
+            </a:r>
+            <a:r>
+              <a:rPr lang="en-US" sz="2000" dirty="0">
+                <a:solidFill>
+                  <a:schemeClr val="tx2">
+                    <a:lumMod val="50000"/>
+                  </a:schemeClr>
+                </a:solidFill>
+                <a:latin typeface="Courier"/>
+                <a:cs typeface="Arial" panose="020B0604020202020204" pitchFamily="34" charset="0"/>
+              </a:rPr>
+              <a:t>// </a:t>
+            </a:r>
+            <a:r>
+              <a:rPr lang="ru-RU" sz="2000" dirty="0">
+                <a:solidFill>
+                  <a:schemeClr val="tx2">
+                    <a:lumMod val="50000"/>
+                  </a:schemeClr>
+                </a:solidFill>
+                <a:latin typeface="Courier"/>
+                <a:cs typeface="Arial" panose="020B0604020202020204" pitchFamily="34" charset="0"/>
+              </a:rPr>
+              <a:t>целое число</a:t>
+            </a:r>
+            <a:endParaRPr lang="en-US" sz="2000" dirty="0">
+              <a:solidFill>
+                <a:schemeClr val="tx2">
+                  <a:lumMod val="50000"/>
+                </a:schemeClr>
+              </a:solidFill>
+              <a:latin typeface="Courier"/>
+              <a:cs typeface="Arial" panose="020B0604020202020204" pitchFamily="34" charset="0"/>
+            </a:endParaRPr>
+          </a:p>
+          <a:p>
+            <a:pPr marL="0" indent="0">
+              <a:buNone/>
               <a:defRPr sz="2600">
                 <a:latin typeface="Courier"/>
                 <a:ea typeface="Courier"/>
@@ -3335,11 +3436,44 @@
               </a:defRPr>
             </a:pPr>
             <a:r>
-              <a:t>&lt;plus&gt;         → + | ‘’</a:t>
-            </a:r>
-          </a:p>
-          <a:p>
-            <a:pPr>
+              <a:rPr lang="en-US" sz="2000" dirty="0">
+                <a:latin typeface="Courier"/>
+                <a:cs typeface="Arial" panose="020B0604020202020204" pitchFamily="34" charset="0"/>
+              </a:rPr>
+              <a:t>		|.&lt;int&gt; </a:t>
+            </a:r>
+            <a:r>
+              <a:rPr lang="ru-RU" sz="2000" dirty="0">
+                <a:latin typeface="Courier"/>
+                <a:cs typeface="Arial" panose="020B0604020202020204" pitchFamily="34" charset="0"/>
+              </a:rPr>
+              <a:t>		 </a:t>
+            </a:r>
+            <a:r>
+              <a:rPr lang="ru-RU" sz="2000" dirty="0">
+                <a:solidFill>
+                  <a:schemeClr val="tx2">
+                    <a:lumMod val="50000"/>
+                  </a:schemeClr>
+                </a:solidFill>
+                <a:latin typeface="Courier"/>
+                <a:cs typeface="Arial" panose="020B0604020202020204" pitchFamily="34" charset="0"/>
+              </a:rPr>
+              <a:t>// целое число, начинающееся с точки</a:t>
+            </a:r>
+            <a:endParaRPr lang="en-US" sz="2000" dirty="0">
+              <a:solidFill>
+                <a:schemeClr val="tx2">
+                  <a:lumMod val="50000"/>
+                </a:schemeClr>
+              </a:solidFill>
+              <a:latin typeface="Courier"/>
+              <a:cs typeface="Arial" panose="020B0604020202020204" pitchFamily="34" charset="0"/>
+            </a:endParaRPr>
+          </a:p>
+          <a:p>
+            <a:pPr marL="0" indent="0">
+              <a:buNone/>
               <a:defRPr sz="2600">
                 <a:latin typeface="Courier"/>
                 <a:ea typeface="Courier"/>
@@ -3348,18 +3482,44 @@
               </a:defRPr>
             </a:pPr>
             <a:r>
-              <a:t>&lt;</a:t>
-            </a:r>
-            <a:r>
-              <a:rPr b="1"/>
-              <a:t>float</a:t>
-            </a:r>
-            <a:r>
-              <a:t>&gt;        → &lt;int&gt; | .&lt;int&gt; | &lt;int&gt;. | &lt;int&gt;.&lt;int&gt; |</a:t>
-            </a:r>
-          </a:p>
-          <a:p>
-            <a:pPr lvl="2">
+              <a:rPr lang="en-US" sz="2000" dirty="0">
+                <a:latin typeface="Courier"/>
+                <a:cs typeface="Arial" panose="020B0604020202020204" pitchFamily="34" charset="0"/>
+              </a:rPr>
+              <a:t>		|&lt;int&gt;.</a:t>
+            </a:r>
+            <a:r>
+              <a:rPr lang="ru-RU" sz="2000" dirty="0">
+                <a:latin typeface="Courier"/>
+                <a:cs typeface="Arial" panose="020B0604020202020204" pitchFamily="34" charset="0"/>
+              </a:rPr>
+              <a:t>		 </a:t>
+            </a:r>
+            <a:r>
+              <a:rPr lang="ru-RU" sz="2000" dirty="0">
+                <a:solidFill>
+                  <a:schemeClr val="tx2">
+                    <a:lumMod val="50000"/>
+                  </a:schemeClr>
+                </a:solidFill>
+                <a:latin typeface="Courier"/>
+                <a:cs typeface="Arial" panose="020B0604020202020204" pitchFamily="34" charset="0"/>
+              </a:rPr>
+              <a:t>// целое число, заканчивающееся точкой</a:t>
+            </a:r>
+            <a:endParaRPr lang="en-US" sz="2000" dirty="0">
+              <a:solidFill>
+                <a:schemeClr val="tx2">
+                  <a:lumMod val="50000"/>
+                </a:schemeClr>
+              </a:solidFill>
+              <a:latin typeface="Courier"/>
+              <a:cs typeface="Arial" panose="020B0604020202020204" pitchFamily="34" charset="0"/>
+            </a:endParaRPr>
+          </a:p>
+          <a:p>
+            <a:pPr marL="0" indent="0">
+              <a:buNone/>
               <a:defRPr sz="2600">
                 <a:latin typeface="Courier"/>
                 <a:ea typeface="Courier"/>
@@ -3368,11 +3528,44 @@
               </a:defRPr>
             </a:pPr>
             <a:r>
-              <a:t>                 | &lt;int&gt;e&lt;sign&gt;&lt;int&gt; | &lt;int&gt;E&lt;sign&gt;&lt;int&gt;</a:t>
-            </a:r>
-          </a:p>
-          <a:p>
-            <a:pPr>
+              <a:rPr lang="en-US" sz="2000" dirty="0">
+                <a:latin typeface="Courier"/>
+                <a:cs typeface="Arial" panose="020B0604020202020204" pitchFamily="34" charset="0"/>
+              </a:rPr>
+              <a:t>		|&lt;int&gt;.&lt;int&gt; </a:t>
+            </a:r>
+            <a:r>
+              <a:rPr lang="ru-RU" sz="2000" dirty="0">
+                <a:latin typeface="Courier"/>
+                <a:cs typeface="Arial" panose="020B0604020202020204" pitchFamily="34" charset="0"/>
+              </a:rPr>
+              <a:t>	 </a:t>
+            </a:r>
+            <a:r>
+              <a:rPr lang="ru-RU" sz="2000" dirty="0">
+                <a:solidFill>
+                  <a:schemeClr val="tx2">
+                    <a:lumMod val="50000"/>
+                  </a:schemeClr>
+                </a:solidFill>
+                <a:latin typeface="Courier"/>
+                <a:cs typeface="Arial" panose="020B0604020202020204" pitchFamily="34" charset="0"/>
+              </a:rPr>
+              <a:t>// число с целой и дробной частью</a:t>
+            </a:r>
+            <a:endParaRPr lang="en-US" sz="2000" dirty="0">
+              <a:solidFill>
+                <a:schemeClr val="tx2">
+                  <a:lumMod val="50000"/>
+                </a:schemeClr>
+              </a:solidFill>
+              <a:latin typeface="Courier"/>
+              <a:cs typeface="Arial" panose="020B0604020202020204" pitchFamily="34" charset="0"/>
+            </a:endParaRPr>
+          </a:p>
+          <a:p>
+            <a:pPr marL="914400" lvl="2" indent="0">
+              <a:buNone/>
               <a:defRPr sz="2600">
                 <a:latin typeface="Courier"/>
                 <a:ea typeface="Courier"/>
@@ -3381,11 +3574,68 @@
               </a:defRPr>
             </a:pPr>
             <a:r>
-              <a:t>&lt;int&gt;          → &lt;digit&gt; | &lt;digit&gt;&lt;int&gt;</a:t>
-            </a:r>
-          </a:p>
-          <a:p>
-            <a:pPr>
+              <a:rPr lang="en-US" sz="2000" dirty="0">
+                <a:latin typeface="Courier"/>
+                <a:cs typeface="Arial" panose="020B0604020202020204" pitchFamily="34" charset="0"/>
+              </a:rPr>
+              <a:t>	|&lt;int&gt;e&lt;sign&gt;&lt;int&gt;</a:t>
+            </a:r>
+            <a:r>
+              <a:rPr lang="ru-RU" sz="2000" dirty="0">
+                <a:latin typeface="Courier"/>
+                <a:cs typeface="Arial" panose="020B0604020202020204" pitchFamily="34" charset="0"/>
+              </a:rPr>
+              <a:t> </a:t>
+            </a:r>
+            <a:r>
+              <a:rPr lang="ru-RU" sz="2000" dirty="0">
+                <a:solidFill>
+                  <a:schemeClr val="tx2">
+                    <a:lumMod val="50000"/>
+                  </a:schemeClr>
+                </a:solidFill>
+                <a:latin typeface="Courier"/>
+                <a:cs typeface="Arial" panose="020B0604020202020204" pitchFamily="34" charset="0"/>
+              </a:rPr>
+              <a:t>// целое число, символ </a:t>
+            </a:r>
+            <a:r>
+              <a:rPr lang="en-US" sz="2000" dirty="0">
+                <a:solidFill>
+                  <a:schemeClr val="tx2">
+                    <a:lumMod val="50000"/>
+                  </a:schemeClr>
+                </a:solidFill>
+                <a:latin typeface="Courier"/>
+                <a:cs typeface="Arial" panose="020B0604020202020204" pitchFamily="34" charset="0"/>
+              </a:rPr>
+              <a:t>e</a:t>
+            </a:r>
+            <a:r>
+              <a:rPr lang="ru-RU" sz="2000" dirty="0">
+                <a:solidFill>
+                  <a:schemeClr val="tx2">
+                    <a:lumMod val="50000"/>
+                  </a:schemeClr>
+                </a:solidFill>
+                <a:latin typeface="Courier"/>
+                <a:cs typeface="Arial" panose="020B0604020202020204" pitchFamily="34" charset="0"/>
+              </a:rPr>
+              <a:t>, знак и целое число</a:t>
+            </a:r>
+            <a:endParaRPr lang="en-US" sz="2000" dirty="0">
+              <a:solidFill>
+                <a:schemeClr val="tx2">
+                  <a:lumMod val="50000"/>
+                </a:schemeClr>
+              </a:solidFill>
+              <a:latin typeface="Courier"/>
+              <a:cs typeface="Arial" panose="020B0604020202020204" pitchFamily="34" charset="0"/>
+            </a:endParaRPr>
+          </a:p>
+          <a:p>
+            <a:pPr marL="914400" lvl="2" indent="0">
+              <a:buNone/>
               <a:defRPr sz="2600">
                 <a:latin typeface="Courier"/>
                 <a:ea typeface="Courier"/>
@@ -3394,12 +3644,2964 @@
               </a:defRPr>
             </a:pPr>
             <a:r>
-              <a:t>&lt;digit&gt;        → 0 | 1 | 2 | 3 | 4 | 5 | 6 | 7 | 8 | 9</a:t>
-            </a:r>
+              <a:rPr lang="en-US" sz="2000" dirty="0">
+                <a:latin typeface="Courier"/>
+                <a:cs typeface="Arial" panose="020B0604020202020204" pitchFamily="34" charset="0"/>
+              </a:rPr>
+              <a:t>	|&lt;int&gt;E&lt;sign&gt;&lt;int&gt;</a:t>
+            </a:r>
+            <a:r>
+              <a:rPr lang="ru-RU" sz="2000" dirty="0">
+                <a:latin typeface="Courier"/>
+                <a:cs typeface="Arial" panose="020B0604020202020204" pitchFamily="34" charset="0"/>
+              </a:rPr>
+              <a:t> </a:t>
+            </a:r>
+            <a:r>
+              <a:rPr lang="ru-RU" sz="2000" dirty="0">
+                <a:solidFill>
+                  <a:schemeClr val="tx2">
+                    <a:lumMod val="50000"/>
+                  </a:schemeClr>
+                </a:solidFill>
+                <a:latin typeface="Courier"/>
+                <a:cs typeface="Arial" panose="020B0604020202020204" pitchFamily="34" charset="0"/>
+              </a:rPr>
+              <a:t>// целое число, символ Е, знак и целое число</a:t>
+            </a:r>
+            <a:endParaRPr lang="en-US" sz="2000" dirty="0">
+              <a:solidFill>
+                <a:schemeClr val="tx2">
+                  <a:lumMod val="50000"/>
+                </a:schemeClr>
+              </a:solidFill>
+              <a:latin typeface="Courier"/>
+              <a:cs typeface="Arial" panose="020B0604020202020204" pitchFamily="34" charset="0"/>
+            </a:endParaRPr>
+          </a:p>
+          <a:p>
+            <a:pPr marL="0" indent="0">
+              <a:buNone/>
+              <a:defRPr sz="2600">
+                <a:latin typeface="Courier"/>
+                <a:ea typeface="Courier"/>
+                <a:cs typeface="Courier"/>
+                <a:sym typeface="Courier"/>
+              </a:defRPr>
+            </a:pPr>
+            <a:r>
+              <a:rPr lang="en-US" sz="2000" dirty="0">
+                <a:latin typeface="Courier"/>
+                <a:cs typeface="Arial" panose="020B0604020202020204" pitchFamily="34" charset="0"/>
+              </a:rPr>
+              <a:t>&lt;int&gt;     → &lt;digit&gt; </a:t>
+            </a:r>
+            <a:r>
+              <a:rPr lang="ru-RU" sz="2000" dirty="0">
+                <a:latin typeface="Courier"/>
+                <a:cs typeface="Arial" panose="020B0604020202020204" pitchFamily="34" charset="0"/>
+              </a:rPr>
+              <a:t>		 </a:t>
+            </a:r>
+            <a:r>
+              <a:rPr lang="ru-RU" sz="2000" dirty="0">
+                <a:solidFill>
+                  <a:schemeClr val="tx2">
+                    <a:lumMod val="50000"/>
+                  </a:schemeClr>
+                </a:solidFill>
+                <a:latin typeface="Courier"/>
+                <a:cs typeface="Arial" panose="020B0604020202020204" pitchFamily="34" charset="0"/>
+              </a:rPr>
+              <a:t>// целое число состоит из одной цифры</a:t>
+            </a:r>
+            <a:endParaRPr lang="en-US" sz="2000" dirty="0">
+              <a:solidFill>
+                <a:schemeClr val="tx2">
+                  <a:lumMod val="50000"/>
+                </a:schemeClr>
+              </a:solidFill>
+              <a:latin typeface="Courier"/>
+              <a:cs typeface="Arial" panose="020B0604020202020204" pitchFamily="34" charset="0"/>
+            </a:endParaRPr>
+          </a:p>
+          <a:p>
+            <a:pPr marL="0" indent="0">
+              <a:buNone/>
+              <a:defRPr sz="2600">
+                <a:latin typeface="Courier"/>
+                <a:ea typeface="Courier"/>
+                <a:cs typeface="Courier"/>
+                <a:sym typeface="Courier"/>
+              </a:defRPr>
+            </a:pPr>
+            <a:r>
+              <a:rPr lang="en-US" sz="2000" dirty="0">
+                <a:latin typeface="Courier"/>
+                <a:cs typeface="Arial" panose="020B0604020202020204" pitchFamily="34" charset="0"/>
+              </a:rPr>
+              <a:t>		&lt;digit&gt;&lt;int&gt;</a:t>
+            </a:r>
+            <a:r>
+              <a:rPr lang="ru-RU" sz="2000" dirty="0">
+                <a:latin typeface="Courier"/>
+                <a:cs typeface="Arial" panose="020B0604020202020204" pitchFamily="34" charset="0"/>
+              </a:rPr>
+              <a:t>	 </a:t>
+            </a:r>
+            <a:r>
+              <a:rPr lang="ru-RU" sz="2000" dirty="0">
+                <a:solidFill>
+                  <a:schemeClr val="tx2">
+                    <a:lumMod val="50000"/>
+                  </a:schemeClr>
+                </a:solidFill>
+                <a:latin typeface="Courier"/>
+                <a:cs typeface="Arial" panose="020B0604020202020204" pitchFamily="34" charset="0"/>
+              </a:rPr>
+              <a:t>// или из цифры и целого числа</a:t>
+            </a:r>
+            <a:endParaRPr lang="en-US" sz="2000" dirty="0">
+              <a:solidFill>
+                <a:schemeClr val="tx2">
+                  <a:lumMod val="50000"/>
+                </a:schemeClr>
+              </a:solidFill>
+              <a:latin typeface="Courier"/>
+              <a:cs typeface="Arial" panose="020B0604020202020204" pitchFamily="34" charset="0"/>
+            </a:endParaRPr>
+          </a:p>
+          <a:p>
+            <a:pPr marL="0" indent="0">
+              <a:buNone/>
+              <a:defRPr sz="2600">
+                <a:latin typeface="Courier"/>
+                <a:ea typeface="Courier"/>
+                <a:cs typeface="Courier"/>
+                <a:sym typeface="Courier"/>
+              </a:defRPr>
+            </a:pPr>
+            <a:r>
+              <a:rPr lang="en-US" sz="2000" dirty="0">
+                <a:latin typeface="Courier"/>
+                <a:cs typeface="Arial" panose="020B0604020202020204" pitchFamily="34" charset="0"/>
+              </a:rPr>
+              <a:t>&lt;digit&gt;   → 0|1|…|9</a:t>
+            </a:r>
+            <a:r>
+              <a:rPr lang="ru-RU" sz="2000" dirty="0">
+                <a:latin typeface="Courier"/>
+                <a:cs typeface="Arial" panose="020B0604020202020204" pitchFamily="34" charset="0"/>
+              </a:rPr>
+              <a:t>		 </a:t>
+            </a:r>
+            <a:r>
+              <a:rPr lang="ru-RU" sz="2000" dirty="0">
+                <a:solidFill>
+                  <a:schemeClr val="tx2">
+                    <a:lumMod val="50000"/>
+                  </a:schemeClr>
+                </a:solidFill>
+                <a:latin typeface="Courier"/>
+                <a:cs typeface="Arial" panose="020B0604020202020204" pitchFamily="34" charset="0"/>
+              </a:rPr>
+              <a:t>// цифра может быть символом 0,1,…,9</a:t>
+            </a:r>
+          </a:p>
+          <a:p>
+            <a:pPr marL="0" indent="0">
+              <a:buNone/>
+              <a:defRPr sz="2600">
+                <a:latin typeface="Courier"/>
+                <a:ea typeface="Courier"/>
+                <a:cs typeface="Courier"/>
+                <a:sym typeface="Courier"/>
+              </a:defRPr>
+            </a:pPr>
+            <a:r>
+              <a:rPr lang="ru-RU" sz="2000" dirty="0">
+                <a:latin typeface="Courier"/>
+                <a:cs typeface="Arial" panose="020B0604020202020204" pitchFamily="34" charset="0"/>
+              </a:rPr>
+              <a:t>&lt;</a:t>
+            </a:r>
+            <a:r>
+              <a:rPr lang="en-US" sz="2000" dirty="0">
+                <a:latin typeface="Courier"/>
+                <a:cs typeface="Arial" panose="020B0604020202020204" pitchFamily="34" charset="0"/>
+              </a:rPr>
+              <a:t>sign&gt;    → - | + | ‘ ’</a:t>
+            </a:r>
+            <a:r>
+              <a:rPr lang="ru-RU" sz="2000" dirty="0">
+                <a:latin typeface="Courier"/>
+                <a:cs typeface="Arial" panose="020B0604020202020204" pitchFamily="34" charset="0"/>
+              </a:rPr>
+              <a:t>		 </a:t>
+            </a:r>
+            <a:r>
+              <a:rPr lang="ru-RU" sz="2000" dirty="0">
+                <a:solidFill>
+                  <a:schemeClr val="tx2">
+                    <a:lumMod val="50000"/>
+                  </a:schemeClr>
+                </a:solidFill>
+                <a:latin typeface="Courier"/>
+                <a:cs typeface="Arial" panose="020B0604020202020204" pitchFamily="34" charset="0"/>
+              </a:rPr>
+              <a:t>// знак минус, или плюс, или пустой символ</a:t>
+            </a:r>
+            <a:endParaRPr lang="en-US" sz="2000" dirty="0">
+              <a:solidFill>
+                <a:schemeClr val="tx2">
+                  <a:lumMod val="50000"/>
+                </a:schemeClr>
+              </a:solidFill>
+              <a:latin typeface="Courier"/>
+              <a:cs typeface="Arial" panose="020B0604020202020204" pitchFamily="34" charset="0"/>
+            </a:endParaRPr>
+          </a:p>
+          <a:p>
+            <a:pPr marL="0" indent="0">
+              <a:buNone/>
+              <a:defRPr sz="2600">
+                <a:latin typeface="Courier"/>
+                <a:ea typeface="Courier"/>
+                <a:cs typeface="Courier"/>
+                <a:sym typeface="Courier"/>
+              </a:defRPr>
+            </a:pPr>
+            <a:endParaRPr lang="en-US" sz="2000" dirty="0">
+              <a:solidFill>
+                <a:schemeClr val="tx2">
+                  <a:lumMod val="50000"/>
+                </a:schemeClr>
+              </a:solidFill>
+              <a:latin typeface="Courier"/>
+              <a:cs typeface="Arial" panose="020B0604020202020204" pitchFamily="34" charset="0"/>
+            </a:endParaRPr>
+          </a:p>
+          <a:p>
+            <a:pPr marL="0" indent="0">
+              <a:buNone/>
+            </a:pPr>
+            <a:endParaRPr lang="ru-RU" dirty="0"/>
           </a:p>
         </p:txBody>
       </p:sp>
     </p:spTree>
+  </p:cSld>
+  <p:clrMapOvr>
+    <a:masterClrMapping/>
+  </p:clrMapOvr>
+  <p:transition spd="med"/>
+</p:sld>
+</file>
+
+<file path=ppt/slides/slide13.xml><?xml version="1.0" encoding="utf-8"?>
+<p:sld xmlns:a="http://schemas.openxmlformats.org/drawingml/2006/main" xmlns:r="http://schemas.openxmlformats.org/officeDocument/2006/relationships" xmlns:p="http://schemas.openxmlformats.org/presentationml/2006/main">
+  <p:cSld>
+    <p:spTree>
+      <p:nvGrpSpPr>
+        <p:cNvPr id="1" name=""/>
+        <p:cNvGrpSpPr/>
+        <p:nvPr/>
+      </p:nvGrpSpPr>
+      <p:grpSpPr>
+        <a:xfrm>
+          <a:off x="0" y="0"/>
+          <a:ext cx="0" cy="0"/>
+          <a:chOff x="0" y="0"/>
+          <a:chExt cx="0" cy="0"/>
+        </a:xfrm>
+      </p:grpSpPr>
+      <p:sp>
+        <p:nvSpPr>
+          <p:cNvPr id="2" name="Заголовок 1">
+            <a:extLst>
+              <a:ext uri="{FF2B5EF4-FFF2-40B4-BE49-F238E27FC236}">
+                <a16:creationId xmlns:a16="http://schemas.microsoft.com/office/drawing/2014/main" id="{89CC959C-2B2B-4924-A23E-8072E970A7A6}"/>
+              </a:ext>
+            </a:extLst>
+          </p:cNvPr>
+          <p:cNvSpPr>
+            <a:spLocks noGrp="1"/>
+          </p:cNvSpPr>
+          <p:nvPr>
+            <p:ph type="title"/>
+          </p:nvPr>
+        </p:nvSpPr>
+        <p:spPr>
+          <a:xfrm>
+            <a:off x="838200" y="0"/>
+            <a:ext cx="10515600" cy="685462"/>
+          </a:xfrm>
+        </p:spPr>
+        <p:txBody>
+          <a:bodyPr>
+            <a:normAutofit fontScale="90000"/>
+          </a:bodyPr>
+          <a:lstStyle/>
+          <a:p>
+            <a:r>
+              <a:rPr lang="ru-RU" dirty="0"/>
+              <a:t>Пример синтаксического дерева:</a:t>
+            </a:r>
+          </a:p>
+        </p:txBody>
+      </p:sp>
+      <p:sp>
+        <p:nvSpPr>
+          <p:cNvPr id="3" name="Текст 2">
+            <a:extLst>
+              <a:ext uri="{FF2B5EF4-FFF2-40B4-BE49-F238E27FC236}">
+                <a16:creationId xmlns:a16="http://schemas.microsoft.com/office/drawing/2014/main" id="{B0508999-92BB-4A3A-B0FC-259F2501D4B5}"/>
+              </a:ext>
+            </a:extLst>
+          </p:cNvPr>
+          <p:cNvSpPr>
+            <a:spLocks noGrp="1"/>
+          </p:cNvSpPr>
+          <p:nvPr>
+            <p:ph type="body" idx="1"/>
+          </p:nvPr>
+        </p:nvSpPr>
+        <p:spPr>
+          <a:xfrm>
+            <a:off x="54138" y="634166"/>
+            <a:ext cx="12192000" cy="511040"/>
+          </a:xfrm>
+        </p:spPr>
+        <p:txBody>
+          <a:bodyPr/>
+          <a:lstStyle/>
+          <a:p>
+            <a:pPr marL="355600" indent="0">
+              <a:buNone/>
+            </a:pPr>
+            <a:r>
+              <a:rPr lang="ru-RU" dirty="0"/>
+              <a:t>Числовая вещественная константа: -0.</a:t>
+            </a:r>
+            <a:r>
+              <a:rPr lang="en-US" dirty="0"/>
+              <a:t>123</a:t>
+            </a:r>
+            <a:endParaRPr lang="ru-RU" dirty="0"/>
+          </a:p>
+        </p:txBody>
+      </p:sp>
+      <p:sp>
+        <p:nvSpPr>
+          <p:cNvPr id="4" name="TextBox 3">
+            <a:extLst>
+              <a:ext uri="{FF2B5EF4-FFF2-40B4-BE49-F238E27FC236}">
+                <a16:creationId xmlns:a16="http://schemas.microsoft.com/office/drawing/2014/main" id="{F1AE5A34-7BB1-4F5B-BFE5-5FE870758A72}"/>
+              </a:ext>
+            </a:extLst>
+          </p:cNvPr>
+          <p:cNvSpPr txBox="1"/>
+          <p:nvPr/>
+        </p:nvSpPr>
+        <p:spPr>
+          <a:xfrm>
+            <a:off x="1915052" y="1432212"/>
+            <a:ext cx="1060543" cy="400105"/>
+          </a:xfrm>
+          <a:prstGeom prst="rect">
+            <a:avLst/>
+          </a:prstGeom>
+          <a:noFill/>
+          <a:ln w="12700" cap="flat">
+            <a:noFill/>
+            <a:miter lim="400000"/>
+          </a:ln>
+          <a:effectLst/>
+          <a:sp3d/>
+        </p:spPr>
+        <p:style>
+          <a:lnRef idx="0">
+            <a:scrgbClr r="0" g="0" b="0"/>
+          </a:lnRef>
+          <a:fillRef idx="0">
+            <a:scrgbClr r="0" g="0" b="0"/>
+          </a:fillRef>
+          <a:effectRef idx="0">
+            <a:scrgbClr r="0" g="0" b="0"/>
+          </a:effectRef>
+          <a:fontRef idx="none"/>
+        </p:style>
+        <p:txBody>
+          <a:bodyPr rot="0" spcFirstLastPara="1" vertOverflow="overflow" horzOverflow="overflow" vert="horz" wrap="none" lIns="45718" tIns="45718" rIns="45718" bIns="45718" numCol="1" spcCol="38100" rtlCol="0" anchor="t">
+            <a:spAutoFit/>
+          </a:bodyPr>
+          <a:lstStyle/>
+          <a:p>
+            <a:pPr marL="0" marR="0" indent="0" algn="l" defTabSz="914400" rtl="0" fontAlgn="auto" latinLnBrk="0" hangingPunct="0">
+              <a:lnSpc>
+                <a:spcPct val="100000"/>
+              </a:lnSpc>
+              <a:spcBef>
+                <a:spcPts val="0"/>
+              </a:spcBef>
+              <a:spcAft>
+                <a:spcPts val="0"/>
+              </a:spcAft>
+              <a:buClrTx/>
+              <a:buSzTx/>
+              <a:buFontTx/>
+              <a:buNone/>
+              <a:tabLst/>
+            </a:pPr>
+            <a:r>
+              <a:rPr kumimoji="0" lang="en-US" sz="2000" b="0" i="0" u="none" strike="noStrike" cap="none" spc="0" normalizeH="0" baseline="0" dirty="0">
+                <a:ln>
+                  <a:noFill/>
+                </a:ln>
+                <a:solidFill>
+                  <a:srgbClr val="000000"/>
+                </a:solidFill>
+                <a:effectLst/>
+                <a:uFillTx/>
+                <a:latin typeface="+mj-lt"/>
+                <a:ea typeface="+mj-ea"/>
+                <a:cs typeface="+mj-cs"/>
+                <a:sym typeface="Calibri"/>
+              </a:rPr>
+              <a:t>&lt;</a:t>
+            </a:r>
+            <a:r>
+              <a:rPr kumimoji="0" lang="en-US" sz="2000" b="0" i="0" u="none" strike="noStrike" cap="none" spc="0" normalizeH="0" baseline="0" dirty="0" err="1">
+                <a:ln>
+                  <a:noFill/>
+                </a:ln>
+                <a:solidFill>
+                  <a:srgbClr val="000000"/>
+                </a:solidFill>
+                <a:effectLst/>
+                <a:uFillTx/>
+                <a:latin typeface="+mj-lt"/>
+                <a:ea typeface="+mj-ea"/>
+                <a:cs typeface="+mj-cs"/>
+                <a:sym typeface="Calibri"/>
+              </a:rPr>
+              <a:t>s_float</a:t>
+            </a:r>
+            <a:r>
+              <a:rPr kumimoji="0" lang="en-US" sz="2000" b="0" i="0" u="none" strike="noStrike" cap="none" spc="0" normalizeH="0" baseline="0" dirty="0">
+                <a:ln>
+                  <a:noFill/>
+                </a:ln>
+                <a:solidFill>
+                  <a:srgbClr val="000000"/>
+                </a:solidFill>
+                <a:effectLst/>
+                <a:uFillTx/>
+                <a:latin typeface="+mj-lt"/>
+                <a:ea typeface="+mj-ea"/>
+                <a:cs typeface="+mj-cs"/>
+                <a:sym typeface="Calibri"/>
+              </a:rPr>
+              <a:t>&gt;</a:t>
+            </a:r>
+            <a:endParaRPr kumimoji="0" lang="ru-RU" sz="2000" b="0" i="0" u="none" strike="noStrike" cap="none" spc="0" normalizeH="0" baseline="0" dirty="0">
+              <a:ln>
+                <a:noFill/>
+              </a:ln>
+              <a:solidFill>
+                <a:srgbClr val="000000"/>
+              </a:solidFill>
+              <a:effectLst/>
+              <a:uFillTx/>
+              <a:latin typeface="+mj-lt"/>
+              <a:ea typeface="+mj-ea"/>
+              <a:cs typeface="+mj-cs"/>
+              <a:sym typeface="Calibri"/>
+            </a:endParaRPr>
+          </a:p>
+        </p:txBody>
+      </p:sp>
+      <p:sp>
+        <p:nvSpPr>
+          <p:cNvPr id="5" name="TextBox 4">
+            <a:extLst>
+              <a:ext uri="{FF2B5EF4-FFF2-40B4-BE49-F238E27FC236}">
+                <a16:creationId xmlns:a16="http://schemas.microsoft.com/office/drawing/2014/main" id="{30FEB5FE-31A8-4AB8-AE8A-77CF84581DDB}"/>
+              </a:ext>
+            </a:extLst>
+          </p:cNvPr>
+          <p:cNvSpPr txBox="1"/>
+          <p:nvPr/>
+        </p:nvSpPr>
+        <p:spPr>
+          <a:xfrm>
+            <a:off x="442717" y="2117674"/>
+            <a:ext cx="763988" cy="400105"/>
+          </a:xfrm>
+          <a:prstGeom prst="rect">
+            <a:avLst/>
+          </a:prstGeom>
+          <a:noFill/>
+          <a:ln w="12700" cap="flat">
+            <a:noFill/>
+            <a:miter lim="400000"/>
+          </a:ln>
+          <a:effectLst/>
+          <a:sp3d/>
+        </p:spPr>
+        <p:style>
+          <a:lnRef idx="0">
+            <a:scrgbClr r="0" g="0" b="0"/>
+          </a:lnRef>
+          <a:fillRef idx="0">
+            <a:scrgbClr r="0" g="0" b="0"/>
+          </a:fillRef>
+          <a:effectRef idx="0">
+            <a:scrgbClr r="0" g="0" b="0"/>
+          </a:effectRef>
+          <a:fontRef idx="none"/>
+        </p:style>
+        <p:txBody>
+          <a:bodyPr rot="0" spcFirstLastPara="1" vertOverflow="overflow" horzOverflow="overflow" vert="horz" wrap="none" lIns="45718" tIns="45718" rIns="45718" bIns="45718" numCol="1" spcCol="38100" rtlCol="0" anchor="t">
+            <a:spAutoFit/>
+          </a:bodyPr>
+          <a:lstStyle/>
+          <a:p>
+            <a:pPr marL="0" marR="0" indent="0" algn="l" defTabSz="914400" rtl="0" fontAlgn="auto" latinLnBrk="0" hangingPunct="0">
+              <a:lnSpc>
+                <a:spcPct val="100000"/>
+              </a:lnSpc>
+              <a:spcBef>
+                <a:spcPts val="0"/>
+              </a:spcBef>
+              <a:spcAft>
+                <a:spcPts val="0"/>
+              </a:spcAft>
+              <a:buClrTx/>
+              <a:buSzTx/>
+              <a:buFontTx/>
+              <a:buNone/>
+              <a:tabLst/>
+            </a:pPr>
+            <a:r>
+              <a:rPr kumimoji="0" lang="en-US" sz="2000" b="0" i="0" u="none" strike="noStrike" cap="none" spc="0" normalizeH="0" baseline="0" dirty="0">
+                <a:ln>
+                  <a:noFill/>
+                </a:ln>
+                <a:solidFill>
+                  <a:srgbClr val="000000"/>
+                </a:solidFill>
+                <a:effectLst/>
+                <a:uFillTx/>
+                <a:latin typeface="+mj-lt"/>
+                <a:ea typeface="+mj-ea"/>
+                <a:cs typeface="+mj-cs"/>
+                <a:sym typeface="Calibri"/>
+              </a:rPr>
+              <a:t>&lt;sign&gt;</a:t>
+            </a:r>
+            <a:endParaRPr kumimoji="0" lang="ru-RU" sz="2000" b="0" i="0" u="none" strike="noStrike" cap="none" spc="0" normalizeH="0" baseline="0" dirty="0">
+              <a:ln>
+                <a:noFill/>
+              </a:ln>
+              <a:solidFill>
+                <a:srgbClr val="000000"/>
+              </a:solidFill>
+              <a:effectLst/>
+              <a:uFillTx/>
+              <a:latin typeface="+mj-lt"/>
+              <a:ea typeface="+mj-ea"/>
+              <a:cs typeface="+mj-cs"/>
+              <a:sym typeface="Calibri"/>
+            </a:endParaRPr>
+          </a:p>
+        </p:txBody>
+      </p:sp>
+      <p:sp>
+        <p:nvSpPr>
+          <p:cNvPr id="6" name="TextBox 5">
+            <a:extLst>
+              <a:ext uri="{FF2B5EF4-FFF2-40B4-BE49-F238E27FC236}">
+                <a16:creationId xmlns:a16="http://schemas.microsoft.com/office/drawing/2014/main" id="{D902B9DE-380B-46DA-820F-57392BC00746}"/>
+              </a:ext>
+            </a:extLst>
+          </p:cNvPr>
+          <p:cNvSpPr txBox="1"/>
+          <p:nvPr/>
+        </p:nvSpPr>
+        <p:spPr>
+          <a:xfrm>
+            <a:off x="3510727" y="2158422"/>
+            <a:ext cx="831314" cy="400105"/>
+          </a:xfrm>
+          <a:prstGeom prst="rect">
+            <a:avLst/>
+          </a:prstGeom>
+          <a:noFill/>
+          <a:ln w="12700" cap="flat">
+            <a:noFill/>
+            <a:miter lim="400000"/>
+          </a:ln>
+          <a:effectLst/>
+          <a:sp3d/>
+        </p:spPr>
+        <p:style>
+          <a:lnRef idx="0">
+            <a:scrgbClr r="0" g="0" b="0"/>
+          </a:lnRef>
+          <a:fillRef idx="0">
+            <a:scrgbClr r="0" g="0" b="0"/>
+          </a:fillRef>
+          <a:effectRef idx="0">
+            <a:scrgbClr r="0" g="0" b="0"/>
+          </a:effectRef>
+          <a:fontRef idx="none"/>
+        </p:style>
+        <p:txBody>
+          <a:bodyPr rot="0" spcFirstLastPara="1" vertOverflow="overflow" horzOverflow="overflow" vert="horz" wrap="none" lIns="45718" tIns="45718" rIns="45718" bIns="45718" numCol="1" spcCol="38100" rtlCol="0" anchor="t">
+            <a:spAutoFit/>
+          </a:bodyPr>
+          <a:lstStyle/>
+          <a:p>
+            <a:pPr marL="0" marR="0" indent="0" algn="l" defTabSz="914400" rtl="0" fontAlgn="auto" latinLnBrk="0" hangingPunct="0">
+              <a:lnSpc>
+                <a:spcPct val="100000"/>
+              </a:lnSpc>
+              <a:spcBef>
+                <a:spcPts val="0"/>
+              </a:spcBef>
+              <a:spcAft>
+                <a:spcPts val="0"/>
+              </a:spcAft>
+              <a:buClrTx/>
+              <a:buSzTx/>
+              <a:buFontTx/>
+              <a:buNone/>
+              <a:tabLst/>
+            </a:pPr>
+            <a:r>
+              <a:rPr kumimoji="0" lang="en-US" sz="2000" b="0" i="0" u="none" strike="noStrike" cap="none" spc="0" normalizeH="0" baseline="0" dirty="0">
+                <a:ln>
+                  <a:noFill/>
+                </a:ln>
+                <a:solidFill>
+                  <a:srgbClr val="000000"/>
+                </a:solidFill>
+                <a:effectLst/>
+                <a:uFillTx/>
+                <a:latin typeface="+mj-lt"/>
+                <a:ea typeface="+mj-ea"/>
+                <a:cs typeface="+mj-cs"/>
+                <a:sym typeface="Calibri"/>
+              </a:rPr>
+              <a:t>&lt;float&gt;</a:t>
+            </a:r>
+            <a:endParaRPr kumimoji="0" lang="ru-RU" sz="2000" b="0" i="0" u="none" strike="noStrike" cap="none" spc="0" normalizeH="0" baseline="0" dirty="0">
+              <a:ln>
+                <a:noFill/>
+              </a:ln>
+              <a:solidFill>
+                <a:srgbClr val="000000"/>
+              </a:solidFill>
+              <a:effectLst/>
+              <a:uFillTx/>
+              <a:latin typeface="+mj-lt"/>
+              <a:ea typeface="+mj-ea"/>
+              <a:cs typeface="+mj-cs"/>
+              <a:sym typeface="Calibri"/>
+            </a:endParaRPr>
+          </a:p>
+        </p:txBody>
+      </p:sp>
+      <p:sp>
+        <p:nvSpPr>
+          <p:cNvPr id="7" name="TextBox 6">
+            <a:extLst>
+              <a:ext uri="{FF2B5EF4-FFF2-40B4-BE49-F238E27FC236}">
+                <a16:creationId xmlns:a16="http://schemas.microsoft.com/office/drawing/2014/main" id="{A525FDD1-766F-4A42-B62F-277532637900}"/>
+              </a:ext>
+            </a:extLst>
+          </p:cNvPr>
+          <p:cNvSpPr txBox="1"/>
+          <p:nvPr/>
+        </p:nvSpPr>
+        <p:spPr>
+          <a:xfrm>
+            <a:off x="2504152" y="2917275"/>
+            <a:ext cx="629335" cy="400105"/>
+          </a:xfrm>
+          <a:prstGeom prst="rect">
+            <a:avLst/>
+          </a:prstGeom>
+          <a:noFill/>
+          <a:ln w="12700" cap="flat">
+            <a:noFill/>
+            <a:miter lim="400000"/>
+          </a:ln>
+          <a:effectLst/>
+          <a:sp3d/>
+        </p:spPr>
+        <p:style>
+          <a:lnRef idx="0">
+            <a:scrgbClr r="0" g="0" b="0"/>
+          </a:lnRef>
+          <a:fillRef idx="0">
+            <a:scrgbClr r="0" g="0" b="0"/>
+          </a:fillRef>
+          <a:effectRef idx="0">
+            <a:scrgbClr r="0" g="0" b="0"/>
+          </a:effectRef>
+          <a:fontRef idx="none"/>
+        </p:style>
+        <p:txBody>
+          <a:bodyPr rot="0" spcFirstLastPara="1" vertOverflow="overflow" horzOverflow="overflow" vert="horz" wrap="none" lIns="45718" tIns="45718" rIns="45718" bIns="45718" numCol="1" spcCol="38100" rtlCol="0" anchor="t">
+            <a:spAutoFit/>
+          </a:bodyPr>
+          <a:lstStyle/>
+          <a:p>
+            <a:pPr marL="0" marR="0" indent="0" algn="l" defTabSz="914400" rtl="0" fontAlgn="auto" latinLnBrk="0" hangingPunct="0">
+              <a:lnSpc>
+                <a:spcPct val="100000"/>
+              </a:lnSpc>
+              <a:spcBef>
+                <a:spcPts val="0"/>
+              </a:spcBef>
+              <a:spcAft>
+                <a:spcPts val="0"/>
+              </a:spcAft>
+              <a:buClrTx/>
+              <a:buSzTx/>
+              <a:buFontTx/>
+              <a:buNone/>
+              <a:tabLst/>
+            </a:pPr>
+            <a:r>
+              <a:rPr kumimoji="0" lang="en-US" sz="2000" b="0" i="0" u="none" strike="noStrike" cap="none" spc="0" normalizeH="0" baseline="0" dirty="0">
+                <a:ln>
+                  <a:noFill/>
+                </a:ln>
+                <a:solidFill>
+                  <a:srgbClr val="000000"/>
+                </a:solidFill>
+                <a:effectLst/>
+                <a:uFillTx/>
+                <a:latin typeface="+mj-lt"/>
+                <a:ea typeface="+mj-ea"/>
+                <a:cs typeface="+mj-cs"/>
+                <a:sym typeface="Calibri"/>
+              </a:rPr>
+              <a:t>&lt;int&gt;</a:t>
+            </a:r>
+            <a:endParaRPr kumimoji="0" lang="ru-RU" sz="2000" b="0" i="0" u="none" strike="noStrike" cap="none" spc="0" normalizeH="0" baseline="0" dirty="0">
+              <a:ln>
+                <a:noFill/>
+              </a:ln>
+              <a:solidFill>
+                <a:srgbClr val="000000"/>
+              </a:solidFill>
+              <a:effectLst/>
+              <a:uFillTx/>
+              <a:latin typeface="+mj-lt"/>
+              <a:ea typeface="+mj-ea"/>
+              <a:cs typeface="+mj-cs"/>
+              <a:sym typeface="Calibri"/>
+            </a:endParaRPr>
+          </a:p>
+        </p:txBody>
+      </p:sp>
+      <p:sp>
+        <p:nvSpPr>
+          <p:cNvPr id="8" name="TextBox 7">
+            <a:extLst>
+              <a:ext uri="{FF2B5EF4-FFF2-40B4-BE49-F238E27FC236}">
+                <a16:creationId xmlns:a16="http://schemas.microsoft.com/office/drawing/2014/main" id="{A0E09B6B-78DD-4608-AE73-BB83B40ACBB3}"/>
+              </a:ext>
+            </a:extLst>
+          </p:cNvPr>
+          <p:cNvSpPr txBox="1"/>
+          <p:nvPr/>
+        </p:nvSpPr>
+        <p:spPr>
+          <a:xfrm>
+            <a:off x="4858079" y="2928745"/>
+            <a:ext cx="629335" cy="400105"/>
+          </a:xfrm>
+          <a:prstGeom prst="rect">
+            <a:avLst/>
+          </a:prstGeom>
+          <a:noFill/>
+          <a:ln w="12700" cap="flat">
+            <a:noFill/>
+            <a:miter lim="400000"/>
+          </a:ln>
+          <a:effectLst/>
+          <a:sp3d/>
+        </p:spPr>
+        <p:style>
+          <a:lnRef idx="0">
+            <a:scrgbClr r="0" g="0" b="0"/>
+          </a:lnRef>
+          <a:fillRef idx="0">
+            <a:scrgbClr r="0" g="0" b="0"/>
+          </a:fillRef>
+          <a:effectRef idx="0">
+            <a:scrgbClr r="0" g="0" b="0"/>
+          </a:effectRef>
+          <a:fontRef idx="none"/>
+        </p:style>
+        <p:txBody>
+          <a:bodyPr rot="0" spcFirstLastPara="1" vertOverflow="overflow" horzOverflow="overflow" vert="horz" wrap="none" lIns="45718" tIns="45718" rIns="45718" bIns="45718" numCol="1" spcCol="38100" rtlCol="0" anchor="t">
+            <a:spAutoFit/>
+          </a:bodyPr>
+          <a:lstStyle/>
+          <a:p>
+            <a:pPr marL="0" marR="0" indent="0" algn="l" defTabSz="914400" rtl="0" fontAlgn="auto" latinLnBrk="0" hangingPunct="0">
+              <a:lnSpc>
+                <a:spcPct val="100000"/>
+              </a:lnSpc>
+              <a:spcBef>
+                <a:spcPts val="0"/>
+              </a:spcBef>
+              <a:spcAft>
+                <a:spcPts val="0"/>
+              </a:spcAft>
+              <a:buClrTx/>
+              <a:buSzTx/>
+              <a:buFontTx/>
+              <a:buNone/>
+              <a:tabLst/>
+            </a:pPr>
+            <a:r>
+              <a:rPr kumimoji="0" lang="en-US" sz="2000" b="0" i="0" u="none" strike="noStrike" cap="none" spc="0" normalizeH="0" baseline="0" dirty="0">
+                <a:ln>
+                  <a:noFill/>
+                </a:ln>
+                <a:solidFill>
+                  <a:srgbClr val="000000"/>
+                </a:solidFill>
+                <a:effectLst/>
+                <a:uFillTx/>
+                <a:latin typeface="+mj-lt"/>
+                <a:ea typeface="+mj-ea"/>
+                <a:cs typeface="+mj-cs"/>
+                <a:sym typeface="Calibri"/>
+              </a:rPr>
+              <a:t>&lt;int&gt;</a:t>
+            </a:r>
+            <a:endParaRPr kumimoji="0" lang="ru-RU" sz="2000" b="0" i="0" u="none" strike="noStrike" cap="none" spc="0" normalizeH="0" baseline="0" dirty="0">
+              <a:ln>
+                <a:noFill/>
+              </a:ln>
+              <a:solidFill>
+                <a:srgbClr val="000000"/>
+              </a:solidFill>
+              <a:effectLst/>
+              <a:uFillTx/>
+              <a:latin typeface="+mj-lt"/>
+              <a:ea typeface="+mj-ea"/>
+              <a:cs typeface="+mj-cs"/>
+              <a:sym typeface="Calibri"/>
+            </a:endParaRPr>
+          </a:p>
+        </p:txBody>
+      </p:sp>
+      <p:sp>
+        <p:nvSpPr>
+          <p:cNvPr id="9" name="TextBox 8">
+            <a:extLst>
+              <a:ext uri="{FF2B5EF4-FFF2-40B4-BE49-F238E27FC236}">
+                <a16:creationId xmlns:a16="http://schemas.microsoft.com/office/drawing/2014/main" id="{1F620CAB-3789-4170-A363-F10FF47C31EA}"/>
+              </a:ext>
+            </a:extLst>
+          </p:cNvPr>
+          <p:cNvSpPr txBox="1"/>
+          <p:nvPr/>
+        </p:nvSpPr>
+        <p:spPr>
+          <a:xfrm>
+            <a:off x="3864138" y="2958632"/>
+            <a:ext cx="161974" cy="400105"/>
+          </a:xfrm>
+          <a:prstGeom prst="rect">
+            <a:avLst/>
+          </a:prstGeom>
+          <a:noFill/>
+          <a:ln w="12700" cap="flat">
+            <a:noFill/>
+            <a:miter lim="400000"/>
+          </a:ln>
+          <a:effectLst/>
+          <a:sp3d/>
+        </p:spPr>
+        <p:style>
+          <a:lnRef idx="0">
+            <a:scrgbClr r="0" g="0" b="0"/>
+          </a:lnRef>
+          <a:fillRef idx="0">
+            <a:scrgbClr r="0" g="0" b="0"/>
+          </a:fillRef>
+          <a:effectRef idx="0">
+            <a:scrgbClr r="0" g="0" b="0"/>
+          </a:effectRef>
+          <a:fontRef idx="none"/>
+        </p:style>
+        <p:txBody>
+          <a:bodyPr rot="0" spcFirstLastPara="1" vertOverflow="overflow" horzOverflow="overflow" vert="horz" wrap="square" lIns="45718" tIns="45718" rIns="45718" bIns="45718" numCol="1" spcCol="38100" rtlCol="0" anchor="t">
+            <a:spAutoFit/>
+          </a:bodyPr>
+          <a:lstStyle/>
+          <a:p>
+            <a:pPr marL="0" marR="0" indent="0" algn="l" defTabSz="914400" rtl="0" fontAlgn="auto" latinLnBrk="0" hangingPunct="0">
+              <a:lnSpc>
+                <a:spcPct val="100000"/>
+              </a:lnSpc>
+              <a:spcBef>
+                <a:spcPts val="0"/>
+              </a:spcBef>
+              <a:spcAft>
+                <a:spcPts val="0"/>
+              </a:spcAft>
+              <a:buClrTx/>
+              <a:buSzTx/>
+              <a:buFontTx/>
+              <a:buNone/>
+              <a:tabLst/>
+            </a:pPr>
+            <a:r>
+              <a:rPr lang="en-US" sz="2000" b="1" dirty="0"/>
+              <a:t>.</a:t>
+            </a:r>
+            <a:endParaRPr kumimoji="0" lang="ru-RU" sz="2000" b="1" i="0" u="none" strike="noStrike" cap="none" spc="0" normalizeH="0" baseline="0" dirty="0">
+              <a:ln>
+                <a:noFill/>
+              </a:ln>
+              <a:solidFill>
+                <a:srgbClr val="000000"/>
+              </a:solidFill>
+              <a:effectLst/>
+              <a:uFillTx/>
+              <a:latin typeface="+mj-lt"/>
+              <a:ea typeface="+mj-ea"/>
+              <a:cs typeface="+mj-cs"/>
+              <a:sym typeface="Calibri"/>
+            </a:endParaRPr>
+          </a:p>
+        </p:txBody>
+      </p:sp>
+      <p:sp>
+        <p:nvSpPr>
+          <p:cNvPr id="10" name="TextBox 9">
+            <a:extLst>
+              <a:ext uri="{FF2B5EF4-FFF2-40B4-BE49-F238E27FC236}">
+                <a16:creationId xmlns:a16="http://schemas.microsoft.com/office/drawing/2014/main" id="{BF9D9CE1-7B17-484A-90C5-2FCF42CFE71D}"/>
+              </a:ext>
+            </a:extLst>
+          </p:cNvPr>
+          <p:cNvSpPr txBox="1"/>
+          <p:nvPr/>
+        </p:nvSpPr>
+        <p:spPr>
+          <a:xfrm>
+            <a:off x="2414384" y="3691504"/>
+            <a:ext cx="808872" cy="400105"/>
+          </a:xfrm>
+          <a:prstGeom prst="rect">
+            <a:avLst/>
+          </a:prstGeom>
+          <a:noFill/>
+          <a:ln w="12700" cap="flat">
+            <a:noFill/>
+            <a:miter lim="400000"/>
+          </a:ln>
+          <a:effectLst/>
+          <a:sp3d/>
+        </p:spPr>
+        <p:style>
+          <a:lnRef idx="0">
+            <a:scrgbClr r="0" g="0" b="0"/>
+          </a:lnRef>
+          <a:fillRef idx="0">
+            <a:scrgbClr r="0" g="0" b="0"/>
+          </a:fillRef>
+          <a:effectRef idx="0">
+            <a:scrgbClr r="0" g="0" b="0"/>
+          </a:effectRef>
+          <a:fontRef idx="none"/>
+        </p:style>
+        <p:txBody>
+          <a:bodyPr rot="0" spcFirstLastPara="1" vertOverflow="overflow" horzOverflow="overflow" vert="horz" wrap="none" lIns="45718" tIns="45718" rIns="45718" bIns="45718" numCol="1" spcCol="38100" rtlCol="0" anchor="t">
+            <a:spAutoFit/>
+          </a:bodyPr>
+          <a:lstStyle/>
+          <a:p>
+            <a:pPr marL="0" marR="0" indent="0" algn="l" defTabSz="914400" rtl="0" fontAlgn="auto" latinLnBrk="0" hangingPunct="0">
+              <a:lnSpc>
+                <a:spcPct val="100000"/>
+              </a:lnSpc>
+              <a:spcBef>
+                <a:spcPts val="0"/>
+              </a:spcBef>
+              <a:spcAft>
+                <a:spcPts val="0"/>
+              </a:spcAft>
+              <a:buClrTx/>
+              <a:buSzTx/>
+              <a:buFontTx/>
+              <a:buNone/>
+              <a:tabLst/>
+            </a:pPr>
+            <a:r>
+              <a:rPr kumimoji="0" lang="en-US" sz="2000" b="0" i="0" u="none" strike="noStrike" cap="none" spc="0" normalizeH="0" baseline="0" dirty="0">
+                <a:ln>
+                  <a:noFill/>
+                </a:ln>
+                <a:solidFill>
+                  <a:srgbClr val="000000"/>
+                </a:solidFill>
+                <a:effectLst/>
+                <a:uFillTx/>
+                <a:latin typeface="+mj-lt"/>
+                <a:ea typeface="+mj-ea"/>
+                <a:cs typeface="+mj-cs"/>
+                <a:sym typeface="Calibri"/>
+              </a:rPr>
+              <a:t>&lt;digit&gt;</a:t>
+            </a:r>
+            <a:endParaRPr kumimoji="0" lang="ru-RU" sz="2000" b="0" i="0" u="none" strike="noStrike" cap="none" spc="0" normalizeH="0" baseline="0" dirty="0">
+              <a:ln>
+                <a:noFill/>
+              </a:ln>
+              <a:solidFill>
+                <a:srgbClr val="000000"/>
+              </a:solidFill>
+              <a:effectLst/>
+              <a:uFillTx/>
+              <a:latin typeface="+mj-lt"/>
+              <a:ea typeface="+mj-ea"/>
+              <a:cs typeface="+mj-cs"/>
+              <a:sym typeface="Calibri"/>
+            </a:endParaRPr>
+          </a:p>
+        </p:txBody>
+      </p:sp>
+      <p:sp>
+        <p:nvSpPr>
+          <p:cNvPr id="11" name="TextBox 10">
+            <a:extLst>
+              <a:ext uri="{FF2B5EF4-FFF2-40B4-BE49-F238E27FC236}">
+                <a16:creationId xmlns:a16="http://schemas.microsoft.com/office/drawing/2014/main" id="{FE33785A-F65B-4B81-8FE1-7525AE8B3D22}"/>
+              </a:ext>
+            </a:extLst>
+          </p:cNvPr>
+          <p:cNvSpPr txBox="1"/>
+          <p:nvPr/>
+        </p:nvSpPr>
+        <p:spPr>
+          <a:xfrm>
+            <a:off x="4049207" y="3699069"/>
+            <a:ext cx="808872" cy="400105"/>
+          </a:xfrm>
+          <a:prstGeom prst="rect">
+            <a:avLst/>
+          </a:prstGeom>
+          <a:noFill/>
+          <a:ln w="12700" cap="flat">
+            <a:noFill/>
+            <a:miter lim="400000"/>
+          </a:ln>
+          <a:effectLst/>
+          <a:sp3d/>
+        </p:spPr>
+        <p:style>
+          <a:lnRef idx="0">
+            <a:scrgbClr r="0" g="0" b="0"/>
+          </a:lnRef>
+          <a:fillRef idx="0">
+            <a:scrgbClr r="0" g="0" b="0"/>
+          </a:fillRef>
+          <a:effectRef idx="0">
+            <a:scrgbClr r="0" g="0" b="0"/>
+          </a:effectRef>
+          <a:fontRef idx="none"/>
+        </p:style>
+        <p:txBody>
+          <a:bodyPr rot="0" spcFirstLastPara="1" vertOverflow="overflow" horzOverflow="overflow" vert="horz" wrap="none" lIns="45718" tIns="45718" rIns="45718" bIns="45718" numCol="1" spcCol="38100" rtlCol="0" anchor="t">
+            <a:spAutoFit/>
+          </a:bodyPr>
+          <a:lstStyle/>
+          <a:p>
+            <a:pPr marL="0" marR="0" indent="0" algn="l" defTabSz="914400" rtl="0" fontAlgn="auto" latinLnBrk="0" hangingPunct="0">
+              <a:lnSpc>
+                <a:spcPct val="100000"/>
+              </a:lnSpc>
+              <a:spcBef>
+                <a:spcPts val="0"/>
+              </a:spcBef>
+              <a:spcAft>
+                <a:spcPts val="0"/>
+              </a:spcAft>
+              <a:buClrTx/>
+              <a:buSzTx/>
+              <a:buFontTx/>
+              <a:buNone/>
+              <a:tabLst/>
+            </a:pPr>
+            <a:r>
+              <a:rPr kumimoji="0" lang="en-US" sz="2000" b="0" i="0" u="none" strike="noStrike" cap="none" spc="0" normalizeH="0" baseline="0" dirty="0">
+                <a:ln>
+                  <a:noFill/>
+                </a:ln>
+                <a:solidFill>
+                  <a:srgbClr val="000000"/>
+                </a:solidFill>
+                <a:effectLst/>
+                <a:uFillTx/>
+                <a:latin typeface="+mj-lt"/>
+                <a:ea typeface="+mj-ea"/>
+                <a:cs typeface="+mj-cs"/>
+                <a:sym typeface="Calibri"/>
+              </a:rPr>
+              <a:t>&lt;digit&gt;</a:t>
+            </a:r>
+            <a:endParaRPr kumimoji="0" lang="ru-RU" sz="2000" b="0" i="0" u="none" strike="noStrike" cap="none" spc="0" normalizeH="0" baseline="0" dirty="0">
+              <a:ln>
+                <a:noFill/>
+              </a:ln>
+              <a:solidFill>
+                <a:srgbClr val="000000"/>
+              </a:solidFill>
+              <a:effectLst/>
+              <a:uFillTx/>
+              <a:latin typeface="+mj-lt"/>
+              <a:ea typeface="+mj-ea"/>
+              <a:cs typeface="+mj-cs"/>
+              <a:sym typeface="Calibri"/>
+            </a:endParaRPr>
+          </a:p>
+        </p:txBody>
+      </p:sp>
+      <p:sp>
+        <p:nvSpPr>
+          <p:cNvPr id="12" name="TextBox 11">
+            <a:extLst>
+              <a:ext uri="{FF2B5EF4-FFF2-40B4-BE49-F238E27FC236}">
+                <a16:creationId xmlns:a16="http://schemas.microsoft.com/office/drawing/2014/main" id="{C85E6501-9611-4712-9FFC-49ABC77A96BB}"/>
+              </a:ext>
+            </a:extLst>
+          </p:cNvPr>
+          <p:cNvSpPr txBox="1"/>
+          <p:nvPr/>
+        </p:nvSpPr>
+        <p:spPr>
+          <a:xfrm>
+            <a:off x="5651058" y="3687706"/>
+            <a:ext cx="629335" cy="400105"/>
+          </a:xfrm>
+          <a:prstGeom prst="rect">
+            <a:avLst/>
+          </a:prstGeom>
+          <a:noFill/>
+          <a:ln w="12700" cap="flat">
+            <a:noFill/>
+            <a:miter lim="400000"/>
+          </a:ln>
+          <a:effectLst/>
+          <a:sp3d/>
+        </p:spPr>
+        <p:style>
+          <a:lnRef idx="0">
+            <a:scrgbClr r="0" g="0" b="0"/>
+          </a:lnRef>
+          <a:fillRef idx="0">
+            <a:scrgbClr r="0" g="0" b="0"/>
+          </a:fillRef>
+          <a:effectRef idx="0">
+            <a:scrgbClr r="0" g="0" b="0"/>
+          </a:effectRef>
+          <a:fontRef idx="none"/>
+        </p:style>
+        <p:txBody>
+          <a:bodyPr rot="0" spcFirstLastPara="1" vertOverflow="overflow" horzOverflow="overflow" vert="horz" wrap="none" lIns="45718" tIns="45718" rIns="45718" bIns="45718" numCol="1" spcCol="38100" rtlCol="0" anchor="t">
+            <a:spAutoFit/>
+          </a:bodyPr>
+          <a:lstStyle/>
+          <a:p>
+            <a:pPr marL="0" marR="0" indent="0" algn="l" defTabSz="914400" rtl="0" fontAlgn="auto" latinLnBrk="0" hangingPunct="0">
+              <a:lnSpc>
+                <a:spcPct val="100000"/>
+              </a:lnSpc>
+              <a:spcBef>
+                <a:spcPts val="0"/>
+              </a:spcBef>
+              <a:spcAft>
+                <a:spcPts val="0"/>
+              </a:spcAft>
+              <a:buClrTx/>
+              <a:buSzTx/>
+              <a:buFontTx/>
+              <a:buNone/>
+              <a:tabLst/>
+            </a:pPr>
+            <a:r>
+              <a:rPr kumimoji="0" lang="en-US" sz="2000" b="0" i="0" u="none" strike="noStrike" cap="none" spc="0" normalizeH="0" baseline="0" dirty="0">
+                <a:ln>
+                  <a:noFill/>
+                </a:ln>
+                <a:solidFill>
+                  <a:srgbClr val="000000"/>
+                </a:solidFill>
+                <a:effectLst/>
+                <a:uFillTx/>
+                <a:latin typeface="+mj-lt"/>
+                <a:ea typeface="+mj-ea"/>
+                <a:cs typeface="+mj-cs"/>
+                <a:sym typeface="Calibri"/>
+              </a:rPr>
+              <a:t>&lt;int&gt;</a:t>
+            </a:r>
+            <a:endParaRPr kumimoji="0" lang="ru-RU" sz="2000" b="0" i="0" u="none" strike="noStrike" cap="none" spc="0" normalizeH="0" baseline="0" dirty="0">
+              <a:ln>
+                <a:noFill/>
+              </a:ln>
+              <a:solidFill>
+                <a:srgbClr val="000000"/>
+              </a:solidFill>
+              <a:effectLst/>
+              <a:uFillTx/>
+              <a:latin typeface="+mj-lt"/>
+              <a:ea typeface="+mj-ea"/>
+              <a:cs typeface="+mj-cs"/>
+              <a:sym typeface="Calibri"/>
+            </a:endParaRPr>
+          </a:p>
+        </p:txBody>
+      </p:sp>
+      <p:sp>
+        <p:nvSpPr>
+          <p:cNvPr id="13" name="TextBox 12">
+            <a:extLst>
+              <a:ext uri="{FF2B5EF4-FFF2-40B4-BE49-F238E27FC236}">
+                <a16:creationId xmlns:a16="http://schemas.microsoft.com/office/drawing/2014/main" id="{1C7BC06D-AAE9-463E-9485-CF04CC89BD0E}"/>
+              </a:ext>
+            </a:extLst>
+          </p:cNvPr>
+          <p:cNvSpPr txBox="1"/>
+          <p:nvPr/>
+        </p:nvSpPr>
+        <p:spPr>
+          <a:xfrm>
+            <a:off x="5040567" y="4458029"/>
+            <a:ext cx="808872" cy="400105"/>
+          </a:xfrm>
+          <a:prstGeom prst="rect">
+            <a:avLst/>
+          </a:prstGeom>
+          <a:noFill/>
+          <a:ln w="12700" cap="flat">
+            <a:noFill/>
+            <a:miter lim="400000"/>
+          </a:ln>
+          <a:effectLst/>
+          <a:sp3d/>
+        </p:spPr>
+        <p:style>
+          <a:lnRef idx="0">
+            <a:scrgbClr r="0" g="0" b="0"/>
+          </a:lnRef>
+          <a:fillRef idx="0">
+            <a:scrgbClr r="0" g="0" b="0"/>
+          </a:fillRef>
+          <a:effectRef idx="0">
+            <a:scrgbClr r="0" g="0" b="0"/>
+          </a:effectRef>
+          <a:fontRef idx="none"/>
+        </p:style>
+        <p:txBody>
+          <a:bodyPr rot="0" spcFirstLastPara="1" vertOverflow="overflow" horzOverflow="overflow" vert="horz" wrap="none" lIns="45718" tIns="45718" rIns="45718" bIns="45718" numCol="1" spcCol="38100" rtlCol="0" anchor="t">
+            <a:spAutoFit/>
+          </a:bodyPr>
+          <a:lstStyle/>
+          <a:p>
+            <a:pPr marL="0" marR="0" indent="0" algn="l" defTabSz="914400" rtl="0" fontAlgn="auto" latinLnBrk="0" hangingPunct="0">
+              <a:lnSpc>
+                <a:spcPct val="100000"/>
+              </a:lnSpc>
+              <a:spcBef>
+                <a:spcPts val="0"/>
+              </a:spcBef>
+              <a:spcAft>
+                <a:spcPts val="0"/>
+              </a:spcAft>
+              <a:buClrTx/>
+              <a:buSzTx/>
+              <a:buFontTx/>
+              <a:buNone/>
+              <a:tabLst/>
+            </a:pPr>
+            <a:r>
+              <a:rPr kumimoji="0" lang="en-US" sz="2000" b="0" i="0" u="none" strike="noStrike" cap="none" spc="0" normalizeH="0" baseline="0" dirty="0">
+                <a:ln>
+                  <a:noFill/>
+                </a:ln>
+                <a:solidFill>
+                  <a:srgbClr val="000000"/>
+                </a:solidFill>
+                <a:effectLst/>
+                <a:uFillTx/>
+                <a:latin typeface="+mj-lt"/>
+                <a:ea typeface="+mj-ea"/>
+                <a:cs typeface="+mj-cs"/>
+                <a:sym typeface="Calibri"/>
+              </a:rPr>
+              <a:t>&lt;digit&gt;</a:t>
+            </a:r>
+            <a:endParaRPr kumimoji="0" lang="ru-RU" sz="2000" b="0" i="0" u="none" strike="noStrike" cap="none" spc="0" normalizeH="0" baseline="0" dirty="0">
+              <a:ln>
+                <a:noFill/>
+              </a:ln>
+              <a:solidFill>
+                <a:srgbClr val="000000"/>
+              </a:solidFill>
+              <a:effectLst/>
+              <a:uFillTx/>
+              <a:latin typeface="+mj-lt"/>
+              <a:ea typeface="+mj-ea"/>
+              <a:cs typeface="+mj-cs"/>
+              <a:sym typeface="Calibri"/>
+            </a:endParaRPr>
+          </a:p>
+        </p:txBody>
+      </p:sp>
+      <p:sp>
+        <p:nvSpPr>
+          <p:cNvPr id="14" name="TextBox 13">
+            <a:extLst>
+              <a:ext uri="{FF2B5EF4-FFF2-40B4-BE49-F238E27FC236}">
+                <a16:creationId xmlns:a16="http://schemas.microsoft.com/office/drawing/2014/main" id="{83AEF000-55A6-47C3-8302-75030D61D6CF}"/>
+              </a:ext>
+            </a:extLst>
+          </p:cNvPr>
+          <p:cNvSpPr txBox="1"/>
+          <p:nvPr/>
+        </p:nvSpPr>
+        <p:spPr>
+          <a:xfrm>
+            <a:off x="6327750" y="4458029"/>
+            <a:ext cx="629335" cy="400105"/>
+          </a:xfrm>
+          <a:prstGeom prst="rect">
+            <a:avLst/>
+          </a:prstGeom>
+          <a:noFill/>
+          <a:ln w="12700" cap="flat">
+            <a:noFill/>
+            <a:miter lim="400000"/>
+          </a:ln>
+          <a:effectLst/>
+          <a:sp3d/>
+        </p:spPr>
+        <p:style>
+          <a:lnRef idx="0">
+            <a:scrgbClr r="0" g="0" b="0"/>
+          </a:lnRef>
+          <a:fillRef idx="0">
+            <a:scrgbClr r="0" g="0" b="0"/>
+          </a:fillRef>
+          <a:effectRef idx="0">
+            <a:scrgbClr r="0" g="0" b="0"/>
+          </a:effectRef>
+          <a:fontRef idx="none"/>
+        </p:style>
+        <p:txBody>
+          <a:bodyPr rot="0" spcFirstLastPara="1" vertOverflow="overflow" horzOverflow="overflow" vert="horz" wrap="none" lIns="45718" tIns="45718" rIns="45718" bIns="45718" numCol="1" spcCol="38100" rtlCol="0" anchor="t">
+            <a:spAutoFit/>
+          </a:bodyPr>
+          <a:lstStyle/>
+          <a:p>
+            <a:pPr marL="0" marR="0" indent="0" algn="l" defTabSz="914400" rtl="0" fontAlgn="auto" latinLnBrk="0" hangingPunct="0">
+              <a:lnSpc>
+                <a:spcPct val="100000"/>
+              </a:lnSpc>
+              <a:spcBef>
+                <a:spcPts val="0"/>
+              </a:spcBef>
+              <a:spcAft>
+                <a:spcPts val="0"/>
+              </a:spcAft>
+              <a:buClrTx/>
+              <a:buSzTx/>
+              <a:buFontTx/>
+              <a:buNone/>
+              <a:tabLst/>
+            </a:pPr>
+            <a:r>
+              <a:rPr kumimoji="0" lang="en-US" sz="2000" b="0" i="0" u="none" strike="noStrike" cap="none" spc="0" normalizeH="0" baseline="0" dirty="0">
+                <a:ln>
+                  <a:noFill/>
+                </a:ln>
+                <a:solidFill>
+                  <a:srgbClr val="000000"/>
+                </a:solidFill>
+                <a:effectLst/>
+                <a:uFillTx/>
+                <a:latin typeface="+mj-lt"/>
+                <a:ea typeface="+mj-ea"/>
+                <a:cs typeface="+mj-cs"/>
+                <a:sym typeface="Calibri"/>
+              </a:rPr>
+              <a:t>&lt;int&gt;</a:t>
+            </a:r>
+            <a:endParaRPr kumimoji="0" lang="ru-RU" sz="2000" b="0" i="0" u="none" strike="noStrike" cap="none" spc="0" normalizeH="0" baseline="0" dirty="0">
+              <a:ln>
+                <a:noFill/>
+              </a:ln>
+              <a:solidFill>
+                <a:srgbClr val="000000"/>
+              </a:solidFill>
+              <a:effectLst/>
+              <a:uFillTx/>
+              <a:latin typeface="+mj-lt"/>
+              <a:ea typeface="+mj-ea"/>
+              <a:cs typeface="+mj-cs"/>
+              <a:sym typeface="Calibri"/>
+            </a:endParaRPr>
+          </a:p>
+        </p:txBody>
+      </p:sp>
+      <p:sp>
+        <p:nvSpPr>
+          <p:cNvPr id="15" name="TextBox 14">
+            <a:extLst>
+              <a:ext uri="{FF2B5EF4-FFF2-40B4-BE49-F238E27FC236}">
+                <a16:creationId xmlns:a16="http://schemas.microsoft.com/office/drawing/2014/main" id="{37FF7B00-3385-4E3A-B771-BC78C751C7CD}"/>
+              </a:ext>
+            </a:extLst>
+          </p:cNvPr>
+          <p:cNvSpPr txBox="1"/>
+          <p:nvPr/>
+        </p:nvSpPr>
+        <p:spPr>
+          <a:xfrm>
+            <a:off x="6237981" y="5271737"/>
+            <a:ext cx="808872" cy="400105"/>
+          </a:xfrm>
+          <a:prstGeom prst="rect">
+            <a:avLst/>
+          </a:prstGeom>
+          <a:noFill/>
+          <a:ln w="12700" cap="flat">
+            <a:noFill/>
+            <a:miter lim="400000"/>
+          </a:ln>
+          <a:effectLst/>
+          <a:sp3d/>
+        </p:spPr>
+        <p:style>
+          <a:lnRef idx="0">
+            <a:scrgbClr r="0" g="0" b="0"/>
+          </a:lnRef>
+          <a:fillRef idx="0">
+            <a:scrgbClr r="0" g="0" b="0"/>
+          </a:fillRef>
+          <a:effectRef idx="0">
+            <a:scrgbClr r="0" g="0" b="0"/>
+          </a:effectRef>
+          <a:fontRef idx="none"/>
+        </p:style>
+        <p:txBody>
+          <a:bodyPr rot="0" spcFirstLastPara="1" vertOverflow="overflow" horzOverflow="overflow" vert="horz" wrap="none" lIns="45718" tIns="45718" rIns="45718" bIns="45718" numCol="1" spcCol="38100" rtlCol="0" anchor="t">
+            <a:spAutoFit/>
+          </a:bodyPr>
+          <a:lstStyle/>
+          <a:p>
+            <a:pPr marL="0" marR="0" indent="0" algn="l" defTabSz="914400" rtl="0" fontAlgn="auto" latinLnBrk="0" hangingPunct="0">
+              <a:lnSpc>
+                <a:spcPct val="100000"/>
+              </a:lnSpc>
+              <a:spcBef>
+                <a:spcPts val="0"/>
+              </a:spcBef>
+              <a:spcAft>
+                <a:spcPts val="0"/>
+              </a:spcAft>
+              <a:buClrTx/>
+              <a:buSzTx/>
+              <a:buFontTx/>
+              <a:buNone/>
+              <a:tabLst/>
+            </a:pPr>
+            <a:r>
+              <a:rPr kumimoji="0" lang="en-US" sz="2000" b="0" i="0" u="none" strike="noStrike" cap="none" spc="0" normalizeH="0" baseline="0" dirty="0">
+                <a:ln>
+                  <a:noFill/>
+                </a:ln>
+                <a:solidFill>
+                  <a:srgbClr val="000000"/>
+                </a:solidFill>
+                <a:effectLst/>
+                <a:uFillTx/>
+                <a:latin typeface="+mj-lt"/>
+                <a:ea typeface="+mj-ea"/>
+                <a:cs typeface="+mj-cs"/>
+                <a:sym typeface="Calibri"/>
+              </a:rPr>
+              <a:t>&lt;digit&gt;</a:t>
+            </a:r>
+            <a:endParaRPr kumimoji="0" lang="ru-RU" sz="2000" b="0" i="0" u="none" strike="noStrike" cap="none" spc="0" normalizeH="0" baseline="0" dirty="0">
+              <a:ln>
+                <a:noFill/>
+              </a:ln>
+              <a:solidFill>
+                <a:srgbClr val="000000"/>
+              </a:solidFill>
+              <a:effectLst/>
+              <a:uFillTx/>
+              <a:latin typeface="+mj-lt"/>
+              <a:ea typeface="+mj-ea"/>
+              <a:cs typeface="+mj-cs"/>
+              <a:sym typeface="Calibri"/>
+            </a:endParaRPr>
+          </a:p>
+        </p:txBody>
+      </p:sp>
+      <p:cxnSp>
+        <p:nvCxnSpPr>
+          <p:cNvPr id="17" name="Прямая со стрелкой 16">
+            <a:extLst>
+              <a:ext uri="{FF2B5EF4-FFF2-40B4-BE49-F238E27FC236}">
+                <a16:creationId xmlns:a16="http://schemas.microsoft.com/office/drawing/2014/main" id="{7D38DE4A-73E6-4BAB-A6FB-713007047E1C}"/>
+              </a:ext>
+            </a:extLst>
+          </p:cNvPr>
+          <p:cNvCxnSpPr>
+            <a:cxnSpLocks/>
+            <a:stCxn id="4" idx="2"/>
+            <a:endCxn id="5" idx="0"/>
+          </p:cNvCxnSpPr>
+          <p:nvPr/>
+        </p:nvCxnSpPr>
+        <p:spPr>
+          <a:xfrm flipH="1">
+            <a:off x="824711" y="1832317"/>
+            <a:ext cx="1620613" cy="285357"/>
+          </a:xfrm>
+          <a:prstGeom prst="straightConnector1">
+            <a:avLst/>
+          </a:prstGeom>
+          <a:ln>
+            <a:tailEnd type="triangle"/>
+          </a:ln>
+        </p:spPr>
+        <p:style>
+          <a:lnRef idx="1">
+            <a:schemeClr val="dk1"/>
+          </a:lnRef>
+          <a:fillRef idx="0">
+            <a:schemeClr val="dk1"/>
+          </a:fillRef>
+          <a:effectRef idx="0">
+            <a:schemeClr val="dk1"/>
+          </a:effectRef>
+          <a:fontRef idx="minor">
+            <a:schemeClr val="tx1"/>
+          </a:fontRef>
+        </p:style>
+      </p:cxnSp>
+      <p:cxnSp>
+        <p:nvCxnSpPr>
+          <p:cNvPr id="19" name="Прямая со стрелкой 18">
+            <a:extLst>
+              <a:ext uri="{FF2B5EF4-FFF2-40B4-BE49-F238E27FC236}">
+                <a16:creationId xmlns:a16="http://schemas.microsoft.com/office/drawing/2014/main" id="{0237EAF0-81A4-4103-AC91-7C8670851F48}"/>
+              </a:ext>
+            </a:extLst>
+          </p:cNvPr>
+          <p:cNvCxnSpPr>
+            <a:stCxn id="4" idx="2"/>
+            <a:endCxn id="6" idx="0"/>
+          </p:cNvCxnSpPr>
+          <p:nvPr/>
+        </p:nvCxnSpPr>
+        <p:spPr>
+          <a:xfrm>
+            <a:off x="2445324" y="1832317"/>
+            <a:ext cx="1481060" cy="326105"/>
+          </a:xfrm>
+          <a:prstGeom prst="straightConnector1">
+            <a:avLst/>
+          </a:prstGeom>
+          <a:ln>
+            <a:tailEnd type="triangle"/>
+          </a:ln>
+        </p:spPr>
+        <p:style>
+          <a:lnRef idx="1">
+            <a:schemeClr val="dk1"/>
+          </a:lnRef>
+          <a:fillRef idx="0">
+            <a:schemeClr val="dk1"/>
+          </a:fillRef>
+          <a:effectRef idx="0">
+            <a:schemeClr val="dk1"/>
+          </a:effectRef>
+          <a:fontRef idx="minor">
+            <a:schemeClr val="tx1"/>
+          </a:fontRef>
+        </p:style>
+      </p:cxnSp>
+      <p:cxnSp>
+        <p:nvCxnSpPr>
+          <p:cNvPr id="22" name="Прямая со стрелкой 21">
+            <a:extLst>
+              <a:ext uri="{FF2B5EF4-FFF2-40B4-BE49-F238E27FC236}">
+                <a16:creationId xmlns:a16="http://schemas.microsoft.com/office/drawing/2014/main" id="{5B767EEE-B5D4-4645-9A4A-19221D652E41}"/>
+              </a:ext>
+            </a:extLst>
+          </p:cNvPr>
+          <p:cNvCxnSpPr>
+            <a:cxnSpLocks/>
+            <a:stCxn id="5" idx="2"/>
+            <a:endCxn id="64" idx="0"/>
+          </p:cNvCxnSpPr>
+          <p:nvPr/>
+        </p:nvCxnSpPr>
+        <p:spPr>
+          <a:xfrm>
+            <a:off x="824711" y="2517779"/>
+            <a:ext cx="8816" cy="410966"/>
+          </a:xfrm>
+          <a:prstGeom prst="straightConnector1">
+            <a:avLst/>
+          </a:prstGeom>
+          <a:ln>
+            <a:tailEnd type="triangle"/>
+          </a:ln>
+        </p:spPr>
+        <p:style>
+          <a:lnRef idx="1">
+            <a:schemeClr val="dk1"/>
+          </a:lnRef>
+          <a:fillRef idx="0">
+            <a:schemeClr val="dk1"/>
+          </a:fillRef>
+          <a:effectRef idx="0">
+            <a:schemeClr val="dk1"/>
+          </a:effectRef>
+          <a:fontRef idx="minor">
+            <a:schemeClr val="tx1"/>
+          </a:fontRef>
+        </p:style>
+      </p:cxnSp>
+      <p:cxnSp>
+        <p:nvCxnSpPr>
+          <p:cNvPr id="24" name="Прямая со стрелкой 23">
+            <a:extLst>
+              <a:ext uri="{FF2B5EF4-FFF2-40B4-BE49-F238E27FC236}">
+                <a16:creationId xmlns:a16="http://schemas.microsoft.com/office/drawing/2014/main" id="{F1FC233E-B729-4500-9188-E26AD6DD3D66}"/>
+              </a:ext>
+            </a:extLst>
+          </p:cNvPr>
+          <p:cNvCxnSpPr>
+            <a:stCxn id="6" idx="2"/>
+            <a:endCxn id="7" idx="0"/>
+          </p:cNvCxnSpPr>
+          <p:nvPr/>
+        </p:nvCxnSpPr>
+        <p:spPr>
+          <a:xfrm flipH="1">
+            <a:off x="2818820" y="2558527"/>
+            <a:ext cx="1107564" cy="358748"/>
+          </a:xfrm>
+          <a:prstGeom prst="straightConnector1">
+            <a:avLst/>
+          </a:prstGeom>
+          <a:ln>
+            <a:tailEnd type="triangle"/>
+          </a:ln>
+        </p:spPr>
+        <p:style>
+          <a:lnRef idx="1">
+            <a:schemeClr val="dk1"/>
+          </a:lnRef>
+          <a:fillRef idx="0">
+            <a:schemeClr val="dk1"/>
+          </a:fillRef>
+          <a:effectRef idx="0">
+            <a:schemeClr val="dk1"/>
+          </a:effectRef>
+          <a:fontRef idx="minor">
+            <a:schemeClr val="tx1"/>
+          </a:fontRef>
+        </p:style>
+      </p:cxnSp>
+      <p:cxnSp>
+        <p:nvCxnSpPr>
+          <p:cNvPr id="26" name="Прямая со стрелкой 25">
+            <a:extLst>
+              <a:ext uri="{FF2B5EF4-FFF2-40B4-BE49-F238E27FC236}">
+                <a16:creationId xmlns:a16="http://schemas.microsoft.com/office/drawing/2014/main" id="{E3F75A7F-766E-4DC8-9466-24EAED00B98F}"/>
+              </a:ext>
+            </a:extLst>
+          </p:cNvPr>
+          <p:cNvCxnSpPr>
+            <a:stCxn id="6" idx="2"/>
+            <a:endCxn id="8" idx="0"/>
+          </p:cNvCxnSpPr>
+          <p:nvPr/>
+        </p:nvCxnSpPr>
+        <p:spPr>
+          <a:xfrm>
+            <a:off x="3926384" y="2558527"/>
+            <a:ext cx="1246363" cy="370218"/>
+          </a:xfrm>
+          <a:prstGeom prst="straightConnector1">
+            <a:avLst/>
+          </a:prstGeom>
+          <a:ln>
+            <a:tailEnd type="triangle"/>
+          </a:ln>
+        </p:spPr>
+        <p:style>
+          <a:lnRef idx="1">
+            <a:schemeClr val="dk1"/>
+          </a:lnRef>
+          <a:fillRef idx="0">
+            <a:schemeClr val="dk1"/>
+          </a:fillRef>
+          <a:effectRef idx="0">
+            <a:schemeClr val="dk1"/>
+          </a:effectRef>
+          <a:fontRef idx="minor">
+            <a:schemeClr val="tx1"/>
+          </a:fontRef>
+        </p:style>
+      </p:cxnSp>
+      <p:cxnSp>
+        <p:nvCxnSpPr>
+          <p:cNvPr id="28" name="Прямая со стрелкой 27">
+            <a:extLst>
+              <a:ext uri="{FF2B5EF4-FFF2-40B4-BE49-F238E27FC236}">
+                <a16:creationId xmlns:a16="http://schemas.microsoft.com/office/drawing/2014/main" id="{271E3D69-0173-401D-8F64-72D35256DA2C}"/>
+              </a:ext>
+            </a:extLst>
+          </p:cNvPr>
+          <p:cNvCxnSpPr>
+            <a:stCxn id="7" idx="2"/>
+            <a:endCxn id="10" idx="0"/>
+          </p:cNvCxnSpPr>
+          <p:nvPr/>
+        </p:nvCxnSpPr>
+        <p:spPr>
+          <a:xfrm>
+            <a:off x="2818820" y="3317380"/>
+            <a:ext cx="0" cy="374124"/>
+          </a:xfrm>
+          <a:prstGeom prst="straightConnector1">
+            <a:avLst/>
+          </a:prstGeom>
+          <a:ln>
+            <a:tailEnd type="triangle"/>
+          </a:ln>
+        </p:spPr>
+        <p:style>
+          <a:lnRef idx="1">
+            <a:schemeClr val="dk1"/>
+          </a:lnRef>
+          <a:fillRef idx="0">
+            <a:schemeClr val="dk1"/>
+          </a:fillRef>
+          <a:effectRef idx="0">
+            <a:schemeClr val="dk1"/>
+          </a:effectRef>
+          <a:fontRef idx="minor">
+            <a:schemeClr val="tx1"/>
+          </a:fontRef>
+        </p:style>
+      </p:cxnSp>
+      <p:cxnSp>
+        <p:nvCxnSpPr>
+          <p:cNvPr id="30" name="Прямая со стрелкой 29">
+            <a:extLst>
+              <a:ext uri="{FF2B5EF4-FFF2-40B4-BE49-F238E27FC236}">
+                <a16:creationId xmlns:a16="http://schemas.microsoft.com/office/drawing/2014/main" id="{02CFEC1D-D7CA-4D73-9232-09FE1F90D802}"/>
+              </a:ext>
+            </a:extLst>
+          </p:cNvPr>
+          <p:cNvCxnSpPr>
+            <a:cxnSpLocks/>
+            <a:stCxn id="6" idx="2"/>
+            <a:endCxn id="9" idx="0"/>
+          </p:cNvCxnSpPr>
+          <p:nvPr/>
+        </p:nvCxnSpPr>
+        <p:spPr>
+          <a:xfrm>
+            <a:off x="3926384" y="2558527"/>
+            <a:ext cx="18741" cy="400105"/>
+          </a:xfrm>
+          <a:prstGeom prst="straightConnector1">
+            <a:avLst/>
+          </a:prstGeom>
+          <a:ln>
+            <a:tailEnd type="triangle"/>
+          </a:ln>
+        </p:spPr>
+        <p:style>
+          <a:lnRef idx="1">
+            <a:schemeClr val="dk1"/>
+          </a:lnRef>
+          <a:fillRef idx="0">
+            <a:schemeClr val="dk1"/>
+          </a:fillRef>
+          <a:effectRef idx="0">
+            <a:schemeClr val="dk1"/>
+          </a:effectRef>
+          <a:fontRef idx="minor">
+            <a:schemeClr val="tx1"/>
+          </a:fontRef>
+        </p:style>
+      </p:cxnSp>
+      <p:cxnSp>
+        <p:nvCxnSpPr>
+          <p:cNvPr id="38" name="Прямая со стрелкой 37">
+            <a:extLst>
+              <a:ext uri="{FF2B5EF4-FFF2-40B4-BE49-F238E27FC236}">
+                <a16:creationId xmlns:a16="http://schemas.microsoft.com/office/drawing/2014/main" id="{4008D3BC-95A0-475A-9A7D-3A051601C0C8}"/>
+              </a:ext>
+            </a:extLst>
+          </p:cNvPr>
+          <p:cNvCxnSpPr>
+            <a:stCxn id="8" idx="2"/>
+            <a:endCxn id="11" idx="0"/>
+          </p:cNvCxnSpPr>
+          <p:nvPr/>
+        </p:nvCxnSpPr>
+        <p:spPr>
+          <a:xfrm flipH="1">
+            <a:off x="4453643" y="3328850"/>
+            <a:ext cx="719104" cy="370219"/>
+          </a:xfrm>
+          <a:prstGeom prst="straightConnector1">
+            <a:avLst/>
+          </a:prstGeom>
+          <a:ln>
+            <a:tailEnd type="triangle"/>
+          </a:ln>
+        </p:spPr>
+        <p:style>
+          <a:lnRef idx="1">
+            <a:schemeClr val="dk1"/>
+          </a:lnRef>
+          <a:fillRef idx="0">
+            <a:schemeClr val="dk1"/>
+          </a:fillRef>
+          <a:effectRef idx="0">
+            <a:schemeClr val="dk1"/>
+          </a:effectRef>
+          <a:fontRef idx="minor">
+            <a:schemeClr val="tx1"/>
+          </a:fontRef>
+        </p:style>
+      </p:cxnSp>
+      <p:cxnSp>
+        <p:nvCxnSpPr>
+          <p:cNvPr id="40" name="Прямая со стрелкой 39">
+            <a:extLst>
+              <a:ext uri="{FF2B5EF4-FFF2-40B4-BE49-F238E27FC236}">
+                <a16:creationId xmlns:a16="http://schemas.microsoft.com/office/drawing/2014/main" id="{09CCBDFC-FB83-46CF-AD0F-78DA5886F2B1}"/>
+              </a:ext>
+            </a:extLst>
+          </p:cNvPr>
+          <p:cNvCxnSpPr>
+            <a:stCxn id="8" idx="2"/>
+            <a:endCxn id="12" idx="0"/>
+          </p:cNvCxnSpPr>
+          <p:nvPr/>
+        </p:nvCxnSpPr>
+        <p:spPr>
+          <a:xfrm>
+            <a:off x="5172747" y="3328850"/>
+            <a:ext cx="792979" cy="358856"/>
+          </a:xfrm>
+          <a:prstGeom prst="straightConnector1">
+            <a:avLst/>
+          </a:prstGeom>
+          <a:ln>
+            <a:tailEnd type="triangle"/>
+          </a:ln>
+        </p:spPr>
+        <p:style>
+          <a:lnRef idx="1">
+            <a:schemeClr val="dk1"/>
+          </a:lnRef>
+          <a:fillRef idx="0">
+            <a:schemeClr val="dk1"/>
+          </a:fillRef>
+          <a:effectRef idx="0">
+            <a:schemeClr val="dk1"/>
+          </a:effectRef>
+          <a:fontRef idx="minor">
+            <a:schemeClr val="tx1"/>
+          </a:fontRef>
+        </p:style>
+      </p:cxnSp>
+      <p:cxnSp>
+        <p:nvCxnSpPr>
+          <p:cNvPr id="42" name="Прямая со стрелкой 41">
+            <a:extLst>
+              <a:ext uri="{FF2B5EF4-FFF2-40B4-BE49-F238E27FC236}">
+                <a16:creationId xmlns:a16="http://schemas.microsoft.com/office/drawing/2014/main" id="{C889BAF3-576B-4610-892B-06CB0FE1B5B5}"/>
+              </a:ext>
+            </a:extLst>
+          </p:cNvPr>
+          <p:cNvCxnSpPr>
+            <a:stCxn id="12" idx="2"/>
+            <a:endCxn id="13" idx="0"/>
+          </p:cNvCxnSpPr>
+          <p:nvPr/>
+        </p:nvCxnSpPr>
+        <p:spPr>
+          <a:xfrm flipH="1">
+            <a:off x="5445003" y="4087811"/>
+            <a:ext cx="520723" cy="370218"/>
+          </a:xfrm>
+          <a:prstGeom prst="straightConnector1">
+            <a:avLst/>
+          </a:prstGeom>
+          <a:ln>
+            <a:tailEnd type="triangle"/>
+          </a:ln>
+        </p:spPr>
+        <p:style>
+          <a:lnRef idx="1">
+            <a:schemeClr val="dk1"/>
+          </a:lnRef>
+          <a:fillRef idx="0">
+            <a:schemeClr val="dk1"/>
+          </a:fillRef>
+          <a:effectRef idx="0">
+            <a:schemeClr val="dk1"/>
+          </a:effectRef>
+          <a:fontRef idx="minor">
+            <a:schemeClr val="tx1"/>
+          </a:fontRef>
+        </p:style>
+      </p:cxnSp>
+      <p:cxnSp>
+        <p:nvCxnSpPr>
+          <p:cNvPr id="44" name="Прямая со стрелкой 43">
+            <a:extLst>
+              <a:ext uri="{FF2B5EF4-FFF2-40B4-BE49-F238E27FC236}">
+                <a16:creationId xmlns:a16="http://schemas.microsoft.com/office/drawing/2014/main" id="{065B4CA4-9AB7-4B91-8D37-F8B26CB52D3E}"/>
+              </a:ext>
+            </a:extLst>
+          </p:cNvPr>
+          <p:cNvCxnSpPr>
+            <a:stCxn id="12" idx="2"/>
+            <a:endCxn id="14" idx="0"/>
+          </p:cNvCxnSpPr>
+          <p:nvPr/>
+        </p:nvCxnSpPr>
+        <p:spPr>
+          <a:xfrm>
+            <a:off x="5965726" y="4087811"/>
+            <a:ext cx="676692" cy="370218"/>
+          </a:xfrm>
+          <a:prstGeom prst="straightConnector1">
+            <a:avLst/>
+          </a:prstGeom>
+          <a:ln>
+            <a:tailEnd type="triangle"/>
+          </a:ln>
+        </p:spPr>
+        <p:style>
+          <a:lnRef idx="1">
+            <a:schemeClr val="dk1"/>
+          </a:lnRef>
+          <a:fillRef idx="0">
+            <a:schemeClr val="dk1"/>
+          </a:fillRef>
+          <a:effectRef idx="0">
+            <a:schemeClr val="dk1"/>
+          </a:effectRef>
+          <a:fontRef idx="minor">
+            <a:schemeClr val="tx1"/>
+          </a:fontRef>
+        </p:style>
+      </p:cxnSp>
+      <p:cxnSp>
+        <p:nvCxnSpPr>
+          <p:cNvPr id="46" name="Прямая со стрелкой 45">
+            <a:extLst>
+              <a:ext uri="{FF2B5EF4-FFF2-40B4-BE49-F238E27FC236}">
+                <a16:creationId xmlns:a16="http://schemas.microsoft.com/office/drawing/2014/main" id="{7BA08D65-9FFD-4512-A09C-D9DD4E9C554F}"/>
+              </a:ext>
+            </a:extLst>
+          </p:cNvPr>
+          <p:cNvCxnSpPr>
+            <a:stCxn id="14" idx="2"/>
+            <a:endCxn id="15" idx="0"/>
+          </p:cNvCxnSpPr>
+          <p:nvPr/>
+        </p:nvCxnSpPr>
+        <p:spPr>
+          <a:xfrm flipH="1">
+            <a:off x="6642417" y="4858134"/>
+            <a:ext cx="1" cy="413603"/>
+          </a:xfrm>
+          <a:prstGeom prst="straightConnector1">
+            <a:avLst/>
+          </a:prstGeom>
+          <a:ln>
+            <a:tailEnd type="triangle"/>
+          </a:ln>
+        </p:spPr>
+        <p:style>
+          <a:lnRef idx="1">
+            <a:schemeClr val="dk1"/>
+          </a:lnRef>
+          <a:fillRef idx="0">
+            <a:schemeClr val="dk1"/>
+          </a:fillRef>
+          <a:effectRef idx="0">
+            <a:schemeClr val="dk1"/>
+          </a:effectRef>
+          <a:fontRef idx="minor">
+            <a:schemeClr val="tx1"/>
+          </a:fontRef>
+        </p:style>
+      </p:cxnSp>
+      <p:cxnSp>
+        <p:nvCxnSpPr>
+          <p:cNvPr id="50" name="Прямая со стрелкой 49">
+            <a:extLst>
+              <a:ext uri="{FF2B5EF4-FFF2-40B4-BE49-F238E27FC236}">
+                <a16:creationId xmlns:a16="http://schemas.microsoft.com/office/drawing/2014/main" id="{92031E20-1380-432B-BEEE-D512EC769C01}"/>
+              </a:ext>
+            </a:extLst>
+          </p:cNvPr>
+          <p:cNvCxnSpPr>
+            <a:cxnSpLocks/>
+            <a:stCxn id="10" idx="2"/>
+            <a:endCxn id="69" idx="0"/>
+          </p:cNvCxnSpPr>
+          <p:nvPr/>
+        </p:nvCxnSpPr>
+        <p:spPr>
+          <a:xfrm flipH="1">
+            <a:off x="2818819" y="4091609"/>
+            <a:ext cx="1" cy="404901"/>
+          </a:xfrm>
+          <a:prstGeom prst="straightConnector1">
+            <a:avLst/>
+          </a:prstGeom>
+          <a:ln>
+            <a:tailEnd type="triangle"/>
+          </a:ln>
+        </p:spPr>
+        <p:style>
+          <a:lnRef idx="1">
+            <a:schemeClr val="dk1"/>
+          </a:lnRef>
+          <a:fillRef idx="0">
+            <a:schemeClr val="dk1"/>
+          </a:fillRef>
+          <a:effectRef idx="0">
+            <a:schemeClr val="dk1"/>
+          </a:effectRef>
+          <a:fontRef idx="minor">
+            <a:schemeClr val="tx1"/>
+          </a:fontRef>
+        </p:style>
+      </p:cxnSp>
+      <p:cxnSp>
+        <p:nvCxnSpPr>
+          <p:cNvPr id="52" name="Прямая со стрелкой 51">
+            <a:extLst>
+              <a:ext uri="{FF2B5EF4-FFF2-40B4-BE49-F238E27FC236}">
+                <a16:creationId xmlns:a16="http://schemas.microsoft.com/office/drawing/2014/main" id="{E33AEA53-798F-4DA3-A34E-8C2B754F350C}"/>
+              </a:ext>
+            </a:extLst>
+          </p:cNvPr>
+          <p:cNvCxnSpPr>
+            <a:cxnSpLocks/>
+            <a:stCxn id="11" idx="2"/>
+            <a:endCxn id="72" idx="0"/>
+          </p:cNvCxnSpPr>
+          <p:nvPr/>
+        </p:nvCxnSpPr>
+        <p:spPr>
+          <a:xfrm>
+            <a:off x="4453643" y="4099174"/>
+            <a:ext cx="0" cy="389632"/>
+          </a:xfrm>
+          <a:prstGeom prst="straightConnector1">
+            <a:avLst/>
+          </a:prstGeom>
+          <a:ln>
+            <a:tailEnd type="triangle"/>
+          </a:ln>
+        </p:spPr>
+        <p:style>
+          <a:lnRef idx="1">
+            <a:schemeClr val="dk1"/>
+          </a:lnRef>
+          <a:fillRef idx="0">
+            <a:schemeClr val="dk1"/>
+          </a:fillRef>
+          <a:effectRef idx="0">
+            <a:schemeClr val="dk1"/>
+          </a:effectRef>
+          <a:fontRef idx="minor">
+            <a:schemeClr val="tx1"/>
+          </a:fontRef>
+        </p:style>
+      </p:cxnSp>
+      <p:cxnSp>
+        <p:nvCxnSpPr>
+          <p:cNvPr id="54" name="Прямая со стрелкой 53">
+            <a:extLst>
+              <a:ext uri="{FF2B5EF4-FFF2-40B4-BE49-F238E27FC236}">
+                <a16:creationId xmlns:a16="http://schemas.microsoft.com/office/drawing/2014/main" id="{89D2C6F4-C6A8-4C98-B75A-20D893D1CFB7}"/>
+              </a:ext>
+            </a:extLst>
+          </p:cNvPr>
+          <p:cNvCxnSpPr>
+            <a:cxnSpLocks/>
+            <a:stCxn id="13" idx="2"/>
+            <a:endCxn id="75" idx="0"/>
+          </p:cNvCxnSpPr>
+          <p:nvPr/>
+        </p:nvCxnSpPr>
+        <p:spPr>
+          <a:xfrm>
+            <a:off x="5445003" y="4858134"/>
+            <a:ext cx="0" cy="428991"/>
+          </a:xfrm>
+          <a:prstGeom prst="straightConnector1">
+            <a:avLst/>
+          </a:prstGeom>
+          <a:ln>
+            <a:tailEnd type="triangle"/>
+          </a:ln>
+        </p:spPr>
+        <p:style>
+          <a:lnRef idx="1">
+            <a:schemeClr val="dk1"/>
+          </a:lnRef>
+          <a:fillRef idx="0">
+            <a:schemeClr val="dk1"/>
+          </a:fillRef>
+          <a:effectRef idx="0">
+            <a:schemeClr val="dk1"/>
+          </a:effectRef>
+          <a:fontRef idx="minor">
+            <a:schemeClr val="tx1"/>
+          </a:fontRef>
+        </p:style>
+      </p:cxnSp>
+      <p:cxnSp>
+        <p:nvCxnSpPr>
+          <p:cNvPr id="56" name="Прямая со стрелкой 55">
+            <a:extLst>
+              <a:ext uri="{FF2B5EF4-FFF2-40B4-BE49-F238E27FC236}">
+                <a16:creationId xmlns:a16="http://schemas.microsoft.com/office/drawing/2014/main" id="{67D174F4-7D7C-495D-A5E9-74CC0B8065B1}"/>
+              </a:ext>
+            </a:extLst>
+          </p:cNvPr>
+          <p:cNvCxnSpPr>
+            <a:cxnSpLocks/>
+            <a:stCxn id="15" idx="2"/>
+            <a:endCxn id="78" idx="0"/>
+          </p:cNvCxnSpPr>
+          <p:nvPr/>
+        </p:nvCxnSpPr>
+        <p:spPr>
+          <a:xfrm>
+            <a:off x="6642417" y="5671842"/>
+            <a:ext cx="0" cy="367078"/>
+          </a:xfrm>
+          <a:prstGeom prst="straightConnector1">
+            <a:avLst/>
+          </a:prstGeom>
+          <a:ln>
+            <a:tailEnd type="triangle"/>
+          </a:ln>
+        </p:spPr>
+        <p:style>
+          <a:lnRef idx="1">
+            <a:schemeClr val="dk1"/>
+          </a:lnRef>
+          <a:fillRef idx="0">
+            <a:schemeClr val="dk1"/>
+          </a:fillRef>
+          <a:effectRef idx="0">
+            <a:schemeClr val="dk1"/>
+          </a:effectRef>
+          <a:fontRef idx="minor">
+            <a:schemeClr val="tx1"/>
+          </a:fontRef>
+        </p:style>
+      </p:cxnSp>
+      <p:sp>
+        <p:nvSpPr>
+          <p:cNvPr id="64" name="TextBox 63">
+            <a:extLst>
+              <a:ext uri="{FF2B5EF4-FFF2-40B4-BE49-F238E27FC236}">
+                <a16:creationId xmlns:a16="http://schemas.microsoft.com/office/drawing/2014/main" id="{C298FB5A-21E6-4770-8BB1-51658F0A619F}"/>
+              </a:ext>
+            </a:extLst>
+          </p:cNvPr>
+          <p:cNvSpPr txBox="1"/>
+          <p:nvPr/>
+        </p:nvSpPr>
+        <p:spPr>
+          <a:xfrm>
+            <a:off x="694388" y="2928745"/>
+            <a:ext cx="278277" cy="369328"/>
+          </a:xfrm>
+          <a:prstGeom prst="rect">
+            <a:avLst/>
+          </a:prstGeom>
+          <a:noFill/>
+          <a:ln w="12700" cap="flat">
+            <a:noFill/>
+            <a:miter lim="400000"/>
+          </a:ln>
+          <a:effectLst/>
+          <a:sp3d/>
+        </p:spPr>
+        <p:style>
+          <a:lnRef idx="0">
+            <a:scrgbClr r="0" g="0" b="0"/>
+          </a:lnRef>
+          <a:fillRef idx="0">
+            <a:scrgbClr r="0" g="0" b="0"/>
+          </a:fillRef>
+          <a:effectRef idx="0">
+            <a:scrgbClr r="0" g="0" b="0"/>
+          </a:effectRef>
+          <a:fontRef idx="none"/>
+        </p:style>
+        <p:txBody>
+          <a:bodyPr rot="0" spcFirstLastPara="1" vertOverflow="overflow" horzOverflow="overflow" vert="horz" wrap="none" lIns="45718" tIns="45718" rIns="45718" bIns="45718" numCol="1" spcCol="38100" rtlCol="0" anchor="t">
+            <a:spAutoFit/>
+          </a:bodyPr>
+          <a:lstStyle/>
+          <a:p>
+            <a:pPr marL="0" marR="0" indent="0" algn="l" defTabSz="914400" rtl="0" fontAlgn="auto" latinLnBrk="0" hangingPunct="0">
+              <a:lnSpc>
+                <a:spcPct val="100000"/>
+              </a:lnSpc>
+              <a:spcBef>
+                <a:spcPts val="0"/>
+              </a:spcBef>
+              <a:spcAft>
+                <a:spcPts val="0"/>
+              </a:spcAft>
+              <a:buClrTx/>
+              <a:buSzTx/>
+              <a:buFontTx/>
+              <a:buNone/>
+              <a:tabLst/>
+            </a:pPr>
+            <a:r>
+              <a:rPr kumimoji="0" lang="en-US" sz="1800" b="0" i="0" u="none" strike="noStrike" cap="none" spc="0" normalizeH="0" baseline="0" dirty="0">
+                <a:ln>
+                  <a:noFill/>
+                </a:ln>
+                <a:solidFill>
+                  <a:srgbClr val="000000"/>
+                </a:solidFill>
+                <a:effectLst/>
+                <a:uFillTx/>
+                <a:latin typeface="+mj-lt"/>
+                <a:ea typeface="+mj-ea"/>
+                <a:cs typeface="+mj-cs"/>
+                <a:sym typeface="Calibri"/>
+              </a:rPr>
+              <a:t>‘</a:t>
+            </a:r>
+            <a:r>
+              <a:rPr kumimoji="0" lang="ru-RU" sz="1800" b="0" i="0" u="none" strike="noStrike" cap="none" spc="0" normalizeH="0" baseline="0" dirty="0">
+                <a:ln>
+                  <a:noFill/>
+                </a:ln>
+                <a:solidFill>
+                  <a:srgbClr val="000000"/>
+                </a:solidFill>
+                <a:effectLst/>
+                <a:uFillTx/>
+                <a:latin typeface="+mj-lt"/>
+                <a:ea typeface="+mj-ea"/>
+                <a:cs typeface="+mj-cs"/>
+                <a:sym typeface="Calibri"/>
+              </a:rPr>
+              <a:t>-</a:t>
+            </a:r>
+            <a:r>
+              <a:rPr kumimoji="0" lang="en-US" sz="1800" b="0" i="0" u="none" strike="noStrike" cap="none" spc="0" normalizeH="0" baseline="0" dirty="0">
+                <a:ln>
+                  <a:noFill/>
+                </a:ln>
+                <a:solidFill>
+                  <a:srgbClr val="000000"/>
+                </a:solidFill>
+                <a:effectLst/>
+                <a:uFillTx/>
+                <a:latin typeface="+mj-lt"/>
+                <a:ea typeface="+mj-ea"/>
+                <a:cs typeface="+mj-cs"/>
+                <a:sym typeface="Calibri"/>
+              </a:rPr>
+              <a:t>’</a:t>
+            </a:r>
+            <a:endParaRPr kumimoji="0" lang="ru-RU" sz="1800" b="0" i="0" u="none" strike="noStrike" cap="none" spc="0" normalizeH="0" baseline="0" dirty="0">
+              <a:ln>
+                <a:noFill/>
+              </a:ln>
+              <a:solidFill>
+                <a:srgbClr val="000000"/>
+              </a:solidFill>
+              <a:effectLst/>
+              <a:uFillTx/>
+              <a:latin typeface="+mj-lt"/>
+              <a:ea typeface="+mj-ea"/>
+              <a:cs typeface="+mj-cs"/>
+              <a:sym typeface="Calibri"/>
+            </a:endParaRPr>
+          </a:p>
+        </p:txBody>
+      </p:sp>
+      <p:sp>
+        <p:nvSpPr>
+          <p:cNvPr id="69" name="TextBox 68">
+            <a:extLst>
+              <a:ext uri="{FF2B5EF4-FFF2-40B4-BE49-F238E27FC236}">
+                <a16:creationId xmlns:a16="http://schemas.microsoft.com/office/drawing/2014/main" id="{3344D9D7-2EF6-40B7-9708-697E96395B81}"/>
+              </a:ext>
+            </a:extLst>
+          </p:cNvPr>
+          <p:cNvSpPr txBox="1"/>
+          <p:nvPr/>
+        </p:nvSpPr>
+        <p:spPr>
+          <a:xfrm>
+            <a:off x="2714144" y="4496510"/>
+            <a:ext cx="209349" cy="369328"/>
+          </a:xfrm>
+          <a:prstGeom prst="rect">
+            <a:avLst/>
+          </a:prstGeom>
+          <a:noFill/>
+          <a:ln w="12700" cap="flat">
+            <a:noFill/>
+            <a:miter lim="400000"/>
+          </a:ln>
+          <a:effectLst/>
+          <a:sp3d/>
+        </p:spPr>
+        <p:style>
+          <a:lnRef idx="0">
+            <a:scrgbClr r="0" g="0" b="0"/>
+          </a:lnRef>
+          <a:fillRef idx="0">
+            <a:scrgbClr r="0" g="0" b="0"/>
+          </a:fillRef>
+          <a:effectRef idx="0">
+            <a:scrgbClr r="0" g="0" b="0"/>
+          </a:effectRef>
+          <a:fontRef idx="none"/>
+        </p:style>
+        <p:txBody>
+          <a:bodyPr rot="0" spcFirstLastPara="1" vertOverflow="overflow" horzOverflow="overflow" vert="horz" wrap="none" lIns="45718" tIns="45718" rIns="45718" bIns="45718" numCol="1" spcCol="38100" rtlCol="0" anchor="t">
+            <a:spAutoFit/>
+          </a:bodyPr>
+          <a:lstStyle/>
+          <a:p>
+            <a:pPr marL="0" marR="0" indent="0" algn="l" defTabSz="914400" rtl="0" fontAlgn="auto" latinLnBrk="0" hangingPunct="0">
+              <a:lnSpc>
+                <a:spcPct val="100000"/>
+              </a:lnSpc>
+              <a:spcBef>
+                <a:spcPts val="0"/>
+              </a:spcBef>
+              <a:spcAft>
+                <a:spcPts val="0"/>
+              </a:spcAft>
+              <a:buClrTx/>
+              <a:buSzTx/>
+              <a:buFontTx/>
+              <a:buNone/>
+              <a:tabLst/>
+            </a:pPr>
+            <a:r>
+              <a:rPr kumimoji="0" lang="en-US" sz="1800" b="0" i="0" u="none" strike="noStrike" cap="none" spc="0" normalizeH="0" baseline="0" dirty="0">
+                <a:ln>
+                  <a:noFill/>
+                </a:ln>
+                <a:solidFill>
+                  <a:srgbClr val="000000"/>
+                </a:solidFill>
+                <a:effectLst/>
+                <a:uFillTx/>
+                <a:latin typeface="+mj-lt"/>
+                <a:ea typeface="+mj-ea"/>
+                <a:cs typeface="+mj-cs"/>
+                <a:sym typeface="Calibri"/>
+              </a:rPr>
+              <a:t>0</a:t>
+            </a:r>
+            <a:endParaRPr kumimoji="0" lang="ru-RU" sz="1800" b="0" i="0" u="none" strike="noStrike" cap="none" spc="0" normalizeH="0" baseline="0" dirty="0">
+              <a:ln>
+                <a:noFill/>
+              </a:ln>
+              <a:solidFill>
+                <a:srgbClr val="000000"/>
+              </a:solidFill>
+              <a:effectLst/>
+              <a:uFillTx/>
+              <a:latin typeface="+mj-lt"/>
+              <a:ea typeface="+mj-ea"/>
+              <a:cs typeface="+mj-cs"/>
+              <a:sym typeface="Calibri"/>
+            </a:endParaRPr>
+          </a:p>
+        </p:txBody>
+      </p:sp>
+      <p:sp>
+        <p:nvSpPr>
+          <p:cNvPr id="72" name="TextBox 71">
+            <a:extLst>
+              <a:ext uri="{FF2B5EF4-FFF2-40B4-BE49-F238E27FC236}">
+                <a16:creationId xmlns:a16="http://schemas.microsoft.com/office/drawing/2014/main" id="{24E1150F-A82F-477A-A0C9-AD75B53A2F5B}"/>
+              </a:ext>
+            </a:extLst>
+          </p:cNvPr>
+          <p:cNvSpPr txBox="1"/>
+          <p:nvPr/>
+        </p:nvSpPr>
+        <p:spPr>
+          <a:xfrm>
+            <a:off x="4348968" y="4488806"/>
+            <a:ext cx="209349" cy="369328"/>
+          </a:xfrm>
+          <a:prstGeom prst="rect">
+            <a:avLst/>
+          </a:prstGeom>
+          <a:noFill/>
+          <a:ln w="12700" cap="flat">
+            <a:noFill/>
+            <a:miter lim="400000"/>
+          </a:ln>
+          <a:effectLst/>
+          <a:sp3d/>
+        </p:spPr>
+        <p:style>
+          <a:lnRef idx="0">
+            <a:scrgbClr r="0" g="0" b="0"/>
+          </a:lnRef>
+          <a:fillRef idx="0">
+            <a:scrgbClr r="0" g="0" b="0"/>
+          </a:fillRef>
+          <a:effectRef idx="0">
+            <a:scrgbClr r="0" g="0" b="0"/>
+          </a:effectRef>
+          <a:fontRef idx="none"/>
+        </p:style>
+        <p:txBody>
+          <a:bodyPr rot="0" spcFirstLastPara="1" vertOverflow="overflow" horzOverflow="overflow" vert="horz" wrap="none" lIns="45718" tIns="45718" rIns="45718" bIns="45718" numCol="1" spcCol="38100" rtlCol="0" anchor="t">
+            <a:spAutoFit/>
+          </a:bodyPr>
+          <a:lstStyle/>
+          <a:p>
+            <a:pPr marL="0" marR="0" indent="0" algn="l" defTabSz="914400" rtl="0" fontAlgn="auto" latinLnBrk="0" hangingPunct="0">
+              <a:lnSpc>
+                <a:spcPct val="100000"/>
+              </a:lnSpc>
+              <a:spcBef>
+                <a:spcPts val="0"/>
+              </a:spcBef>
+              <a:spcAft>
+                <a:spcPts val="0"/>
+              </a:spcAft>
+              <a:buClrTx/>
+              <a:buSzTx/>
+              <a:buFontTx/>
+              <a:buNone/>
+              <a:tabLst/>
+            </a:pPr>
+            <a:r>
+              <a:rPr lang="en-US" dirty="0"/>
+              <a:t>1</a:t>
+            </a:r>
+            <a:endParaRPr kumimoji="0" lang="ru-RU" sz="1800" b="0" i="0" u="none" strike="noStrike" cap="none" spc="0" normalizeH="0" baseline="0" dirty="0">
+              <a:ln>
+                <a:noFill/>
+              </a:ln>
+              <a:solidFill>
+                <a:srgbClr val="000000"/>
+              </a:solidFill>
+              <a:effectLst/>
+              <a:uFillTx/>
+              <a:latin typeface="+mj-lt"/>
+              <a:ea typeface="+mj-ea"/>
+              <a:cs typeface="+mj-cs"/>
+              <a:sym typeface="Calibri"/>
+            </a:endParaRPr>
+          </a:p>
+        </p:txBody>
+      </p:sp>
+      <p:sp>
+        <p:nvSpPr>
+          <p:cNvPr id="75" name="TextBox 74">
+            <a:extLst>
+              <a:ext uri="{FF2B5EF4-FFF2-40B4-BE49-F238E27FC236}">
+                <a16:creationId xmlns:a16="http://schemas.microsoft.com/office/drawing/2014/main" id="{720C60EC-926F-4536-B602-414F0BD45CEB}"/>
+              </a:ext>
+            </a:extLst>
+          </p:cNvPr>
+          <p:cNvSpPr txBox="1"/>
+          <p:nvPr/>
+        </p:nvSpPr>
+        <p:spPr>
+          <a:xfrm>
+            <a:off x="5340328" y="5287125"/>
+            <a:ext cx="209349" cy="369328"/>
+          </a:xfrm>
+          <a:prstGeom prst="rect">
+            <a:avLst/>
+          </a:prstGeom>
+          <a:noFill/>
+          <a:ln w="12700" cap="flat">
+            <a:noFill/>
+            <a:miter lim="400000"/>
+          </a:ln>
+          <a:effectLst/>
+          <a:sp3d/>
+        </p:spPr>
+        <p:style>
+          <a:lnRef idx="0">
+            <a:scrgbClr r="0" g="0" b="0"/>
+          </a:lnRef>
+          <a:fillRef idx="0">
+            <a:scrgbClr r="0" g="0" b="0"/>
+          </a:fillRef>
+          <a:effectRef idx="0">
+            <a:scrgbClr r="0" g="0" b="0"/>
+          </a:effectRef>
+          <a:fontRef idx="none"/>
+        </p:style>
+        <p:txBody>
+          <a:bodyPr rot="0" spcFirstLastPara="1" vertOverflow="overflow" horzOverflow="overflow" vert="horz" wrap="none" lIns="45718" tIns="45718" rIns="45718" bIns="45718" numCol="1" spcCol="38100" rtlCol="0" anchor="t">
+            <a:spAutoFit/>
+          </a:bodyPr>
+          <a:lstStyle/>
+          <a:p>
+            <a:pPr marL="0" marR="0" indent="0" algn="l" defTabSz="914400" rtl="0" fontAlgn="auto" latinLnBrk="0" hangingPunct="0">
+              <a:lnSpc>
+                <a:spcPct val="100000"/>
+              </a:lnSpc>
+              <a:spcBef>
+                <a:spcPts val="0"/>
+              </a:spcBef>
+              <a:spcAft>
+                <a:spcPts val="0"/>
+              </a:spcAft>
+              <a:buClrTx/>
+              <a:buSzTx/>
+              <a:buFontTx/>
+              <a:buNone/>
+              <a:tabLst/>
+            </a:pPr>
+            <a:r>
+              <a:rPr kumimoji="0" lang="en-US" sz="1800" b="0" i="0" u="none" strike="noStrike" cap="none" spc="0" normalizeH="0" baseline="0" dirty="0">
+                <a:ln>
+                  <a:noFill/>
+                </a:ln>
+                <a:solidFill>
+                  <a:srgbClr val="000000"/>
+                </a:solidFill>
+                <a:effectLst/>
+                <a:uFillTx/>
+                <a:latin typeface="+mj-lt"/>
+                <a:ea typeface="+mj-ea"/>
+                <a:cs typeface="+mj-cs"/>
+                <a:sym typeface="Calibri"/>
+              </a:rPr>
+              <a:t>2</a:t>
+            </a:r>
+            <a:endParaRPr kumimoji="0" lang="ru-RU" sz="1800" b="0" i="0" u="none" strike="noStrike" cap="none" spc="0" normalizeH="0" baseline="0" dirty="0">
+              <a:ln>
+                <a:noFill/>
+              </a:ln>
+              <a:solidFill>
+                <a:srgbClr val="000000"/>
+              </a:solidFill>
+              <a:effectLst/>
+              <a:uFillTx/>
+              <a:latin typeface="+mj-lt"/>
+              <a:ea typeface="+mj-ea"/>
+              <a:cs typeface="+mj-cs"/>
+              <a:sym typeface="Calibri"/>
+            </a:endParaRPr>
+          </a:p>
+        </p:txBody>
+      </p:sp>
+      <p:sp>
+        <p:nvSpPr>
+          <p:cNvPr id="78" name="TextBox 77">
+            <a:extLst>
+              <a:ext uri="{FF2B5EF4-FFF2-40B4-BE49-F238E27FC236}">
+                <a16:creationId xmlns:a16="http://schemas.microsoft.com/office/drawing/2014/main" id="{7C2E529C-A96A-4313-BBFD-02EAEE5E6008}"/>
+              </a:ext>
+            </a:extLst>
+          </p:cNvPr>
+          <p:cNvSpPr txBox="1"/>
+          <p:nvPr/>
+        </p:nvSpPr>
+        <p:spPr>
+          <a:xfrm>
+            <a:off x="6537742" y="6038920"/>
+            <a:ext cx="209349" cy="369328"/>
+          </a:xfrm>
+          <a:prstGeom prst="rect">
+            <a:avLst/>
+          </a:prstGeom>
+          <a:noFill/>
+          <a:ln w="12700" cap="flat">
+            <a:noFill/>
+            <a:miter lim="400000"/>
+          </a:ln>
+          <a:effectLst/>
+          <a:sp3d/>
+        </p:spPr>
+        <p:style>
+          <a:lnRef idx="0">
+            <a:scrgbClr r="0" g="0" b="0"/>
+          </a:lnRef>
+          <a:fillRef idx="0">
+            <a:scrgbClr r="0" g="0" b="0"/>
+          </a:fillRef>
+          <a:effectRef idx="0">
+            <a:scrgbClr r="0" g="0" b="0"/>
+          </a:effectRef>
+          <a:fontRef idx="none"/>
+        </p:style>
+        <p:txBody>
+          <a:bodyPr rot="0" spcFirstLastPara="1" vertOverflow="overflow" horzOverflow="overflow" vert="horz" wrap="none" lIns="45718" tIns="45718" rIns="45718" bIns="45718" numCol="1" spcCol="38100" rtlCol="0" anchor="t">
+            <a:spAutoFit/>
+          </a:bodyPr>
+          <a:lstStyle/>
+          <a:p>
+            <a:pPr marL="0" marR="0" indent="0" algn="l" defTabSz="914400" rtl="0" fontAlgn="auto" latinLnBrk="0" hangingPunct="0">
+              <a:lnSpc>
+                <a:spcPct val="100000"/>
+              </a:lnSpc>
+              <a:spcBef>
+                <a:spcPts val="0"/>
+              </a:spcBef>
+              <a:spcAft>
+                <a:spcPts val="0"/>
+              </a:spcAft>
+              <a:buClrTx/>
+              <a:buSzTx/>
+              <a:buFontTx/>
+              <a:buNone/>
+              <a:tabLst/>
+            </a:pPr>
+            <a:r>
+              <a:rPr kumimoji="0" lang="en-US" sz="1800" b="0" i="0" u="none" strike="noStrike" cap="none" spc="0" normalizeH="0" baseline="0" dirty="0">
+                <a:ln>
+                  <a:noFill/>
+                </a:ln>
+                <a:solidFill>
+                  <a:srgbClr val="000000"/>
+                </a:solidFill>
+                <a:effectLst/>
+                <a:uFillTx/>
+                <a:latin typeface="+mj-lt"/>
+                <a:ea typeface="+mj-ea"/>
+                <a:cs typeface="+mj-cs"/>
+                <a:sym typeface="Calibri"/>
+              </a:rPr>
+              <a:t>3</a:t>
+            </a:r>
+            <a:endParaRPr kumimoji="0" lang="ru-RU" sz="1800" b="0" i="0" u="none" strike="noStrike" cap="none" spc="0" normalizeH="0" baseline="0" dirty="0">
+              <a:ln>
+                <a:noFill/>
+              </a:ln>
+              <a:solidFill>
+                <a:srgbClr val="000000"/>
+              </a:solidFill>
+              <a:effectLst/>
+              <a:uFillTx/>
+              <a:latin typeface="+mj-lt"/>
+              <a:ea typeface="+mj-ea"/>
+              <a:cs typeface="+mj-cs"/>
+              <a:sym typeface="Calibri"/>
+            </a:endParaRPr>
+          </a:p>
+        </p:txBody>
+      </p:sp>
+      <p:sp>
+        <p:nvSpPr>
+          <p:cNvPr id="81" name="TextBox 80">
+            <a:extLst>
+              <a:ext uri="{FF2B5EF4-FFF2-40B4-BE49-F238E27FC236}">
+                <a16:creationId xmlns:a16="http://schemas.microsoft.com/office/drawing/2014/main" id="{42885AAA-9D5B-48E4-B530-D9357EC285A7}"/>
+              </a:ext>
+            </a:extLst>
+          </p:cNvPr>
+          <p:cNvSpPr txBox="1"/>
+          <p:nvPr/>
+        </p:nvSpPr>
+        <p:spPr>
+          <a:xfrm>
+            <a:off x="3052293" y="1410044"/>
+            <a:ext cx="3845431" cy="369328"/>
+          </a:xfrm>
+          <a:prstGeom prst="rect">
+            <a:avLst/>
+          </a:prstGeom>
+          <a:noFill/>
+          <a:ln w="12700" cap="flat">
+            <a:noFill/>
+            <a:miter lim="400000"/>
+          </a:ln>
+          <a:effectLst/>
+          <a:sp3d/>
+        </p:spPr>
+        <p:style>
+          <a:lnRef idx="0">
+            <a:scrgbClr r="0" g="0" b="0"/>
+          </a:lnRef>
+          <a:fillRef idx="0">
+            <a:scrgbClr r="0" g="0" b="0"/>
+          </a:fillRef>
+          <a:effectRef idx="0">
+            <a:scrgbClr r="0" g="0" b="0"/>
+          </a:effectRef>
+          <a:fontRef idx="none"/>
+        </p:style>
+        <p:txBody>
+          <a:bodyPr rot="0" spcFirstLastPara="1" vertOverflow="overflow" horzOverflow="overflow" vert="horz" wrap="square" lIns="45718" tIns="45718" rIns="45718" bIns="45718" numCol="1" spcCol="38100" rtlCol="0" anchor="t">
+            <a:spAutoFit/>
+          </a:bodyPr>
+          <a:lstStyle/>
+          <a:p>
+            <a:pPr marL="0" marR="0" indent="0" algn="l" defTabSz="914400" rtl="0" fontAlgn="auto" latinLnBrk="0" hangingPunct="0">
+              <a:lnSpc>
+                <a:spcPct val="100000"/>
+              </a:lnSpc>
+              <a:spcBef>
+                <a:spcPts val="0"/>
+              </a:spcBef>
+              <a:spcAft>
+                <a:spcPts val="0"/>
+              </a:spcAft>
+              <a:buClrTx/>
+              <a:buSzTx/>
+              <a:buFontTx/>
+              <a:buNone/>
+              <a:tabLst/>
+            </a:pPr>
+            <a:r>
+              <a:rPr kumimoji="0" lang="ru-RU" sz="1800" b="0" i="0" u="none" strike="noStrike" cap="none" spc="0" normalizeH="0" baseline="0" dirty="0">
+                <a:ln>
+                  <a:noFill/>
+                </a:ln>
+                <a:solidFill>
+                  <a:schemeClr val="tx2">
+                    <a:lumMod val="50000"/>
+                  </a:schemeClr>
+                </a:solidFill>
+                <a:effectLst/>
+                <a:uFillTx/>
+                <a:latin typeface="+mj-lt"/>
+                <a:ea typeface="+mj-ea"/>
+                <a:cs typeface="+mj-cs"/>
+                <a:sym typeface="Calibri"/>
+              </a:rPr>
+              <a:t>// Число со знаком</a:t>
+            </a:r>
+          </a:p>
+        </p:txBody>
+      </p:sp>
+      <p:sp>
+        <p:nvSpPr>
+          <p:cNvPr id="82" name="TextBox 81">
+            <a:extLst>
+              <a:ext uri="{FF2B5EF4-FFF2-40B4-BE49-F238E27FC236}">
+                <a16:creationId xmlns:a16="http://schemas.microsoft.com/office/drawing/2014/main" id="{ADA7F0CE-ED15-4DB6-9912-7E1D64677599}"/>
+              </a:ext>
+            </a:extLst>
+          </p:cNvPr>
+          <p:cNvSpPr txBox="1"/>
+          <p:nvPr/>
+        </p:nvSpPr>
+        <p:spPr>
+          <a:xfrm>
+            <a:off x="4433063" y="2185293"/>
+            <a:ext cx="5621087" cy="369328"/>
+          </a:xfrm>
+          <a:prstGeom prst="rect">
+            <a:avLst/>
+          </a:prstGeom>
+          <a:noFill/>
+          <a:ln w="12700" cap="flat">
+            <a:noFill/>
+            <a:miter lim="400000"/>
+          </a:ln>
+          <a:effectLst/>
+          <a:sp3d/>
+        </p:spPr>
+        <p:style>
+          <a:lnRef idx="0">
+            <a:scrgbClr r="0" g="0" b="0"/>
+          </a:lnRef>
+          <a:fillRef idx="0">
+            <a:scrgbClr r="0" g="0" b="0"/>
+          </a:fillRef>
+          <a:effectRef idx="0">
+            <a:scrgbClr r="0" g="0" b="0"/>
+          </a:effectRef>
+          <a:fontRef idx="none"/>
+        </p:style>
+        <p:txBody>
+          <a:bodyPr rot="0" spcFirstLastPara="1" vertOverflow="overflow" horzOverflow="overflow" vert="horz" wrap="none" lIns="45718" tIns="45718" rIns="45718" bIns="45718" numCol="1" spcCol="38100" rtlCol="0" anchor="t">
+            <a:spAutoFit/>
+          </a:bodyPr>
+          <a:lstStyle/>
+          <a:p>
+            <a:pPr marL="0" marR="0" indent="0" algn="l" defTabSz="914400" rtl="0" fontAlgn="auto" latinLnBrk="0" hangingPunct="0">
+              <a:lnSpc>
+                <a:spcPct val="100000"/>
+              </a:lnSpc>
+              <a:spcBef>
+                <a:spcPts val="0"/>
+              </a:spcBef>
+              <a:spcAft>
+                <a:spcPts val="0"/>
+              </a:spcAft>
+              <a:buClrTx/>
+              <a:buSzTx/>
+              <a:buFontTx/>
+              <a:buNone/>
+              <a:tabLst/>
+            </a:pPr>
+            <a:r>
+              <a:rPr kumimoji="0" lang="ru-RU" sz="1800" b="0" i="0" u="none" strike="noStrike" cap="none" spc="0" normalizeH="0" baseline="0" dirty="0">
+                <a:ln>
+                  <a:noFill/>
+                </a:ln>
+                <a:solidFill>
+                  <a:schemeClr val="tx2">
+                    <a:lumMod val="50000"/>
+                  </a:schemeClr>
+                </a:solidFill>
+                <a:effectLst/>
+                <a:uFillTx/>
+                <a:latin typeface="+mj-lt"/>
+                <a:ea typeface="+mj-ea"/>
+                <a:cs typeface="+mj-cs"/>
+                <a:sym typeface="Calibri"/>
+              </a:rPr>
+              <a:t>// число без знака, состоящее из целой и дробной части</a:t>
+            </a:r>
+          </a:p>
+        </p:txBody>
+      </p:sp>
+      <p:sp>
+        <p:nvSpPr>
+          <p:cNvPr id="83" name="TextBox 82">
+            <a:extLst>
+              <a:ext uri="{FF2B5EF4-FFF2-40B4-BE49-F238E27FC236}">
+                <a16:creationId xmlns:a16="http://schemas.microsoft.com/office/drawing/2014/main" id="{08FC0472-ACBD-4364-992C-E935B3A0CBEA}"/>
+              </a:ext>
+            </a:extLst>
+          </p:cNvPr>
+          <p:cNvSpPr txBox="1"/>
+          <p:nvPr/>
+        </p:nvSpPr>
+        <p:spPr>
+          <a:xfrm>
+            <a:off x="5577183" y="2950175"/>
+            <a:ext cx="5218732" cy="369328"/>
+          </a:xfrm>
+          <a:prstGeom prst="rect">
+            <a:avLst/>
+          </a:prstGeom>
+          <a:noFill/>
+          <a:ln w="12700" cap="flat">
+            <a:noFill/>
+            <a:miter lim="400000"/>
+          </a:ln>
+          <a:effectLst/>
+          <a:sp3d/>
+        </p:spPr>
+        <p:style>
+          <a:lnRef idx="0">
+            <a:scrgbClr r="0" g="0" b="0"/>
+          </a:lnRef>
+          <a:fillRef idx="0">
+            <a:scrgbClr r="0" g="0" b="0"/>
+          </a:fillRef>
+          <a:effectRef idx="0">
+            <a:scrgbClr r="0" g="0" b="0"/>
+          </a:effectRef>
+          <a:fontRef idx="none"/>
+        </p:style>
+        <p:txBody>
+          <a:bodyPr rot="0" spcFirstLastPara="1" vertOverflow="overflow" horzOverflow="overflow" vert="horz" wrap="none" lIns="45718" tIns="45718" rIns="45718" bIns="45718" numCol="1" spcCol="38100" rtlCol="0" anchor="t">
+            <a:spAutoFit/>
+          </a:bodyPr>
+          <a:lstStyle/>
+          <a:p>
+            <a:pPr marL="0" marR="0" indent="0" algn="l" defTabSz="914400" rtl="0" fontAlgn="auto" latinLnBrk="0" hangingPunct="0">
+              <a:lnSpc>
+                <a:spcPct val="100000"/>
+              </a:lnSpc>
+              <a:spcBef>
+                <a:spcPts val="0"/>
+              </a:spcBef>
+              <a:spcAft>
+                <a:spcPts val="0"/>
+              </a:spcAft>
+              <a:buClrTx/>
+              <a:buSzTx/>
+              <a:buFontTx/>
+              <a:buNone/>
+              <a:tabLst/>
+            </a:pPr>
+            <a:r>
+              <a:rPr kumimoji="0" lang="ru-RU" sz="1800" b="0" i="0" u="none" strike="noStrike" cap="none" spc="0" normalizeH="0" baseline="0" dirty="0">
+                <a:ln>
+                  <a:noFill/>
+                </a:ln>
+                <a:solidFill>
+                  <a:schemeClr val="tx2">
+                    <a:lumMod val="50000"/>
+                  </a:schemeClr>
+                </a:solidFill>
+                <a:effectLst/>
+                <a:uFillTx/>
+                <a:latin typeface="+mj-lt"/>
+                <a:ea typeface="+mj-ea"/>
+                <a:cs typeface="+mj-cs"/>
+                <a:sym typeface="Calibri"/>
+              </a:rPr>
+              <a:t>// целое число, состоящее из цифры и целого числа</a:t>
+            </a:r>
+          </a:p>
+        </p:txBody>
+      </p:sp>
+    </p:spTree>
+    <p:extLst>
+      <p:ext uri="{BB962C8B-B14F-4D97-AF65-F5344CB8AC3E}">
+        <p14:creationId xmlns:p14="http://schemas.microsoft.com/office/powerpoint/2010/main" val="1315898808"/>
+      </p:ext>
+    </p:extLst>
   </p:cSld>
   <p:clrMapOvr>
     <a:masterClrMapping/>
@@ -3582,7 +6784,7 @@
           </a:ln>
           <a:extLst>
             <a:ext uri="{C572A759-6A51-4108-AA02-DFA0A04FC94B}">
-              <ma14:wrappingTextBoxFlag xmlns="" xmlns:m="http://schemas.openxmlformats.org/officeDocument/2006/math" xmlns:a14="http://schemas.microsoft.com/office/drawing/2010/main" xmlns:ma14="http://schemas.microsoft.com/office/mac/drawingml/2011/main" val="1"/>
+              <ma14:wrappingTextBoxFlag xmlns:ma14="http://schemas.microsoft.com/office/mac/drawingml/2011/main" xmlns:a14="http://schemas.microsoft.com/office/drawing/2010/main" xmlns:m="http://schemas.openxmlformats.org/officeDocument/2006/math" xmlns="" val="1"/>
             </a:ext>
           </a:extLst>
         </p:spPr>
@@ -4312,7 +7514,7 @@
           </a:ln>
           <a:extLst>
             <a:ext uri="{C572A759-6A51-4108-AA02-DFA0A04FC94B}">
-              <ma14:wrappingTextBoxFlag xmlns="" xmlns:m="http://schemas.openxmlformats.org/officeDocument/2006/math" xmlns:a14="http://schemas.microsoft.com/office/drawing/2010/main" xmlns:ma14="http://schemas.microsoft.com/office/mac/drawingml/2011/main" val="1"/>
+              <ma14:wrappingTextBoxFlag xmlns:ma14="http://schemas.microsoft.com/office/mac/drawingml/2011/main" xmlns:a14="http://schemas.microsoft.com/office/drawing/2010/main" xmlns:m="http://schemas.openxmlformats.org/officeDocument/2006/math" xmlns="" val="1"/>
             </a:ext>
           </a:extLst>
         </p:spPr>
@@ -4383,7 +7585,7 @@
           </a:ln>
           <a:extLst>
             <a:ext uri="{C572A759-6A51-4108-AA02-DFA0A04FC94B}">
-              <ma14:wrappingTextBoxFlag xmlns="" xmlns:m="http://schemas.openxmlformats.org/officeDocument/2006/math" xmlns:a14="http://schemas.microsoft.com/office/drawing/2010/main" xmlns:ma14="http://schemas.microsoft.com/office/mac/drawingml/2011/main" val="1"/>
+              <ma14:wrappingTextBoxFlag xmlns:ma14="http://schemas.microsoft.com/office/mac/drawingml/2011/main" xmlns:a14="http://schemas.microsoft.com/office/drawing/2010/main" xmlns:m="http://schemas.openxmlformats.org/officeDocument/2006/math" xmlns="" val="1"/>
             </a:ext>
           </a:extLst>
         </p:spPr>
@@ -4428,7 +7630,7 @@
           </a:ln>
           <a:extLst>
             <a:ext uri="{C572A759-6A51-4108-AA02-DFA0A04FC94B}">
-              <ma14:wrappingTextBoxFlag xmlns="" xmlns:m="http://schemas.openxmlformats.org/officeDocument/2006/math" xmlns:a14="http://schemas.microsoft.com/office/drawing/2010/main" xmlns:ma14="http://schemas.microsoft.com/office/mac/drawingml/2011/main" val="1"/>
+              <ma14:wrappingTextBoxFlag xmlns:ma14="http://schemas.microsoft.com/office/mac/drawingml/2011/main" xmlns:a14="http://schemas.microsoft.com/office/drawing/2010/main" xmlns:m="http://schemas.openxmlformats.org/officeDocument/2006/math" xmlns="" val="1"/>
             </a:ext>
           </a:extLst>
         </p:spPr>
@@ -4501,7 +7703,7 @@
           </a:ln>
           <a:extLst>
             <a:ext uri="{C572A759-6A51-4108-AA02-DFA0A04FC94B}">
-              <ma14:wrappingTextBoxFlag xmlns="" xmlns:m="http://schemas.openxmlformats.org/officeDocument/2006/math" xmlns:a14="http://schemas.microsoft.com/office/drawing/2010/main" xmlns:ma14="http://schemas.microsoft.com/office/mac/drawingml/2011/main" val="1"/>
+              <ma14:wrappingTextBoxFlag xmlns:ma14="http://schemas.microsoft.com/office/mac/drawingml/2011/main" xmlns:a14="http://schemas.microsoft.com/office/drawing/2010/main" xmlns:m="http://schemas.openxmlformats.org/officeDocument/2006/math" xmlns="" val="1"/>
             </a:ext>
           </a:extLst>
         </p:spPr>
@@ -4587,7 +7789,7 @@
           </a:ln>
           <a:extLst>
             <a:ext uri="{C572A759-6A51-4108-AA02-DFA0A04FC94B}">
-              <ma14:wrappingTextBoxFlag xmlns="" xmlns:m="http://schemas.openxmlformats.org/officeDocument/2006/math" xmlns:a14="http://schemas.microsoft.com/office/drawing/2010/main" xmlns:ma14="http://schemas.microsoft.com/office/mac/drawingml/2011/main" val="1"/>
+              <ma14:wrappingTextBoxFlag xmlns:ma14="http://schemas.microsoft.com/office/mac/drawingml/2011/main" xmlns:a14="http://schemas.microsoft.com/office/drawing/2010/main" xmlns:m="http://schemas.openxmlformats.org/officeDocument/2006/math" xmlns="" val="1"/>
             </a:ext>
           </a:extLst>
         </p:spPr>
@@ -4632,7 +7834,7 @@
           </a:ln>
           <a:extLst>
             <a:ext uri="{C572A759-6A51-4108-AA02-DFA0A04FC94B}">
-              <ma14:wrappingTextBoxFlag xmlns="" xmlns:m="http://schemas.openxmlformats.org/officeDocument/2006/math" xmlns:a14="http://schemas.microsoft.com/office/drawing/2010/main" xmlns:ma14="http://schemas.microsoft.com/office/mac/drawingml/2011/main" val="1"/>
+              <ma14:wrappingTextBoxFlag xmlns:ma14="http://schemas.microsoft.com/office/mac/drawingml/2011/main" xmlns:a14="http://schemas.microsoft.com/office/drawing/2010/main" xmlns:m="http://schemas.openxmlformats.org/officeDocument/2006/math" xmlns="" val="1"/>
             </a:ext>
           </a:extLst>
         </p:spPr>
@@ -4731,7 +7933,7 @@
           </a:ln>
           <a:extLst>
             <a:ext uri="{C572A759-6A51-4108-AA02-DFA0A04FC94B}">
-              <ma14:wrappingTextBoxFlag xmlns="" xmlns:m="http://schemas.openxmlformats.org/officeDocument/2006/math" xmlns:a14="http://schemas.microsoft.com/office/drawing/2010/main" xmlns:ma14="http://schemas.microsoft.com/office/mac/drawingml/2011/main" val="1"/>
+              <ma14:wrappingTextBoxFlag xmlns:ma14="http://schemas.microsoft.com/office/mac/drawingml/2011/main" xmlns:a14="http://schemas.microsoft.com/office/drawing/2010/main" xmlns:m="http://schemas.openxmlformats.org/officeDocument/2006/math" xmlns="" val="1"/>
             </a:ext>
           </a:extLst>
         </p:spPr>
@@ -4777,7 +7979,7 @@
           </a:ln>
           <a:extLst>
             <a:ext uri="{C572A759-6A51-4108-AA02-DFA0A04FC94B}">
-              <ma14:wrappingTextBoxFlag xmlns="" xmlns:m="http://schemas.openxmlformats.org/officeDocument/2006/math" xmlns:a14="http://schemas.microsoft.com/office/drawing/2010/main" xmlns:ma14="http://schemas.microsoft.com/office/mac/drawingml/2011/main" val="1"/>
+              <ma14:wrappingTextBoxFlag xmlns:ma14="http://schemas.microsoft.com/office/mac/drawingml/2011/main" xmlns:a14="http://schemas.microsoft.com/office/drawing/2010/main" xmlns:m="http://schemas.openxmlformats.org/officeDocument/2006/math" xmlns="" val="1"/>
             </a:ext>
           </a:extLst>
         </p:spPr>
@@ -5305,11 +8507,11 @@
               <a:t>&lt;список прилагательных&gt; → &lt;прилагательное&gt; &lt;список прилагательных&gt; | &lt;прилагательное&gt; </a:t>
             </a:r>
             <a:r>
-              <a:rPr lang="en-US"/>
+              <a:rPr lang="en-US" dirty="0"/>
               <a:t>| &lt;&gt; </a:t>
             </a:r>
             <a:r>
-              <a:rPr lang="en-US" sz="1000">
+              <a:rPr lang="en-US" sz="1000" dirty="0">
                 <a:solidFill>
                   <a:srgbClr val="A7A7A7"/>
                 </a:solidFill>

--- a/task2.pptx
+++ b/task2.pptx
@@ -5,22 +5,23 @@
     <p:sldMasterId id="2147483648" r:id="rId1"/>
   </p:sldMasterIdLst>
   <p:notesMasterIdLst>
-    <p:notesMasterId r:id="rId15"/>
+    <p:notesMasterId r:id="rId16"/>
   </p:notesMasterIdLst>
   <p:sldIdLst>
     <p:sldId id="256" r:id="rId2"/>
     <p:sldId id="257" r:id="rId3"/>
     <p:sldId id="258" r:id="rId4"/>
-    <p:sldId id="259" r:id="rId5"/>
-    <p:sldId id="260" r:id="rId6"/>
-    <p:sldId id="261" r:id="rId7"/>
-    <p:sldId id="262" r:id="rId8"/>
-    <p:sldId id="264" r:id="rId9"/>
-    <p:sldId id="263" r:id="rId10"/>
-    <p:sldId id="265" r:id="rId11"/>
-    <p:sldId id="266" r:id="rId12"/>
-    <p:sldId id="267" r:id="rId13"/>
-    <p:sldId id="268" r:id="rId14"/>
+    <p:sldId id="269" r:id="rId5"/>
+    <p:sldId id="259" r:id="rId6"/>
+    <p:sldId id="260" r:id="rId7"/>
+    <p:sldId id="261" r:id="rId8"/>
+    <p:sldId id="262" r:id="rId9"/>
+    <p:sldId id="264" r:id="rId10"/>
+    <p:sldId id="263" r:id="rId11"/>
+    <p:sldId id="265" r:id="rId12"/>
+    <p:sldId id="266" r:id="rId13"/>
+    <p:sldId id="267" r:id="rId14"/>
+    <p:sldId id="268" r:id="rId15"/>
   </p:sldIdLst>
   <p:sldSz cx="12192000" cy="6858000"/>
   <p:notesSz cx="6858000" cy="9144000"/>
@@ -328,6 +329,15 @@
     </p:ext>
   </p:extLst>
 </p:presentation>
+</file>
+
+<file path=ppt/revisionInfo.xml><?xml version="1.0" encoding="utf-8"?>
+<p1510:revInfo xmlns:a="http://schemas.openxmlformats.org/drawingml/2006/main" xmlns:r="http://schemas.openxmlformats.org/officeDocument/2006/relationships" xmlns:p1510="http://schemas.microsoft.com/office/powerpoint/2015/10/main">
+  <p1510:revLst>
+    <p1510:client id="{5149CA61-846E-4581-8A10-D63E3BC1B9A8}" v="55" dt="2021-01-18T12:45:18.537"/>
+    <p1510:client id="{D1218C0E-2367-4374-876A-2AE7A12D0C7F}" v="463" dt="2021-01-18T13:57:46.402"/>
+  </p1510:revLst>
+</p1510:revInfo>
 </file>
 
 <file path=ppt/notesMasters/notesMaster1.xml><?xml version="1.0" encoding="utf-8"?>
@@ -3065,6 +3075,138 @@
       </p:grpSpPr>
       <p:sp>
         <p:nvSpPr>
+          <p:cNvPr id="122" name="Заголовок 1"/>
+          <p:cNvSpPr txBox="1">
+            <a:spLocks noGrp="1"/>
+          </p:cNvSpPr>
+          <p:nvPr>
+            <p:ph type="title"/>
+          </p:nvPr>
+        </p:nvSpPr>
+        <p:spPr>
+          <a:xfrm>
+            <a:off x="532218" y="-353451"/>
+            <a:ext cx="10515601" cy="1325563"/>
+          </a:xfrm>
+          <a:prstGeom prst="rect">
+            <a:avLst/>
+          </a:prstGeom>
+        </p:spPr>
+        <p:txBody>
+          <a:bodyPr/>
+          <a:lstStyle>
+            <a:lvl1pPr algn="ctr"/>
+          </a:lstStyle>
+          <a:p>
+            <a:r>
+              <a:rPr dirty="0" err="1"/>
+              <a:t>Синтаксическое</a:t>
+            </a:r>
+            <a:r>
+              <a:rPr dirty="0"/>
+              <a:t> </a:t>
+            </a:r>
+            <a:r>
+              <a:rPr dirty="0" err="1"/>
+              <a:t>дерево</a:t>
+            </a:r>
+            <a:r>
+              <a:rPr dirty="0"/>
+              <a:t> </a:t>
+            </a:r>
+          </a:p>
+        </p:txBody>
+      </p:sp>
+      <p:sp>
+        <p:nvSpPr>
+          <p:cNvPr id="123" name="Текст 2"/>
+          <p:cNvSpPr txBox="1">
+            <a:spLocks noGrp="1"/>
+          </p:cNvSpPr>
+          <p:nvPr>
+            <p:ph type="body" idx="1"/>
+          </p:nvPr>
+        </p:nvSpPr>
+        <p:spPr>
+          <a:xfrm>
+            <a:off x="113118" y="609200"/>
+            <a:ext cx="11965764" cy="362912"/>
+          </a:xfrm>
+          <a:prstGeom prst="rect">
+            <a:avLst/>
+          </a:prstGeom>
+        </p:spPr>
+        <p:txBody>
+          <a:bodyPr>
+            <a:normAutofit fontScale="77500" lnSpcReduction="20000"/>
+          </a:bodyPr>
+          <a:lstStyle/>
+          <a:p>
+            <a:r>
+              <a:rPr dirty="0"/>
+              <a:t>c) John ate the salted big brown roasted peanut. </a:t>
+            </a:r>
+          </a:p>
+        </p:txBody>
+      </p:sp>
+      <p:pic>
+        <p:nvPicPr>
+          <p:cNvPr id="3" name="Рисунок 2">
+            <a:extLst>
+              <a:ext uri="{FF2B5EF4-FFF2-40B4-BE49-F238E27FC236}">
+                <a16:creationId xmlns:a16="http://schemas.microsoft.com/office/drawing/2014/main" id="{F289305A-A560-4C7F-83E9-EC582C9566EC}"/>
+              </a:ext>
+            </a:extLst>
+          </p:cNvPr>
+          <p:cNvPicPr>
+            <a:picLocks noChangeAspect="1"/>
+          </p:cNvPicPr>
+          <p:nvPr/>
+        </p:nvPicPr>
+        <p:blipFill>
+          <a:blip r:embed="rId2"/>
+          <a:stretch>
+            <a:fillRect/>
+          </a:stretch>
+        </p:blipFill>
+        <p:spPr>
+          <a:xfrm>
+            <a:off x="2052037" y="866031"/>
+            <a:ext cx="8087925" cy="5991969"/>
+          </a:xfrm>
+          <a:prstGeom prst="rect">
+            <a:avLst/>
+          </a:prstGeom>
+        </p:spPr>
+      </p:pic>
+    </p:spTree>
+  </p:cSld>
+  <p:clrMapOvr>
+    <a:masterClrMapping/>
+  </p:clrMapOvr>
+  <p:transition spd="med"/>
+</p:sld>
+</file>
+
+<file path=ppt/slides/slide11.xml><?xml version="1.0" encoding="utf-8"?>
+<p:sld xmlns:a="http://schemas.openxmlformats.org/drawingml/2006/main" xmlns:r="http://schemas.openxmlformats.org/officeDocument/2006/relationships" xmlns:p="http://schemas.openxmlformats.org/presentationml/2006/main">
+  <p:cSld>
+    <p:spTree>
+      <p:nvGrpSpPr>
+        <p:cNvPr id="1" name=""/>
+        <p:cNvGrpSpPr/>
+        <p:nvPr/>
+      </p:nvGrpSpPr>
+      <p:grpSpPr>
+        <a:xfrm>
+          <a:off x="0" y="0"/>
+          <a:ext cx="0" cy="0"/>
+          <a:chOff x="0" y="0"/>
+          <a:chExt cx="0" cy="0"/>
+        </a:xfrm>
+      </p:grpSpPr>
+      <p:sp>
+        <p:nvSpPr>
           <p:cNvPr id="129" name="Заголовок 1"/>
           <p:cNvSpPr txBox="1">
             <a:spLocks noGrp="1"/>
@@ -3137,7 +3279,7 @@
 </p:sld>
 </file>
 
-<file path=ppt/slides/slide11.xml><?xml version="1.0" encoding="utf-8"?>
+<file path=ppt/slides/slide12.xml><?xml version="1.0" encoding="utf-8"?>
 <p:sld xmlns:a="http://schemas.openxmlformats.org/drawingml/2006/main" xmlns:r="http://schemas.openxmlformats.org/officeDocument/2006/relationships" xmlns:p="http://schemas.openxmlformats.org/presentationml/2006/main">
   <p:cSld>
     <p:spTree>
@@ -3219,7 +3361,7 @@
 </p:sld>
 </file>
 
-<file path=ppt/slides/slide12.xml><?xml version="1.0" encoding="utf-8"?>
+<file path=ppt/slides/slide13.xml><?xml version="1.0" encoding="utf-8"?>
 <p:sld xmlns:a="http://schemas.openxmlformats.org/drawingml/2006/main" xmlns:r="http://schemas.openxmlformats.org/officeDocument/2006/relationships" xmlns:p="http://schemas.openxmlformats.org/presentationml/2006/main">
   <p:cSld>
     <p:spTree>
@@ -3898,7 +4040,7 @@
 </p:sld>
 </file>
 
-<file path=ppt/slides/slide13.xml><?xml version="1.0" encoding="utf-8"?>
+<file path=ppt/slides/slide14.xml><?xml version="1.0" encoding="utf-8"?>
 <p:sld xmlns:a="http://schemas.openxmlformats.org/drawingml/2006/main" xmlns:r="http://schemas.openxmlformats.org/officeDocument/2006/relationships" xmlns:p="http://schemas.openxmlformats.org/presentationml/2006/main">
   <p:cSld>
     <p:spTree>
@@ -7568,6 +7710,168 @@
       </p:grpSpPr>
       <p:sp>
         <p:nvSpPr>
+          <p:cNvPr id="2" name="Заголовок 1">
+            <a:extLst>
+              <a:ext uri="{FF2B5EF4-FFF2-40B4-BE49-F238E27FC236}">
+                <a16:creationId xmlns:a16="http://schemas.microsoft.com/office/drawing/2014/main" id="{95BD0FDC-F253-4CA1-A061-26E857795F52}"/>
+              </a:ext>
+            </a:extLst>
+          </p:cNvPr>
+          <p:cNvSpPr>
+            <a:spLocks noGrp="1"/>
+          </p:cNvSpPr>
+          <p:nvPr>
+            <p:ph type="title"/>
+          </p:nvPr>
+        </p:nvSpPr>
+        <p:spPr/>
+        <p:txBody>
+          <a:bodyPr/>
+          <a:lstStyle/>
+          <a:p>
+            <a:r>
+              <a:rPr lang="ru-RU" dirty="0"/>
+              <a:t>Принципы построения дерева</a:t>
+            </a:r>
+          </a:p>
+        </p:txBody>
+      </p:sp>
+      <p:sp>
+        <p:nvSpPr>
+          <p:cNvPr id="3" name="TextBox 2">
+            <a:extLst>
+              <a:ext uri="{FF2B5EF4-FFF2-40B4-BE49-F238E27FC236}">
+                <a16:creationId xmlns:a16="http://schemas.microsoft.com/office/drawing/2014/main" id="{339F7032-0F83-4FA8-9E04-3FE1013F4D0C}"/>
+              </a:ext>
+            </a:extLst>
+          </p:cNvPr>
+          <p:cNvSpPr txBox="1"/>
+          <p:nvPr/>
+        </p:nvSpPr>
+        <p:spPr>
+          <a:xfrm>
+            <a:off x="955589" y="1769074"/>
+            <a:ext cx="10527955" cy="3970314"/>
+          </a:xfrm>
+          <a:prstGeom prst="rect">
+            <a:avLst/>
+          </a:prstGeom>
+          <a:noFill/>
+          <a:ln w="12700" cap="flat">
+            <a:noFill/>
+            <a:miter lim="400000"/>
+          </a:ln>
+          <a:effectLst/>
+          <a:sp3d/>
+        </p:spPr>
+        <p:style>
+          <a:lnRef idx="0">
+            <a:scrgbClr r="0" g="0" b="0"/>
+          </a:lnRef>
+          <a:fillRef idx="0">
+            <a:scrgbClr r="0" g="0" b="0"/>
+          </a:fillRef>
+          <a:effectRef idx="0">
+            <a:scrgbClr r="0" g="0" b="0"/>
+          </a:effectRef>
+          <a:fontRef idx="none"/>
+        </p:style>
+        <p:txBody>
+          <a:bodyPr rot="0" spcFirstLastPara="1" vertOverflow="overflow" horzOverflow="overflow" vert="horz" wrap="square" lIns="45718" tIns="45718" rIns="45718" bIns="45718" numCol="1" spcCol="38100" rtlCol="0" fromWordArt="0" anchor="t" anchorCtr="0" forceAA="0" compatLnSpc="1">
+            <a:prstTxWarp prst="textNoShape">
+              <a:avLst/>
+            </a:prstTxWarp>
+            <a:spAutoFit/>
+          </a:bodyPr>
+          <a:lstStyle/>
+          <a:p>
+            <a:pPr algn="just"/>
+            <a:r>
+              <a:rPr lang="ru-RU" sz="2400" dirty="0"/>
+              <a:t>1) &lt;предложение&gt; выступает в качестве корневой синтаксической группы дерева</a:t>
+            </a:r>
+          </a:p>
+          <a:p>
+            <a:pPr algn="just"/>
+            <a:r>
+              <a:rPr lang="ru-RU" sz="2400" dirty="0"/>
+              <a:t>2)  базой рекурсии для предложения является простое предложение</a:t>
+            </a:r>
+          </a:p>
+          <a:p>
+            <a:pPr algn="just"/>
+            <a:r>
+              <a:rPr lang="ru-RU" sz="2400" dirty="0"/>
+              <a:t>3) входящие в состав простого предложения подлежащее и сказуемое делятся на соответствующие их грамматическим правилам части речи</a:t>
+            </a:r>
+            <a:endParaRPr lang="ru-RU" sz="2400" i="0" u="none" strike="noStrike" cap="none" spc="0" normalizeH="0" baseline="0" dirty="0">
+              <a:ln>
+                <a:noFill/>
+              </a:ln>
+              <a:solidFill>
+                <a:srgbClr val="000000"/>
+              </a:solidFill>
+              <a:effectLst/>
+              <a:uFillTx/>
+            </a:endParaRPr>
+          </a:p>
+          <a:p>
+            <a:pPr algn="just"/>
+            <a:r>
+              <a:rPr lang="ru-RU" sz="2400" dirty="0"/>
+              <a:t>4) синтаксические группы частей речи переходят в символьные константы, то есть конкретные слова</a:t>
+            </a:r>
+          </a:p>
+          <a:p>
+            <a:pPr algn="just"/>
+            <a:r>
+              <a:rPr lang="ru-RU" sz="2400" dirty="0"/>
+              <a:t>5) листья дерева - слова предложения - на них построение дерева завершается</a:t>
+            </a:r>
+          </a:p>
+          <a:p>
+            <a:pPr algn="just"/>
+            <a:endParaRPr lang="ru-RU" sz="2400" dirty="0"/>
+          </a:p>
+          <a:p>
+            <a:pPr algn="just"/>
+            <a:endParaRPr lang="ru-RU" sz="3600" dirty="0"/>
+          </a:p>
+        </p:txBody>
+      </p:sp>
+    </p:spTree>
+    <p:extLst>
+      <p:ext uri="{BB962C8B-B14F-4D97-AF65-F5344CB8AC3E}">
+        <p14:creationId xmlns:p14="http://schemas.microsoft.com/office/powerpoint/2010/main" val="2473059706"/>
+      </p:ext>
+    </p:extLst>
+  </p:cSld>
+  <p:clrMapOvr>
+    <a:masterClrMapping/>
+  </p:clrMapOvr>
+  <p:transition spd="med"/>
+</p:sld>
+</file>
+
+<file path=ppt/slides/slide5.xml><?xml version="1.0" encoding="utf-8"?>
+<p:sld xmlns:a="http://schemas.openxmlformats.org/drawingml/2006/main" xmlns:r="http://schemas.openxmlformats.org/officeDocument/2006/relationships" xmlns:p="http://schemas.openxmlformats.org/presentationml/2006/main">
+  <p:cSld>
+    <p:spTree>
+      <p:nvGrpSpPr>
+        <p:cNvPr id="1" name=""/>
+        <p:cNvGrpSpPr/>
+        <p:nvPr/>
+      </p:nvGrpSpPr>
+      <p:grpSpPr>
+        <a:xfrm>
+          <a:off x="0" y="0"/>
+          <a:ext cx="0" cy="0"/>
+          <a:chOff x="0" y="0"/>
+          <a:chExt cx="0" cy="0"/>
+        </a:xfrm>
+      </p:grpSpPr>
+      <p:sp>
+        <p:nvSpPr>
           <p:cNvPr id="106" name="«Eat at pleasure, drink with measure.»"/>
           <p:cNvSpPr txBox="1"/>
           <p:nvPr/>
@@ -7673,7 +7977,7 @@
         </p:blipFill>
         <p:spPr>
           <a:xfrm>
-            <a:off x="1348244" y="1782992"/>
+            <a:off x="699514" y="1834478"/>
             <a:ext cx="9495512" cy="5075188"/>
           </a:xfrm>
           <a:prstGeom prst="rect">
@@ -7692,7 +7996,7 @@
         </p:nvSpPr>
         <p:spPr>
           <a:xfrm>
-            <a:off x="6695894" y="1945810"/>
+            <a:off x="6098651" y="1904621"/>
             <a:ext cx="3923811" cy="333085"/>
           </a:xfrm>
           <a:prstGeom prst="rect">
@@ -7753,7 +8057,7 @@
 </p:sld>
 </file>
 
-<file path=ppt/slides/slide5.xml><?xml version="1.0" encoding="utf-8"?>
+<file path=ppt/slides/slide6.xml><?xml version="1.0" encoding="utf-8"?>
 <p:sld xmlns:a="http://schemas.openxmlformats.org/drawingml/2006/main" xmlns:r="http://schemas.openxmlformats.org/officeDocument/2006/relationships" xmlns:p="http://schemas.openxmlformats.org/presentationml/2006/main">
   <p:cSld>
     <p:spTree>
@@ -7897,7 +8201,7 @@
 </p:sld>
 </file>
 
-<file path=ppt/slides/slide6.xml><?xml version="1.0" encoding="utf-8"?>
+<file path=ppt/slides/slide7.xml><?xml version="1.0" encoding="utf-8"?>
 <p:sld xmlns:a="http://schemas.openxmlformats.org/drawingml/2006/main" xmlns:r="http://schemas.openxmlformats.org/officeDocument/2006/relationships" xmlns:p="http://schemas.openxmlformats.org/presentationml/2006/main">
   <p:cSld>
     <p:spTree>
@@ -8041,7 +8345,7 @@
 </p:sld>
 </file>
 
-<file path=ppt/slides/slide7.xml><?xml version="1.0" encoding="utf-8"?>
+<file path=ppt/slides/slide8.xml><?xml version="1.0" encoding="utf-8"?>
 <p:sld xmlns:a="http://schemas.openxmlformats.org/drawingml/2006/main" xmlns:r="http://schemas.openxmlformats.org/officeDocument/2006/relationships" xmlns:p="http://schemas.openxmlformats.org/presentationml/2006/main">
   <p:cSld>
     <p:spTree>
@@ -8215,7 +8519,7 @@
 </p:sld>
 </file>
 
-<file path=ppt/slides/slide8.xml><?xml version="1.0" encoding="utf-8"?>
+<file path=ppt/slides/slide9.xml><?xml version="1.0" encoding="utf-8"?>
 <p:sld xmlns:a="http://schemas.openxmlformats.org/drawingml/2006/main" xmlns:r="http://schemas.openxmlformats.org/officeDocument/2006/relationships" xmlns:p="http://schemas.openxmlformats.org/presentationml/2006/main">
   <p:cSld>
     <p:spTree>
@@ -8817,138 +9121,6 @@
           </a:p>
         </p:txBody>
       </p:sp>
-    </p:spTree>
-  </p:cSld>
-  <p:clrMapOvr>
-    <a:masterClrMapping/>
-  </p:clrMapOvr>
-  <p:transition spd="med"/>
-</p:sld>
-</file>
-
-<file path=ppt/slides/slide9.xml><?xml version="1.0" encoding="utf-8"?>
-<p:sld xmlns:a="http://schemas.openxmlformats.org/drawingml/2006/main" xmlns:r="http://schemas.openxmlformats.org/officeDocument/2006/relationships" xmlns:p="http://schemas.openxmlformats.org/presentationml/2006/main">
-  <p:cSld>
-    <p:spTree>
-      <p:nvGrpSpPr>
-        <p:cNvPr id="1" name=""/>
-        <p:cNvGrpSpPr/>
-        <p:nvPr/>
-      </p:nvGrpSpPr>
-      <p:grpSpPr>
-        <a:xfrm>
-          <a:off x="0" y="0"/>
-          <a:ext cx="0" cy="0"/>
-          <a:chOff x="0" y="0"/>
-          <a:chExt cx="0" cy="0"/>
-        </a:xfrm>
-      </p:grpSpPr>
-      <p:sp>
-        <p:nvSpPr>
-          <p:cNvPr id="122" name="Заголовок 1"/>
-          <p:cNvSpPr txBox="1">
-            <a:spLocks noGrp="1"/>
-          </p:cNvSpPr>
-          <p:nvPr>
-            <p:ph type="title"/>
-          </p:nvPr>
-        </p:nvSpPr>
-        <p:spPr>
-          <a:xfrm>
-            <a:off x="532218" y="-353451"/>
-            <a:ext cx="10515601" cy="1325563"/>
-          </a:xfrm>
-          <a:prstGeom prst="rect">
-            <a:avLst/>
-          </a:prstGeom>
-        </p:spPr>
-        <p:txBody>
-          <a:bodyPr/>
-          <a:lstStyle>
-            <a:lvl1pPr algn="ctr"/>
-          </a:lstStyle>
-          <a:p>
-            <a:r>
-              <a:rPr dirty="0" err="1"/>
-              <a:t>Синтаксическое</a:t>
-            </a:r>
-            <a:r>
-              <a:rPr dirty="0"/>
-              <a:t> </a:t>
-            </a:r>
-            <a:r>
-              <a:rPr dirty="0" err="1"/>
-              <a:t>дерево</a:t>
-            </a:r>
-            <a:r>
-              <a:rPr dirty="0"/>
-              <a:t> </a:t>
-            </a:r>
-          </a:p>
-        </p:txBody>
-      </p:sp>
-      <p:sp>
-        <p:nvSpPr>
-          <p:cNvPr id="123" name="Текст 2"/>
-          <p:cNvSpPr txBox="1">
-            <a:spLocks noGrp="1"/>
-          </p:cNvSpPr>
-          <p:nvPr>
-            <p:ph type="body" idx="1"/>
-          </p:nvPr>
-        </p:nvSpPr>
-        <p:spPr>
-          <a:xfrm>
-            <a:off x="113118" y="609200"/>
-            <a:ext cx="11965764" cy="362912"/>
-          </a:xfrm>
-          <a:prstGeom prst="rect">
-            <a:avLst/>
-          </a:prstGeom>
-        </p:spPr>
-        <p:txBody>
-          <a:bodyPr>
-            <a:normAutofit fontScale="77500" lnSpcReduction="20000"/>
-          </a:bodyPr>
-          <a:lstStyle/>
-          <a:p>
-            <a:r>
-              <a:rPr dirty="0"/>
-              <a:t>c) John ate the salted big brown roasted peanut. </a:t>
-            </a:r>
-          </a:p>
-        </p:txBody>
-      </p:sp>
-      <p:pic>
-        <p:nvPicPr>
-          <p:cNvPr id="3" name="Рисунок 2">
-            <a:extLst>
-              <a:ext uri="{FF2B5EF4-FFF2-40B4-BE49-F238E27FC236}">
-                <a16:creationId xmlns:a16="http://schemas.microsoft.com/office/drawing/2014/main" id="{F289305A-A560-4C7F-83E9-EC582C9566EC}"/>
-              </a:ext>
-            </a:extLst>
-          </p:cNvPr>
-          <p:cNvPicPr>
-            <a:picLocks noChangeAspect="1"/>
-          </p:cNvPicPr>
-          <p:nvPr/>
-        </p:nvPicPr>
-        <p:blipFill>
-          <a:blip r:embed="rId2"/>
-          <a:stretch>
-            <a:fillRect/>
-          </a:stretch>
-        </p:blipFill>
-        <p:spPr>
-          <a:xfrm>
-            <a:off x="2052037" y="866031"/>
-            <a:ext cx="8087925" cy="5991969"/>
-          </a:xfrm>
-          <a:prstGeom prst="rect">
-            <a:avLst/>
-          </a:prstGeom>
-        </p:spPr>
-      </p:pic>
     </p:spTree>
   </p:cSld>
   <p:clrMapOvr>

--- a/task2.pptx
+++ b/task2.pptx
@@ -1888,7 +1888,7 @@
           </a:ln>
           <a:extLst>
             <a:ext uri="{C572A759-6A51-4108-AA02-DFA0A04FC94B}">
-              <ma14:wrappingTextBoxFlag xmlns:ma14="http://schemas.microsoft.com/office/mac/drawingml/2011/main" xmlns:a14="http://schemas.microsoft.com/office/drawing/2010/main" xmlns:m="http://schemas.openxmlformats.org/officeDocument/2006/math" xmlns="" val="1"/>
+              <ma14:wrappingTextBoxFlag xmlns="" xmlns:m="http://schemas.openxmlformats.org/officeDocument/2006/math" xmlns:a14="http://schemas.microsoft.com/office/drawing/2010/main" xmlns:ma14="http://schemas.microsoft.com/office/mac/drawingml/2011/main" val="1"/>
             </a:ext>
           </a:extLst>
         </p:spPr>
@@ -1927,7 +1927,7 @@
           </a:ln>
           <a:extLst>
             <a:ext uri="{C572A759-6A51-4108-AA02-DFA0A04FC94B}">
-              <ma14:wrappingTextBoxFlag xmlns:ma14="http://schemas.microsoft.com/office/mac/drawingml/2011/main" xmlns:a14="http://schemas.microsoft.com/office/drawing/2010/main" xmlns:m="http://schemas.openxmlformats.org/officeDocument/2006/math" xmlns="" val="1"/>
+              <ma14:wrappingTextBoxFlag xmlns="" xmlns:m="http://schemas.openxmlformats.org/officeDocument/2006/math" xmlns:a14="http://schemas.microsoft.com/office/drawing/2010/main" xmlns:ma14="http://schemas.microsoft.com/office/mac/drawingml/2011/main" val="1"/>
             </a:ext>
           </a:extLst>
         </p:spPr>
@@ -2973,7 +2973,7 @@
           </a:ln>
           <a:extLst>
             <a:ext uri="{C572A759-6A51-4108-AA02-DFA0A04FC94B}">
-              <ma14:wrappingTextBoxFlag xmlns:ma14="http://schemas.microsoft.com/office/mac/drawingml/2011/main" xmlns:a14="http://schemas.microsoft.com/office/drawing/2010/main" xmlns:m="http://schemas.openxmlformats.org/officeDocument/2006/math" xmlns="" val="1"/>
+              <ma14:wrappingTextBoxFlag xmlns="" xmlns:m="http://schemas.openxmlformats.org/officeDocument/2006/math" xmlns:a14="http://schemas.microsoft.com/office/drawing/2010/main" xmlns:ma14="http://schemas.microsoft.com/office/mac/drawingml/2011/main" val="1"/>
             </a:ext>
           </a:extLst>
         </p:spPr>
@@ -3019,7 +3019,7 @@
           </a:ln>
           <a:extLst>
             <a:ext uri="{C572A759-6A51-4108-AA02-DFA0A04FC94B}">
-              <ma14:wrappingTextBoxFlag xmlns:ma14="http://schemas.microsoft.com/office/mac/drawingml/2011/main" xmlns:a14="http://schemas.microsoft.com/office/drawing/2010/main" xmlns:m="http://schemas.openxmlformats.org/officeDocument/2006/math" xmlns="" val="1"/>
+              <ma14:wrappingTextBoxFlag xmlns="" xmlns:m="http://schemas.openxmlformats.org/officeDocument/2006/math" xmlns:a14="http://schemas.microsoft.com/office/drawing/2010/main" xmlns:ma14="http://schemas.microsoft.com/office/mac/drawingml/2011/main" val="1"/>
             </a:ext>
           </a:extLst>
         </p:spPr>
@@ -3138,7 +3138,7 @@
         </p:spPr>
         <p:txBody>
           <a:bodyPr>
-            <a:normAutofit fontScale="77500" lnSpcReduction="20000"/>
+            <a:normAutofit fontScale="85000" lnSpcReduction="20000"/>
           </a:bodyPr>
           <a:lstStyle/>
           <a:p>
@@ -6926,7 +6926,7 @@
           </a:ln>
           <a:extLst>
             <a:ext uri="{C572A759-6A51-4108-AA02-DFA0A04FC94B}">
-              <ma14:wrappingTextBoxFlag xmlns:ma14="http://schemas.microsoft.com/office/mac/drawingml/2011/main" xmlns:a14="http://schemas.microsoft.com/office/drawing/2010/main" xmlns:m="http://schemas.openxmlformats.org/officeDocument/2006/math" xmlns="" val="1"/>
+              <ma14:wrappingTextBoxFlag xmlns="" xmlns:m="http://schemas.openxmlformats.org/officeDocument/2006/math" xmlns:a14="http://schemas.microsoft.com/office/drawing/2010/main" xmlns:ma14="http://schemas.microsoft.com/office/mac/drawingml/2011/main" val="1"/>
             </a:ext>
           </a:extLst>
         </p:spPr>
@@ -7656,7 +7656,7 @@
           </a:ln>
           <a:extLst>
             <a:ext uri="{C572A759-6A51-4108-AA02-DFA0A04FC94B}">
-              <ma14:wrappingTextBoxFlag xmlns:ma14="http://schemas.microsoft.com/office/mac/drawingml/2011/main" xmlns:a14="http://schemas.microsoft.com/office/drawing/2010/main" xmlns:m="http://schemas.openxmlformats.org/officeDocument/2006/math" xmlns="" val="1"/>
+              <ma14:wrappingTextBoxFlag xmlns="" xmlns:m="http://schemas.openxmlformats.org/officeDocument/2006/math" xmlns:a14="http://schemas.microsoft.com/office/drawing/2010/main" xmlns:ma14="http://schemas.microsoft.com/office/mac/drawingml/2011/main" val="1"/>
             </a:ext>
           </a:extLst>
         </p:spPr>
@@ -7889,7 +7889,7 @@
           </a:ln>
           <a:extLst>
             <a:ext uri="{C572A759-6A51-4108-AA02-DFA0A04FC94B}">
-              <ma14:wrappingTextBoxFlag xmlns:ma14="http://schemas.microsoft.com/office/mac/drawingml/2011/main" xmlns:a14="http://schemas.microsoft.com/office/drawing/2010/main" xmlns:m="http://schemas.openxmlformats.org/officeDocument/2006/math" xmlns="" val="1"/>
+              <ma14:wrappingTextBoxFlag xmlns="" xmlns:m="http://schemas.openxmlformats.org/officeDocument/2006/math" xmlns:a14="http://schemas.microsoft.com/office/drawing/2010/main" xmlns:ma14="http://schemas.microsoft.com/office/mac/drawingml/2011/main" val="1"/>
             </a:ext>
           </a:extLst>
         </p:spPr>
@@ -7934,7 +7934,7 @@
           </a:ln>
           <a:extLst>
             <a:ext uri="{C572A759-6A51-4108-AA02-DFA0A04FC94B}">
-              <ma14:wrappingTextBoxFlag xmlns:ma14="http://schemas.microsoft.com/office/mac/drawingml/2011/main" xmlns:a14="http://schemas.microsoft.com/office/drawing/2010/main" xmlns:m="http://schemas.openxmlformats.org/officeDocument/2006/math" xmlns="" val="1"/>
+              <ma14:wrappingTextBoxFlag xmlns="" xmlns:m="http://schemas.openxmlformats.org/officeDocument/2006/math" xmlns:a14="http://schemas.microsoft.com/office/drawing/2010/main" xmlns:ma14="http://schemas.microsoft.com/office/mac/drawingml/2011/main" val="1"/>
             </a:ext>
           </a:extLst>
         </p:spPr>
@@ -8007,7 +8007,7 @@
           </a:ln>
           <a:extLst>
             <a:ext uri="{C572A759-6A51-4108-AA02-DFA0A04FC94B}">
-              <ma14:wrappingTextBoxFlag xmlns:ma14="http://schemas.microsoft.com/office/mac/drawingml/2011/main" xmlns:a14="http://schemas.microsoft.com/office/drawing/2010/main" xmlns:m="http://schemas.openxmlformats.org/officeDocument/2006/math" xmlns="" val="1"/>
+              <ma14:wrappingTextBoxFlag xmlns="" xmlns:m="http://schemas.openxmlformats.org/officeDocument/2006/math" xmlns:a14="http://schemas.microsoft.com/office/drawing/2010/main" xmlns:ma14="http://schemas.microsoft.com/office/mac/drawingml/2011/main" val="1"/>
             </a:ext>
           </a:extLst>
         </p:spPr>
@@ -8093,7 +8093,7 @@
           </a:ln>
           <a:extLst>
             <a:ext uri="{C572A759-6A51-4108-AA02-DFA0A04FC94B}">
-              <ma14:wrappingTextBoxFlag xmlns:ma14="http://schemas.microsoft.com/office/mac/drawingml/2011/main" xmlns:a14="http://schemas.microsoft.com/office/drawing/2010/main" xmlns:m="http://schemas.openxmlformats.org/officeDocument/2006/math" xmlns="" val="1"/>
+              <ma14:wrappingTextBoxFlag xmlns="" xmlns:m="http://schemas.openxmlformats.org/officeDocument/2006/math" xmlns:a14="http://schemas.microsoft.com/office/drawing/2010/main" xmlns:ma14="http://schemas.microsoft.com/office/mac/drawingml/2011/main" val="1"/>
             </a:ext>
           </a:extLst>
         </p:spPr>
@@ -8138,7 +8138,7 @@
           </a:ln>
           <a:extLst>
             <a:ext uri="{C572A759-6A51-4108-AA02-DFA0A04FC94B}">
-              <ma14:wrappingTextBoxFlag xmlns:ma14="http://schemas.microsoft.com/office/mac/drawingml/2011/main" xmlns:a14="http://schemas.microsoft.com/office/drawing/2010/main" xmlns:m="http://schemas.openxmlformats.org/officeDocument/2006/math" xmlns="" val="1"/>
+              <ma14:wrappingTextBoxFlag xmlns="" xmlns:m="http://schemas.openxmlformats.org/officeDocument/2006/math" xmlns:a14="http://schemas.microsoft.com/office/drawing/2010/main" xmlns:ma14="http://schemas.microsoft.com/office/mac/drawingml/2011/main" val="1"/>
             </a:ext>
           </a:extLst>
         </p:spPr>
@@ -8237,7 +8237,7 @@
           </a:ln>
           <a:extLst>
             <a:ext uri="{C572A759-6A51-4108-AA02-DFA0A04FC94B}">
-              <ma14:wrappingTextBoxFlag xmlns:ma14="http://schemas.microsoft.com/office/mac/drawingml/2011/main" xmlns:a14="http://schemas.microsoft.com/office/drawing/2010/main" xmlns:m="http://schemas.openxmlformats.org/officeDocument/2006/math" xmlns="" val="1"/>
+              <ma14:wrappingTextBoxFlag xmlns="" xmlns:m="http://schemas.openxmlformats.org/officeDocument/2006/math" xmlns:a14="http://schemas.microsoft.com/office/drawing/2010/main" xmlns:ma14="http://schemas.microsoft.com/office/mac/drawingml/2011/main" val="1"/>
             </a:ext>
           </a:extLst>
         </p:spPr>
@@ -8283,7 +8283,7 @@
           </a:ln>
           <a:extLst>
             <a:ext uri="{C572A759-6A51-4108-AA02-DFA0A04FC94B}">
-              <ma14:wrappingTextBoxFlag xmlns:ma14="http://schemas.microsoft.com/office/mac/drawingml/2011/main" xmlns:a14="http://schemas.microsoft.com/office/drawing/2010/main" xmlns:m="http://schemas.openxmlformats.org/officeDocument/2006/math" xmlns="" val="1"/>
+              <ma14:wrappingTextBoxFlag xmlns="" xmlns:m="http://schemas.openxmlformats.org/officeDocument/2006/math" xmlns:a14="http://schemas.microsoft.com/office/drawing/2010/main" xmlns:ma14="http://schemas.microsoft.com/office/mac/drawingml/2011/main" val="1"/>
             </a:ext>
           </a:extLst>
         </p:spPr>
@@ -8596,7 +8596,7 @@
         </p:spPr>
         <p:txBody>
           <a:bodyPr>
-            <a:normAutofit/>
+            <a:normAutofit lnSpcReduction="10000"/>
           </a:bodyPr>
           <a:lstStyle/>
           <a:p>
@@ -8808,25 +8808,57 @@
             </a:pPr>
             <a:r>
               <a:rPr lang="ru-RU" dirty="0"/>
-              <a:t>&lt;список прилагательных&gt; → &lt;прилагательное&gt; &lt;список прилагательных&gt; | &lt;прилагательное&gt; </a:t>
-            </a:r>
-            <a:r>
-              <a:rPr lang="en-US" dirty="0"/>
-              <a:t>| &lt;&gt; </a:t>
-            </a:r>
-            <a:r>
-              <a:rPr lang="en-US" sz="1000" dirty="0">
-                <a:solidFill>
-                  <a:srgbClr val="A7A7A7"/>
-                </a:solidFill>
+              <a:t>&lt;список прилагательных&gt; → &lt;прилагательное&gt; &lt;список прилагательных&gt; </a:t>
+            </a:r>
+            <a:endParaRPr lang="ru-RU" dirty="0" smtClean="0"/>
+          </a:p>
+          <a:p>
+            <a:pPr marL="0" indent="0">
+              <a:buNone/>
+              <a:defRPr sz="2000">
                 <a:latin typeface="Courier"/>
                 <a:ea typeface="Courier"/>
                 <a:cs typeface="Courier"/>
-              </a:rPr>
-              <a:t>// </a:t>
-            </a:r>
-            <a:r>
-              <a:rPr lang="ru-RU" sz="1000" dirty="0">
+                <a:sym typeface="Courier"/>
+              </a:defRPr>
+            </a:pPr>
+            <a:r>
+              <a:rPr lang="ru-RU" dirty="0"/>
+              <a:t>	</a:t>
+            </a:r>
+            <a:r>
+              <a:rPr lang="ru-RU" dirty="0" smtClean="0"/>
+              <a:t>			   </a:t>
+            </a:r>
+            <a:r>
+              <a:rPr lang="ru-RU" dirty="0" smtClean="0"/>
+              <a:t>| </a:t>
+            </a:r>
+            <a:r>
+              <a:rPr lang="ru-RU" dirty="0"/>
+              <a:t>&lt;прилагательное&gt; </a:t>
+            </a:r>
+            <a:r>
+              <a:rPr lang="ru-RU" dirty="0" smtClean="0"/>
+              <a:t/>
+            </a:r>
+            <a:br>
+              <a:rPr lang="ru-RU" dirty="0" smtClean="0"/>
+            </a:br>
+            <a:r>
+              <a:rPr lang="ru-RU" dirty="0" smtClean="0"/>
+              <a:t>				   </a:t>
+            </a:r>
+            <a:r>
+              <a:rPr lang="en-US" dirty="0" smtClean="0"/>
+              <a:t>| </a:t>
+            </a:r>
+            <a:r>
+              <a:rPr lang="en-US" dirty="0"/>
+              <a:t>&lt;&gt; </a:t>
+            </a:r>
+            <a:r>
+              <a:rPr lang="en-US" sz="2000" dirty="0">
                 <a:solidFill>
                   <a:srgbClr val="A7A7A7"/>
                 </a:solidFill>
@@ -8834,9 +8866,93 @@
                 <a:ea typeface="Courier"/>
                 <a:cs typeface="Courier"/>
               </a:rPr>
-              <a:t>список прилагательных с рекурсией, или одно прилагательное, или его отсутствие</a:t>
-            </a:r>
-            <a:endParaRPr sz="1000" dirty="0"/>
+              <a:t>// </a:t>
+            </a:r>
+            <a:r>
+              <a:rPr lang="ru-RU" sz="2000" dirty="0">
+                <a:solidFill>
+                  <a:srgbClr val="A7A7A7"/>
+                </a:solidFill>
+                <a:latin typeface="Courier"/>
+                <a:ea typeface="Courier"/>
+                <a:cs typeface="Courier"/>
+              </a:rPr>
+              <a:t>список прилагательных с рекурсией, или одно прилагательное, или его </a:t>
+            </a:r>
+            <a:r>
+              <a:rPr lang="ru-RU" sz="2000" dirty="0" smtClean="0">
+                <a:solidFill>
+                  <a:srgbClr val="A7A7A7"/>
+                </a:solidFill>
+                <a:latin typeface="Courier"/>
+                <a:ea typeface="Courier"/>
+                <a:cs typeface="Courier"/>
+              </a:rPr>
+              <a:t>отсутствие</a:t>
+            </a:r>
+            <a:endParaRPr lang="en-US" sz="2000" dirty="0" smtClean="0">
+              <a:solidFill>
+                <a:srgbClr val="A7A7A7"/>
+              </a:solidFill>
+              <a:latin typeface="Courier"/>
+              <a:ea typeface="Courier"/>
+              <a:cs typeface="Courier"/>
+            </a:endParaRPr>
+          </a:p>
+          <a:p>
+            <a:pPr marL="0" indent="0">
+              <a:buNone/>
+              <a:defRPr sz="2000">
+                <a:latin typeface="Courier"/>
+                <a:ea typeface="Courier"/>
+                <a:cs typeface="Courier"/>
+                <a:sym typeface="Courier"/>
+              </a:defRPr>
+            </a:pPr>
+            <a:r>
+              <a:rPr lang="en-US" sz="1600" dirty="0" smtClean="0">
+                <a:solidFill>
+                  <a:srgbClr val="A7A7A7"/>
+                </a:solidFill>
+                <a:latin typeface="Courier"/>
+              </a:rPr>
+              <a:t>  </a:t>
+            </a:r>
+            <a:r>
+              <a:rPr lang="ru-RU" dirty="0" smtClean="0"/>
+              <a:t>&lt;</a:t>
+            </a:r>
+            <a:r>
+              <a:rPr lang="ru-RU" dirty="0"/>
+              <a:t>прилагательное&gt; → </a:t>
+            </a:r>
+            <a:r>
+              <a:rPr lang="en-US" dirty="0"/>
+              <a:t>salted | big | brown | roasted </a:t>
+            </a:r>
+            <a:r>
+              <a:rPr lang="en-US" sz="800" dirty="0">
+                <a:solidFill>
+                  <a:srgbClr val="A7A7A7"/>
+                </a:solidFill>
+                <a:latin typeface="Courier"/>
+                <a:ea typeface="Courier"/>
+                <a:cs typeface="Courier"/>
+              </a:rPr>
+              <a:t>// </a:t>
+            </a:r>
+            <a:r>
+              <a:rPr lang="ru-RU" sz="800" dirty="0">
+                <a:solidFill>
+                  <a:srgbClr val="A7A7A7"/>
+                </a:solidFill>
+                <a:latin typeface="Courier"/>
+                <a:ea typeface="Courier"/>
+                <a:cs typeface="Courier"/>
+              </a:rPr>
+              <a:t>допустимые прилагательные</a:t>
+            </a:r>
+            <a:endParaRPr sz="2000" dirty="0"/>
           </a:p>
           <a:p>
             <a:pPr>
@@ -8848,7 +8964,7 @@
               </a:defRPr>
             </a:pPr>
             <a:r>
-              <a:rPr dirty="0"/>
+              <a:rPr dirty="0" smtClean="0"/>
               <a:t>&lt;</a:t>
             </a:r>
             <a:r>
@@ -8883,8 +8999,27 @@
                 <a:ea typeface="Courier"/>
                 <a:cs typeface="Courier"/>
               </a:rPr>
-              <a:t>допустимые существительные</a:t>
-            </a:r>
+              <a:t>допустимые </a:t>
+            </a:r>
+            <a:r>
+              <a:rPr lang="ru-RU" sz="1000" dirty="0" smtClean="0">
+                <a:solidFill>
+                  <a:srgbClr val="A7A7A7"/>
+                </a:solidFill>
+                <a:latin typeface="Courier"/>
+                <a:ea typeface="Courier"/>
+                <a:cs typeface="Courier"/>
+              </a:rPr>
+              <a:t>существительные</a:t>
+            </a:r>
+            <a:endParaRPr lang="en-US" sz="1000" dirty="0" smtClean="0">
+              <a:solidFill>
+                <a:srgbClr val="A7A7A7"/>
+              </a:solidFill>
+              <a:latin typeface="Courier"/>
+              <a:ea typeface="Courier"/>
+              <a:cs typeface="Courier"/>
+            </a:endParaRPr>
           </a:p>
           <a:p>
             <a:pPr>
@@ -8896,71 +9031,11 @@
               </a:defRPr>
             </a:pPr>
             <a:r>
-              <a:rPr lang="ru-RU" dirty="0"/>
-              <a:t>&lt;прилагательное&gt; → </a:t>
-            </a:r>
-            <a:r>
-              <a:rPr lang="en-US" dirty="0"/>
+              <a:rPr dirty="0" smtClean="0"/>
               <a:t>&lt;</a:t>
             </a:r>
             <a:r>
-              <a:rPr lang="ru-RU" dirty="0"/>
-              <a:t>словарь прилагательных</a:t>
-            </a:r>
-            <a:r>
-              <a:rPr lang="en-US" dirty="0"/>
-              <a:t>&gt;</a:t>
-            </a:r>
-            <a:r>
-              <a:rPr lang="ru-RU" dirty="0"/>
-              <a:t> </a:t>
-            </a:r>
-            <a:r>
-              <a:rPr lang="en-US" sz="1000" dirty="0">
-                <a:solidFill>
-                  <a:srgbClr val="A7A7A7"/>
-                </a:solidFill>
-                <a:latin typeface="Courier"/>
-                <a:ea typeface="Courier"/>
-                <a:cs typeface="Courier"/>
-              </a:rPr>
-              <a:t>// </a:t>
-            </a:r>
-            <a:r>
-              <a:rPr lang="ru-RU" sz="1000" dirty="0">
-                <a:solidFill>
-                  <a:srgbClr val="A7A7A7"/>
-                </a:solidFill>
-                <a:latin typeface="Courier"/>
-                <a:ea typeface="Courier"/>
-                <a:cs typeface="Courier"/>
-              </a:rPr>
-              <a:t>допустимые прилагательные</a:t>
-            </a:r>
-            <a:endParaRPr sz="1000" dirty="0">
-              <a:solidFill>
-                <a:srgbClr val="A7A7A7"/>
-              </a:solidFill>
-              <a:latin typeface="Courier"/>
-              <a:ea typeface="Courier"/>
-              <a:cs typeface="Courier"/>
-            </a:endParaRPr>
-          </a:p>
-          <a:p>
-            <a:pPr>
-              <a:defRPr sz="2000">
-                <a:latin typeface="Courier"/>
-                <a:ea typeface="Courier"/>
-                <a:cs typeface="Courier"/>
-                <a:sym typeface="Courier"/>
-              </a:defRPr>
-            </a:pPr>
-            <a:r>
-              <a:rPr dirty="0"/>
-              <a:t>&lt;</a:t>
-            </a:r>
-            <a:r>
-              <a:rPr dirty="0" err="1"/>
+              <a:rPr dirty="0" err="1" smtClean="0"/>
               <a:t>глагол</a:t>
             </a:r>
             <a:r>

--- a/task2.pptx
+++ b/task2.pptx
@@ -76,10 +76,10 @@
         </a:solidFill>
         <a:effectLst/>
         <a:uFillTx/>
-        <a:latin typeface="+mj-lt"/>
-        <a:ea typeface="+mj-ea"/>
-        <a:cs typeface="+mj-cs"/>
-        <a:sym typeface="Helvetica"/>
+        <a:latin typeface="+mn-lt"/>
+        <a:ea typeface="+mn-ea"/>
+        <a:cs typeface="+mn-cs"/>
+        <a:sym typeface="Calibri"/>
       </a:defRPr>
     </a:lvl1pPr>
     <a:lvl2pPr marL="0" marR="0" indent="0" algn="l" defTabSz="914400" rtl="0" fontAlgn="auto" latinLnBrk="0" hangingPunct="0">
@@ -106,10 +106,10 @@
         </a:solidFill>
         <a:effectLst/>
         <a:uFillTx/>
-        <a:latin typeface="+mj-lt"/>
-        <a:ea typeface="+mj-ea"/>
-        <a:cs typeface="+mj-cs"/>
-        <a:sym typeface="Helvetica"/>
+        <a:latin typeface="+mn-lt"/>
+        <a:ea typeface="+mn-ea"/>
+        <a:cs typeface="+mn-cs"/>
+        <a:sym typeface="Calibri"/>
       </a:defRPr>
     </a:lvl2pPr>
     <a:lvl3pPr marL="0" marR="0" indent="0" algn="l" defTabSz="914400" rtl="0" fontAlgn="auto" latinLnBrk="0" hangingPunct="0">
@@ -136,10 +136,10 @@
         </a:solidFill>
         <a:effectLst/>
         <a:uFillTx/>
-        <a:latin typeface="+mj-lt"/>
-        <a:ea typeface="+mj-ea"/>
-        <a:cs typeface="+mj-cs"/>
-        <a:sym typeface="Helvetica"/>
+        <a:latin typeface="+mn-lt"/>
+        <a:ea typeface="+mn-ea"/>
+        <a:cs typeface="+mn-cs"/>
+        <a:sym typeface="Calibri"/>
       </a:defRPr>
     </a:lvl3pPr>
     <a:lvl4pPr marL="0" marR="0" indent="0" algn="l" defTabSz="914400" rtl="0" fontAlgn="auto" latinLnBrk="0" hangingPunct="0">
@@ -166,10 +166,10 @@
         </a:solidFill>
         <a:effectLst/>
         <a:uFillTx/>
-        <a:latin typeface="+mj-lt"/>
-        <a:ea typeface="+mj-ea"/>
-        <a:cs typeface="+mj-cs"/>
-        <a:sym typeface="Helvetica"/>
+        <a:latin typeface="+mn-lt"/>
+        <a:ea typeface="+mn-ea"/>
+        <a:cs typeface="+mn-cs"/>
+        <a:sym typeface="Calibri"/>
       </a:defRPr>
     </a:lvl4pPr>
     <a:lvl5pPr marL="0" marR="0" indent="0" algn="l" defTabSz="914400" rtl="0" fontAlgn="auto" latinLnBrk="0" hangingPunct="0">
@@ -196,10 +196,10 @@
         </a:solidFill>
         <a:effectLst/>
         <a:uFillTx/>
-        <a:latin typeface="+mj-lt"/>
-        <a:ea typeface="+mj-ea"/>
-        <a:cs typeface="+mj-cs"/>
-        <a:sym typeface="Helvetica"/>
+        <a:latin typeface="+mn-lt"/>
+        <a:ea typeface="+mn-ea"/>
+        <a:cs typeface="+mn-cs"/>
+        <a:sym typeface="Calibri"/>
       </a:defRPr>
     </a:lvl5pPr>
     <a:lvl6pPr marL="0" marR="0" indent="0" algn="l" defTabSz="914400" rtl="0" fontAlgn="auto" latinLnBrk="0" hangingPunct="0">
@@ -226,10 +226,10 @@
         </a:solidFill>
         <a:effectLst/>
         <a:uFillTx/>
-        <a:latin typeface="+mj-lt"/>
-        <a:ea typeface="+mj-ea"/>
-        <a:cs typeface="+mj-cs"/>
-        <a:sym typeface="Helvetica"/>
+        <a:latin typeface="+mn-lt"/>
+        <a:ea typeface="+mn-ea"/>
+        <a:cs typeface="+mn-cs"/>
+        <a:sym typeface="Calibri"/>
       </a:defRPr>
     </a:lvl6pPr>
     <a:lvl7pPr marL="0" marR="0" indent="0" algn="l" defTabSz="914400" rtl="0" fontAlgn="auto" latinLnBrk="0" hangingPunct="0">
@@ -256,10 +256,10 @@
         </a:solidFill>
         <a:effectLst/>
         <a:uFillTx/>
-        <a:latin typeface="+mj-lt"/>
-        <a:ea typeface="+mj-ea"/>
-        <a:cs typeface="+mj-cs"/>
-        <a:sym typeface="Helvetica"/>
+        <a:latin typeface="+mn-lt"/>
+        <a:ea typeface="+mn-ea"/>
+        <a:cs typeface="+mn-cs"/>
+        <a:sym typeface="Calibri"/>
       </a:defRPr>
     </a:lvl7pPr>
     <a:lvl8pPr marL="0" marR="0" indent="0" algn="l" defTabSz="914400" rtl="0" fontAlgn="auto" latinLnBrk="0" hangingPunct="0">
@@ -286,10 +286,10 @@
         </a:solidFill>
         <a:effectLst/>
         <a:uFillTx/>
-        <a:latin typeface="+mj-lt"/>
-        <a:ea typeface="+mj-ea"/>
-        <a:cs typeface="+mj-cs"/>
-        <a:sym typeface="Helvetica"/>
+        <a:latin typeface="+mn-lt"/>
+        <a:ea typeface="+mn-ea"/>
+        <a:cs typeface="+mn-cs"/>
+        <a:sym typeface="Calibri"/>
       </a:defRPr>
     </a:lvl8pPr>
     <a:lvl9pPr marL="0" marR="0" indent="0" algn="l" defTabSz="914400" rtl="0" fontAlgn="auto" latinLnBrk="0" hangingPunct="0">
@@ -316,10 +316,10 @@
         </a:solidFill>
         <a:effectLst/>
         <a:uFillTx/>
-        <a:latin typeface="+mj-lt"/>
-        <a:ea typeface="+mj-ea"/>
-        <a:cs typeface="+mj-cs"/>
-        <a:sym typeface="Helvetica"/>
+        <a:latin typeface="+mn-lt"/>
+        <a:ea typeface="+mn-ea"/>
+        <a:cs typeface="+mn-cs"/>
+        <a:sym typeface="Calibri"/>
       </a:defRPr>
     </a:lvl9pPr>
   </p:defaultTextStyle>
@@ -537,7 +537,7 @@
         <p:spPr>
           <a:xfrm>
             <a:off x="1524000" y="3602037"/>
-            <a:ext cx="9144000" cy="1655769"/>
+            <a:ext cx="9144000" cy="1655770"/>
           </a:xfrm>
           <a:prstGeom prst="rect">
             <a:avLst/>
@@ -820,7 +820,7 @@
         <p:spPr>
           <a:xfrm>
             <a:off x="831850" y="4589462"/>
-            <a:ext cx="10515600" cy="1500194"/>
+            <a:ext cx="10515600" cy="1500195"/>
           </a:xfrm>
           <a:prstGeom prst="rect">
             <a:avLst/>
@@ -1123,7 +1123,7 @@
         <p:spPr>
           <a:xfrm>
             <a:off x="839787" y="1681163"/>
-            <a:ext cx="5157790" cy="823919"/>
+            <a:ext cx="5157790" cy="823920"/>
           </a:xfrm>
           <a:prstGeom prst="rect">
             <a:avLst/>
@@ -1225,7 +1225,7 @@
           <p:cNvPr id="49" name="Текст 4"/>
           <p:cNvSpPr/>
           <p:nvPr>
-            <p:ph type="body" sz="quarter" idx="21"/>
+            <p:ph type="body" sz="quarter" idx="13"/>
           </p:nvPr>
         </p:nvSpPr>
         <p:spPr>
@@ -1518,13 +1518,13 @@
           <p:cNvPr id="74" name="Текст 3"/>
           <p:cNvSpPr/>
           <p:nvPr>
-            <p:ph type="body" sz="quarter" idx="21"/>
+            <p:ph type="body" sz="quarter" idx="13"/>
           </p:nvPr>
         </p:nvSpPr>
         <p:spPr>
           <a:xfrm>
-            <a:off x="839783" y="2057400"/>
-            <a:ext cx="3932249" cy="3811588"/>
+            <a:off x="839782" y="2057400"/>
+            <a:ext cx="3932251" cy="3811588"/>
           </a:xfrm>
           <a:prstGeom prst="rect">
             <a:avLst/>
@@ -1623,7 +1623,7 @@
           <p:cNvPr id="83" name="Рисунок 2"/>
           <p:cNvSpPr/>
           <p:nvPr>
-            <p:ph type="pic" sz="half" idx="21"/>
+            <p:ph type="pic" sz="half" idx="13"/>
           </p:nvPr>
         </p:nvSpPr>
         <p:spPr>
@@ -1913,10 +1913,6 @@
                 <a:solidFill>
                   <a:srgbClr val="888888"/>
                 </a:solidFill>
-                <a:latin typeface="+mn-lt"/>
-                <a:ea typeface="+mn-ea"/>
-                <a:cs typeface="+mn-cs"/>
-                <a:sym typeface="Calibri"/>
               </a:defRPr>
             </a:lvl1pPr>
           </a:lstStyle>
@@ -2896,25 +2892,15 @@
           <a:lstStyle/>
           <a:p>
             <a:pPr algn="ctr">
-              <a:defRPr sz="1600">
-                <a:latin typeface="+mn-lt"/>
-                <a:ea typeface="+mn-ea"/>
-                <a:cs typeface="+mn-cs"/>
-                <a:sym typeface="Calibri"/>
-              </a:defRPr>
+              <a:defRPr sz="1600"/>
             </a:pPr>
             <a:r>
-              <a:t>27.09.2020</a:t>
+              <a:t>26.01.2021</a:t>
             </a:r>
           </a:p>
           <a:p>
             <a:pPr algn="ctr">
-              <a:defRPr sz="1600">
-                <a:latin typeface="+mn-lt"/>
-                <a:ea typeface="+mn-ea"/>
-                <a:cs typeface="+mn-cs"/>
-                <a:sym typeface="Calibri"/>
-              </a:defRPr>
+              <a:defRPr sz="1600"/>
             </a:pPr>
             <a:r>
               <a:t>Петрозаводский Государственный Университет</a:t>
@@ -3036,8 +3022,8 @@
         </p:nvSpPr>
         <p:spPr>
           <a:xfrm>
-            <a:off x="113117" y="609199"/>
-            <a:ext cx="11965766" cy="362913"/>
+            <a:off x="113116" y="609199"/>
+            <a:ext cx="11965768" cy="362914"/>
           </a:xfrm>
           <a:prstGeom prst="rect">
             <a:avLst/>
@@ -3053,7 +3039,7 @@
               <a:spcBef>
                 <a:spcPts val="900"/>
               </a:spcBef>
-              <a:defRPr sz="2185"/>
+              <a:defRPr sz="2100"/>
             </a:lvl1pPr>
           </a:lstStyle>
           <a:p>
@@ -3082,8 +3068,8 @@
         </p:blipFill>
         <p:spPr>
           <a:xfrm>
-            <a:off x="2052036" y="866030"/>
-            <a:ext cx="8087926" cy="5991971"/>
+            <a:off x="2052035" y="866029"/>
+            <a:ext cx="8087927" cy="5991973"/>
           </a:xfrm>
           <a:prstGeom prst="rect">
             <a:avLst/>
@@ -3301,8 +3287,8 @@
         </p:nvSpPr>
         <p:spPr>
           <a:xfrm>
-            <a:off x="838200" y="155641"/>
-            <a:ext cx="10515600" cy="597915"/>
+            <a:off x="838200" y="155640"/>
+            <a:ext cx="10515600" cy="597916"/>
           </a:xfrm>
           <a:prstGeom prst="rect">
             <a:avLst/>
@@ -3355,10 +3341,7 @@
               </a:defRPr>
             </a:pPr>
             <a:r>
-              <a:t>&lt;s_float&gt; → &lt;sign&gt;&lt;float&gt;	</a:t>
-            </a:r>
-            <a:r>
-              <a:t> </a:t>
+              <a:t>&lt;s_float&gt; → &lt;sign&gt;&lt;float&gt;	 </a:t>
             </a:r>
             <a:r>
               <a:rPr>
@@ -3366,15 +3349,7 @@
                   <a:srgbClr val="545454"/>
                 </a:solidFill>
               </a:rPr>
-              <a:t>// </a:t>
-            </a:r>
-            <a:r>
-              <a:rPr>
-                <a:solidFill>
-                  <a:srgbClr val="545454"/>
-                </a:solidFill>
-              </a:rPr>
-              <a:t>состоит из знака и числа</a:t>
+              <a:t>// состоит из знака и числа</a:t>
             </a:r>
             <a:endParaRPr sz="2600"/>
           </a:p>
@@ -3390,10 +3365,7 @@
               </a:defRPr>
             </a:pPr>
             <a:r>
-              <a:t>&lt;float&gt;   → &lt;int&gt; 		</a:t>
-            </a:r>
-            <a:r>
-              <a:t> </a:t>
+              <a:t>&lt;float&gt;   → &lt;int&gt; 		 </a:t>
             </a:r>
             <a:r>
               <a:rPr>
@@ -3401,15 +3373,7 @@
                   <a:srgbClr val="545454"/>
                 </a:solidFill>
               </a:rPr>
-              <a:t>// </a:t>
-            </a:r>
-            <a:r>
-              <a:rPr>
-                <a:solidFill>
-                  <a:srgbClr val="545454"/>
-                </a:solidFill>
-              </a:rPr>
-              <a:t>целое число</a:t>
+              <a:t>// целое число</a:t>
             </a:r>
             <a:endParaRPr>
               <a:solidFill>
@@ -3429,10 +3393,7 @@
               </a:defRPr>
             </a:pPr>
             <a:r>
-              <a:t>		|.&lt;int&gt; </a:t>
-            </a:r>
-            <a:r>
-              <a:t>		 </a:t>
+              <a:t>		|.&lt;int&gt; 		 </a:t>
             </a:r>
             <a:r>
               <a:rPr>
@@ -3460,10 +3421,7 @@
               </a:defRPr>
             </a:pPr>
             <a:r>
-              <a:t>		|&lt;int&gt;.</a:t>
-            </a:r>
-            <a:r>
-              <a:t>		 </a:t>
+              <a:t>		|&lt;int&gt;.		 </a:t>
             </a:r>
             <a:r>
               <a:rPr>
@@ -3491,10 +3449,7 @@
               </a:defRPr>
             </a:pPr>
             <a:r>
-              <a:t>		|&lt;int&gt;.&lt;int&gt; </a:t>
-            </a:r>
-            <a:r>
-              <a:t>	 </a:t>
+              <a:t>		|&lt;int&gt;.&lt;int&gt; 	 </a:t>
             </a:r>
             <a:r>
               <a:rPr>
@@ -3522,10 +3477,7 @@
               </a:defRPr>
             </a:pPr>
             <a:r>
-              <a:t>	|&lt;int&gt;e&lt;sign&gt;&lt;int&gt;</a:t>
-            </a:r>
-            <a:r>
-              <a:t> </a:t>
+              <a:t>	|&lt;int&gt;e&lt;sign&gt;&lt;int&gt; </a:t>
             </a:r>
             <a:r>
               <a:rPr>
@@ -3533,23 +3485,7 @@
                   <a:srgbClr val="545454"/>
                 </a:solidFill>
               </a:rPr>
-              <a:t>// целое число, символ </a:t>
-            </a:r>
-            <a:r>
-              <a:rPr>
-                <a:solidFill>
-                  <a:srgbClr val="545454"/>
-                </a:solidFill>
-              </a:rPr>
-              <a:t>e</a:t>
-            </a:r>
-            <a:r>
-              <a:rPr>
-                <a:solidFill>
-                  <a:srgbClr val="545454"/>
-                </a:solidFill>
-              </a:rPr>
-              <a:t>, знак и целое число</a:t>
+              <a:t>// целое число, символ e, знак и целое число</a:t>
             </a:r>
             <a:endParaRPr>
               <a:solidFill>
@@ -3569,10 +3505,7 @@
               </a:defRPr>
             </a:pPr>
             <a:r>
-              <a:t>	|&lt;int&gt;E&lt;sign&gt;&lt;int&gt;</a:t>
-            </a:r>
-            <a:r>
-              <a:t> </a:t>
+              <a:t>	|&lt;int&gt;E&lt;sign&gt;&lt;int&gt; </a:t>
             </a:r>
             <a:r>
               <a:rPr>
@@ -3600,10 +3533,7 @@
               </a:defRPr>
             </a:pPr>
             <a:r>
-              <a:t>&lt;int&gt;     → &lt;digit&gt; </a:t>
-            </a:r>
-            <a:r>
-              <a:t>		 </a:t>
+              <a:t>&lt;int&gt;     → &lt;digit&gt; 		 </a:t>
             </a:r>
             <a:r>
               <a:rPr>
@@ -3631,10 +3561,7 @@
               </a:defRPr>
             </a:pPr>
             <a:r>
-              <a:t>		&lt;digit&gt;&lt;int&gt;</a:t>
-            </a:r>
-            <a:r>
-              <a:t>	 </a:t>
+              <a:t>		&lt;digit&gt;&lt;int&gt;	 </a:t>
             </a:r>
             <a:r>
               <a:rPr>
@@ -3662,10 +3589,7 @@
               </a:defRPr>
             </a:pPr>
             <a:r>
-              <a:t>&lt;digit&gt;   → 0|1|…|9</a:t>
-            </a:r>
-            <a:r>
-              <a:t>		 </a:t>
+              <a:t>&lt;digit&gt;   → 0|1|…|9		 </a:t>
             </a:r>
             <a:r>
               <a:rPr>
@@ -3689,13 +3613,7 @@
               </a:defRPr>
             </a:pPr>
             <a:r>
-              <a:t>&lt;</a:t>
-            </a:r>
-            <a:r>
-              <a:t>sign&gt;    → - | + | ‘ ’</a:t>
-            </a:r>
-            <a:r>
-              <a:t>		 </a:t>
+              <a:t>&lt;sign&gt;    → - | + | ‘ ’		 </a:t>
             </a:r>
             <a:r>
               <a:rPr>
@@ -3776,8 +3694,8 @@
         </p:nvSpPr>
         <p:spPr>
           <a:xfrm>
-            <a:off x="54137" y="634165"/>
-            <a:ext cx="12192001" cy="511040"/>
+            <a:off x="54136" y="634165"/>
+            <a:ext cx="12192003" cy="511040"/>
           </a:xfrm>
           <a:prstGeom prst="rect">
             <a:avLst/>
@@ -3785,17 +3703,16 @@
         </p:spPr>
         <p:txBody>
           <a:bodyPr/>
-          <a:lstStyle/>
-          <a:p>
-            <a:pPr marL="0" indent="355600">
+          <a:lstStyle>
+            <a:lvl1pPr marL="0" indent="355600">
               <a:buSzTx/>
               <a:buNone/>
-            </a:pPr>
-            <a:r>
-              <a:t>Числовая вещественная константа: -0.</a:t>
-            </a:r>
-            <a:r>
-              <a:t>123</a:t>
+            </a:lvl1pPr>
+          </a:lstStyle>
+          <a:p>
+            <a:pPr/>
+            <a:r>
+              <a:t>Числовая вещественная константа: -0.123</a:t>
             </a:r>
           </a:p>
         </p:txBody>
@@ -3808,8 +3725,8 @@
         </p:nvSpPr>
         <p:spPr>
           <a:xfrm>
-            <a:off x="1915051" y="1432211"/>
-            <a:ext cx="1057133" cy="340179"/>
+            <a:off x="1915050" y="1432211"/>
+            <a:ext cx="1057134" cy="340178"/>
           </a:xfrm>
           <a:prstGeom prst="rect">
             <a:avLst/>
@@ -3829,12 +3746,7 @@
           </a:bodyPr>
           <a:lstStyle>
             <a:lvl1pPr>
-              <a:defRPr sz="2000">
-                <a:latin typeface="+mn-lt"/>
-                <a:ea typeface="+mn-ea"/>
-                <a:cs typeface="+mn-cs"/>
-                <a:sym typeface="Calibri"/>
-              </a:defRPr>
+              <a:defRPr sz="2000"/>
             </a:lvl1pPr>
           </a:lstStyle>
           <a:p>
@@ -3874,12 +3786,7 @@
           </a:bodyPr>
           <a:lstStyle>
             <a:lvl1pPr>
-              <a:defRPr sz="2000">
-                <a:latin typeface="+mn-lt"/>
-                <a:ea typeface="+mn-ea"/>
-                <a:cs typeface="+mn-cs"/>
-                <a:sym typeface="Calibri"/>
-              </a:defRPr>
+              <a:defRPr sz="2000"/>
             </a:lvl1pPr>
           </a:lstStyle>
           <a:p>
@@ -3898,7 +3805,7 @@
         </p:nvSpPr>
         <p:spPr>
           <a:xfrm>
-            <a:off x="3510727" y="2158421"/>
+            <a:off x="3510727" y="2158420"/>
             <a:ext cx="831286" cy="340179"/>
           </a:xfrm>
           <a:prstGeom prst="rect">
@@ -3919,12 +3826,7 @@
           </a:bodyPr>
           <a:lstStyle>
             <a:lvl1pPr>
-              <a:defRPr sz="2000">
-                <a:latin typeface="+mn-lt"/>
-                <a:ea typeface="+mn-ea"/>
-                <a:cs typeface="+mn-cs"/>
-                <a:sym typeface="Calibri"/>
-              </a:defRPr>
+              <a:defRPr sz="2000"/>
             </a:lvl1pPr>
           </a:lstStyle>
           <a:p>
@@ -3943,8 +3845,8 @@
         </p:nvSpPr>
         <p:spPr>
           <a:xfrm>
-            <a:off x="2504152" y="2917275"/>
-            <a:ext cx="631608" cy="340178"/>
+            <a:off x="2504151" y="2917275"/>
+            <a:ext cx="631609" cy="340178"/>
           </a:xfrm>
           <a:prstGeom prst="rect">
             <a:avLst/>
@@ -3964,12 +3866,7 @@
           </a:bodyPr>
           <a:lstStyle>
             <a:lvl1pPr>
-              <a:defRPr sz="2000">
-                <a:latin typeface="+mn-lt"/>
-                <a:ea typeface="+mn-ea"/>
-                <a:cs typeface="+mn-cs"/>
-                <a:sym typeface="Calibri"/>
-              </a:defRPr>
+              <a:defRPr sz="2000"/>
             </a:lvl1pPr>
           </a:lstStyle>
           <a:p>
@@ -4009,12 +3906,7 @@
           </a:bodyPr>
           <a:lstStyle>
             <a:lvl1pPr>
-              <a:defRPr sz="2000">
-                <a:latin typeface="+mn-lt"/>
-                <a:ea typeface="+mn-ea"/>
-                <a:cs typeface="+mn-cs"/>
-                <a:sym typeface="Calibri"/>
-              </a:defRPr>
+              <a:defRPr sz="2000"/>
             </a:lvl1pPr>
           </a:lstStyle>
           <a:p>
@@ -4034,7 +3926,7 @@
         <p:spPr>
           <a:xfrm>
             <a:off x="3864138" y="2958631"/>
-            <a:ext cx="161975" cy="340179"/>
+            <a:ext cx="161976" cy="340178"/>
           </a:xfrm>
           <a:prstGeom prst="rect">
             <a:avLst/>
@@ -4055,10 +3947,10 @@
           <a:lstStyle>
             <a:lvl1pPr>
               <a:defRPr b="1" sz="2000">
-                <a:latin typeface="+mn-lt"/>
-                <a:ea typeface="+mn-ea"/>
-                <a:cs typeface="+mn-cs"/>
-                <a:sym typeface="Calibri"/>
+                <a:latin typeface="+mj-lt"/>
+                <a:ea typeface="+mj-ea"/>
+                <a:cs typeface="+mj-cs"/>
+                <a:sym typeface="Helvetica"/>
               </a:defRPr>
             </a:lvl1pPr>
           </a:lstStyle>
@@ -4099,12 +3991,7 @@
           </a:bodyPr>
           <a:lstStyle>
             <a:lvl1pPr>
-              <a:defRPr sz="2000">
-                <a:latin typeface="+mn-lt"/>
-                <a:ea typeface="+mn-ea"/>
-                <a:cs typeface="+mn-cs"/>
-                <a:sym typeface="Calibri"/>
-              </a:defRPr>
+              <a:defRPr sz="2000"/>
             </a:lvl1pPr>
           </a:lstStyle>
           <a:p>
@@ -4144,12 +4031,7 @@
           </a:bodyPr>
           <a:lstStyle>
             <a:lvl1pPr>
-              <a:defRPr sz="2000">
-                <a:latin typeface="+mn-lt"/>
-                <a:ea typeface="+mn-ea"/>
-                <a:cs typeface="+mn-cs"/>
-                <a:sym typeface="Calibri"/>
-              </a:defRPr>
+              <a:defRPr sz="2000"/>
             </a:lvl1pPr>
           </a:lstStyle>
           <a:p>
@@ -4169,7 +4051,7 @@
         <p:spPr>
           <a:xfrm>
             <a:off x="5651058" y="3687705"/>
-            <a:ext cx="631608" cy="340179"/>
+            <a:ext cx="631608" cy="340178"/>
           </a:xfrm>
           <a:prstGeom prst="rect">
             <a:avLst/>
@@ -4189,12 +4071,7 @@
           </a:bodyPr>
           <a:lstStyle>
             <a:lvl1pPr>
-              <a:defRPr sz="2000">
-                <a:latin typeface="+mn-lt"/>
-                <a:ea typeface="+mn-ea"/>
-                <a:cs typeface="+mn-cs"/>
-                <a:sym typeface="Calibri"/>
-              </a:defRPr>
+              <a:defRPr sz="2000"/>
             </a:lvl1pPr>
           </a:lstStyle>
           <a:p>
@@ -4234,12 +4111,7 @@
           </a:bodyPr>
           <a:lstStyle>
             <a:lvl1pPr>
-              <a:defRPr sz="2000">
-                <a:latin typeface="+mn-lt"/>
-                <a:ea typeface="+mn-ea"/>
-                <a:cs typeface="+mn-cs"/>
-                <a:sym typeface="Calibri"/>
-              </a:defRPr>
+              <a:defRPr sz="2000"/>
             </a:lvl1pPr>
           </a:lstStyle>
           <a:p>
@@ -4259,7 +4131,7 @@
         <p:spPr>
           <a:xfrm>
             <a:off x="6327749" y="4458029"/>
-            <a:ext cx="631609" cy="340178"/>
+            <a:ext cx="631608" cy="340178"/>
           </a:xfrm>
           <a:prstGeom prst="rect">
             <a:avLst/>
@@ -4279,12 +4151,7 @@
           </a:bodyPr>
           <a:lstStyle>
             <a:lvl1pPr>
-              <a:defRPr sz="2000">
-                <a:latin typeface="+mn-lt"/>
-                <a:ea typeface="+mn-ea"/>
-                <a:cs typeface="+mn-cs"/>
-                <a:sym typeface="Calibri"/>
-              </a:defRPr>
+              <a:defRPr sz="2000"/>
             </a:lvl1pPr>
           </a:lstStyle>
           <a:p>
@@ -4304,7 +4171,7 @@
         <p:spPr>
           <a:xfrm>
             <a:off x="6237980" y="5271737"/>
-            <a:ext cx="811815" cy="340178"/>
+            <a:ext cx="811814" cy="340178"/>
           </a:xfrm>
           <a:prstGeom prst="rect">
             <a:avLst/>
@@ -4324,12 +4191,7 @@
           </a:bodyPr>
           <a:lstStyle>
             <a:lvl1pPr>
-              <a:defRPr sz="2000">
-                <a:latin typeface="+mn-lt"/>
-                <a:ea typeface="+mn-ea"/>
-                <a:cs typeface="+mn-cs"/>
-                <a:sym typeface="Calibri"/>
-              </a:defRPr>
+              <a:defRPr sz="2000"/>
             </a:lvl1pPr>
           </a:lstStyle>
           <a:p>
@@ -4351,8 +4213,8 @@
         </p:nvCxnSpPr>
         <p:spPr>
           <a:xfrm flipH="1">
-            <a:off x="826609" y="1602300"/>
-            <a:ext cx="1617009" cy="685463"/>
+            <a:off x="826609" y="1602299"/>
+            <a:ext cx="1617009" cy="685464"/>
           </a:xfrm>
           <a:prstGeom prst="straightConnector1">
             <a:avLst/>
@@ -4376,7 +4238,7 @@
         </p:nvCxnSpPr>
         <p:spPr>
           <a:xfrm>
-            <a:off x="2443617" y="1602300"/>
+            <a:off x="2443617" y="1602299"/>
             <a:ext cx="1482753" cy="726211"/>
           </a:xfrm>
           <a:prstGeom prst="straightConnector1">
@@ -4402,7 +4264,7 @@
         <p:spPr>
           <a:xfrm>
             <a:off x="826609" y="2287762"/>
-            <a:ext cx="11879" cy="807525"/>
+            <a:ext cx="11878" cy="807525"/>
           </a:xfrm>
           <a:prstGeom prst="straightConnector1">
             <a:avLst/>
@@ -4426,8 +4288,8 @@
         </p:nvCxnSpPr>
         <p:spPr>
           <a:xfrm flipH="1">
-            <a:off x="2819955" y="2328510"/>
-            <a:ext cx="1106415" cy="758854"/>
+            <a:off x="2819955" y="2328509"/>
+            <a:ext cx="1106415" cy="758855"/>
           </a:xfrm>
           <a:prstGeom prst="straightConnector1">
             <a:avLst/>
@@ -4451,8 +4313,8 @@
         </p:nvCxnSpPr>
         <p:spPr>
           <a:xfrm>
-            <a:off x="3926369" y="2328510"/>
-            <a:ext cx="1247514" cy="770324"/>
+            <a:off x="3926369" y="2328509"/>
+            <a:ext cx="1247514" cy="770325"/>
           </a:xfrm>
           <a:prstGeom prst="straightConnector1">
             <a:avLst/>
@@ -4501,7 +4363,7 @@
         </p:nvCxnSpPr>
         <p:spPr>
           <a:xfrm>
-            <a:off x="3926369" y="2328510"/>
+            <a:off x="3926369" y="2328509"/>
             <a:ext cx="18757" cy="800211"/>
           </a:xfrm>
           <a:prstGeom prst="straightConnector1">
@@ -4552,7 +4414,7 @@
         <p:spPr>
           <a:xfrm>
             <a:off x="5173882" y="3098833"/>
-            <a:ext cx="792981" cy="758962"/>
+            <a:ext cx="792981" cy="758961"/>
           </a:xfrm>
           <a:prstGeom prst="straightConnector1">
             <a:avLst/>
@@ -4576,8 +4438,8 @@
         </p:nvCxnSpPr>
         <p:spPr>
           <a:xfrm flipH="1">
-            <a:off x="5446474" y="3857794"/>
-            <a:ext cx="520389" cy="770324"/>
+            <a:off x="5446473" y="3857793"/>
+            <a:ext cx="520390" cy="770325"/>
           </a:xfrm>
           <a:prstGeom prst="straightConnector1">
             <a:avLst/>
@@ -4601,8 +4463,8 @@
         </p:nvCxnSpPr>
         <p:spPr>
           <a:xfrm>
-            <a:off x="5966862" y="3857794"/>
-            <a:ext cx="676692" cy="770324"/>
+            <a:off x="5966862" y="3857793"/>
+            <a:ext cx="676691" cy="770325"/>
           </a:xfrm>
           <a:prstGeom prst="straightConnector1">
             <a:avLst/>
@@ -4626,7 +4488,7 @@
         </p:nvCxnSpPr>
         <p:spPr>
           <a:xfrm>
-            <a:off x="6643553" y="4628117"/>
+            <a:off x="6643552" y="4628117"/>
             <a:ext cx="335" cy="813709"/>
           </a:xfrm>
           <a:prstGeom prst="straightConnector1">
@@ -4677,7 +4539,7 @@
         <p:spPr>
           <a:xfrm>
             <a:off x="4455113" y="3869157"/>
-            <a:ext cx="3855" cy="786191"/>
+            <a:ext cx="3854" cy="786190"/>
           </a:xfrm>
           <a:prstGeom prst="straightConnector1">
             <a:avLst/>
@@ -4701,8 +4563,8 @@
         </p:nvCxnSpPr>
         <p:spPr>
           <a:xfrm>
-            <a:off x="5446474" y="4628117"/>
-            <a:ext cx="3854" cy="825550"/>
+            <a:off x="5446473" y="4628117"/>
+            <a:ext cx="3854" cy="825549"/>
           </a:xfrm>
           <a:prstGeom prst="straightConnector1">
             <a:avLst/>
@@ -4726,8 +4588,8 @@
         </p:nvCxnSpPr>
         <p:spPr>
           <a:xfrm>
-            <a:off x="6643887" y="5441825"/>
-            <a:ext cx="3855" cy="763637"/>
+            <a:off x="6643886" y="5441825"/>
+            <a:ext cx="3856" cy="763637"/>
           </a:xfrm>
           <a:prstGeom prst="straightConnector1">
             <a:avLst/>
@@ -4748,7 +4610,7 @@
         </p:nvSpPr>
         <p:spPr>
           <a:xfrm>
-            <a:off x="694387" y="2928745"/>
+            <a:off x="694386" y="2928745"/>
             <a:ext cx="288201" cy="333084"/>
           </a:xfrm>
           <a:prstGeom prst="rect">
@@ -4769,22 +4631,9 @@
           </a:bodyPr>
           <a:lstStyle/>
           <a:p>
-            <a:pPr>
-              <a:defRPr>
-                <a:latin typeface="+mn-lt"/>
-                <a:ea typeface="+mn-ea"/>
-                <a:cs typeface="+mn-cs"/>
-                <a:sym typeface="Calibri"/>
-              </a:defRPr>
-            </a:pPr>
-            <a:r>
-              <a:t>‘</a:t>
-            </a:r>
-            <a:r>
-              <a:t>-</a:t>
-            </a:r>
-            <a:r>
-              <a:t>’</a:t>
+            <a:pPr/>
+            <a:r>
+              <a:t>‘-’</a:t>
             </a:r>
           </a:p>
         </p:txBody>
@@ -4816,16 +4665,7 @@
           <a:bodyPr wrap="none" lIns="45718" tIns="45718" rIns="45718" bIns="45718">
             <a:spAutoFit/>
           </a:bodyPr>
-          <a:lstStyle>
-            <a:lvl1pPr>
-              <a:defRPr>
-                <a:latin typeface="+mn-lt"/>
-                <a:ea typeface="+mn-ea"/>
-                <a:cs typeface="+mn-cs"/>
-                <a:sym typeface="Calibri"/>
-              </a:defRPr>
-            </a:lvl1pPr>
-          </a:lstStyle>
+          <a:lstStyle/>
           <a:p>
             <a:pPr/>
             <a:r>
@@ -4843,7 +4683,7 @@
         <p:spPr>
           <a:xfrm>
             <a:off x="4348967" y="4488805"/>
-            <a:ext cx="220000" cy="333085"/>
+            <a:ext cx="219999" cy="333084"/>
           </a:xfrm>
           <a:prstGeom prst="rect">
             <a:avLst/>
@@ -4861,16 +4701,7 @@
           <a:bodyPr wrap="none" lIns="45718" tIns="45718" rIns="45718" bIns="45718">
             <a:spAutoFit/>
           </a:bodyPr>
-          <a:lstStyle>
-            <a:lvl1pPr>
-              <a:defRPr>
-                <a:latin typeface="+mn-lt"/>
-                <a:ea typeface="+mn-ea"/>
-                <a:cs typeface="+mn-cs"/>
-                <a:sym typeface="Calibri"/>
-              </a:defRPr>
-            </a:lvl1pPr>
-          </a:lstStyle>
+          <a:lstStyle/>
           <a:p>
             <a:pPr/>
             <a:r>
@@ -4888,7 +4719,7 @@
         <p:spPr>
           <a:xfrm>
             <a:off x="5340327" y="5287124"/>
-            <a:ext cx="220000" cy="333085"/>
+            <a:ext cx="219999" cy="333084"/>
           </a:xfrm>
           <a:prstGeom prst="rect">
             <a:avLst/>
@@ -4906,16 +4737,7 @@
           <a:bodyPr wrap="none" lIns="45718" tIns="45718" rIns="45718" bIns="45718">
             <a:spAutoFit/>
           </a:bodyPr>
-          <a:lstStyle>
-            <a:lvl1pPr>
-              <a:defRPr>
-                <a:latin typeface="+mn-lt"/>
-                <a:ea typeface="+mn-ea"/>
-                <a:cs typeface="+mn-cs"/>
-                <a:sym typeface="Calibri"/>
-              </a:defRPr>
-            </a:lvl1pPr>
-          </a:lstStyle>
+          <a:lstStyle/>
           <a:p>
             <a:pPr/>
             <a:r>
@@ -4951,16 +4773,7 @@
           <a:bodyPr wrap="none" lIns="45718" tIns="45718" rIns="45718" bIns="45718">
             <a:spAutoFit/>
           </a:bodyPr>
-          <a:lstStyle>
-            <a:lvl1pPr>
-              <a:defRPr>
-                <a:latin typeface="+mn-lt"/>
-                <a:ea typeface="+mn-ea"/>
-                <a:cs typeface="+mn-cs"/>
-                <a:sym typeface="Calibri"/>
-              </a:defRPr>
-            </a:lvl1pPr>
-          </a:lstStyle>
+          <a:lstStyle/>
           <a:p>
             <a:pPr/>
             <a:r>
@@ -4977,8 +4790,8 @@
         </p:nvSpPr>
         <p:spPr>
           <a:xfrm>
-            <a:off x="3052292" y="1410043"/>
-            <a:ext cx="3845433" cy="333085"/>
+            <a:off x="3052291" y="1410043"/>
+            <a:ext cx="3845435" cy="333084"/>
           </a:xfrm>
           <a:prstGeom prst="rect">
             <a:avLst/>
@@ -5002,10 +4815,6 @@
                 <a:solidFill>
                   <a:srgbClr val="545454"/>
                 </a:solidFill>
-                <a:latin typeface="+mn-lt"/>
-                <a:ea typeface="+mn-ea"/>
-                <a:cs typeface="+mn-cs"/>
-                <a:sym typeface="Calibri"/>
               </a:defRPr>
             </a:lvl1pPr>
           </a:lstStyle>
@@ -5026,7 +4835,7 @@
         <p:spPr>
           <a:xfrm>
             <a:off x="4433063" y="2185292"/>
-            <a:ext cx="5583504" cy="333085"/>
+            <a:ext cx="5583504" cy="333084"/>
           </a:xfrm>
           <a:prstGeom prst="rect">
             <a:avLst/>
@@ -5050,10 +4859,6 @@
                 <a:solidFill>
                   <a:srgbClr val="545454"/>
                 </a:solidFill>
-                <a:latin typeface="+mn-lt"/>
-                <a:ea typeface="+mn-ea"/>
-                <a:cs typeface="+mn-cs"/>
-                <a:sym typeface="Calibri"/>
               </a:defRPr>
             </a:lvl1pPr>
           </a:lstStyle>
@@ -5073,8 +4878,8 @@
         </p:nvSpPr>
         <p:spPr>
           <a:xfrm>
-            <a:off x="5577182" y="2950174"/>
-            <a:ext cx="5149187" cy="333085"/>
+            <a:off x="5577181" y="2950173"/>
+            <a:ext cx="5149188" cy="333085"/>
           </a:xfrm>
           <a:prstGeom prst="rect">
             <a:avLst/>
@@ -5098,10 +4903,6 @@
                 <a:solidFill>
                   <a:srgbClr val="545454"/>
                 </a:solidFill>
-                <a:latin typeface="+mn-lt"/>
-                <a:ea typeface="+mn-ea"/>
-                <a:cs typeface="+mn-cs"/>
-                <a:sym typeface="Calibri"/>
               </a:defRPr>
             </a:lvl1pPr>
           </a:lstStyle>
@@ -5206,7 +5007,12 @@
           </a:p>
           <a:p>
             <a:pPr>
-              <a:defRPr b="1" sz="3200"/>
+              <a:defRPr b="1" sz="3200">
+                <a:latin typeface="+mj-lt"/>
+                <a:ea typeface="+mj-ea"/>
+                <a:cs typeface="+mj-cs"/>
+                <a:sym typeface="Helvetica"/>
+              </a:defRPr>
             </a:pPr>
             <a:r>
               <a:t>«Eat at pleasure, drink with measure.»</a:t>
@@ -5517,8 +5323,8 @@
         </p:nvSpPr>
         <p:spPr>
           <a:xfrm>
-            <a:off x="2781817" y="1319371"/>
-            <a:ext cx="6628365" cy="497044"/>
+            <a:off x="2781816" y="1319371"/>
+            <a:ext cx="6628366" cy="497043"/>
           </a:xfrm>
           <a:prstGeom prst="rect">
             <a:avLst/>
@@ -5545,10 +5351,10 @@
                 <a:spcPts val="1000"/>
               </a:spcBef>
               <a:defRPr b="1" sz="3200">
-                <a:latin typeface="+mn-lt"/>
-                <a:ea typeface="+mn-ea"/>
-                <a:cs typeface="+mn-cs"/>
-                <a:sym typeface="Calibri"/>
+                <a:latin typeface="+mj-lt"/>
+                <a:ea typeface="+mj-ea"/>
+                <a:cs typeface="+mj-cs"/>
+                <a:sym typeface="Helvetica"/>
               </a:defRPr>
             </a:lvl1pPr>
           </a:lstStyle>
@@ -5623,7 +5429,7 @@
         <p:spPr>
           <a:xfrm>
             <a:off x="955588" y="1769073"/>
-            <a:ext cx="10527956" cy="3707167"/>
+            <a:ext cx="10527956" cy="3338866"/>
           </a:xfrm>
           <a:prstGeom prst="rect">
             <a:avLst/>
@@ -5644,12 +5450,7 @@
           <a:lstStyle/>
           <a:p>
             <a:pPr algn="just">
-              <a:defRPr sz="2400">
-                <a:latin typeface="+mn-lt"/>
-                <a:ea typeface="+mn-ea"/>
-                <a:cs typeface="+mn-cs"/>
-                <a:sym typeface="Calibri"/>
-              </a:defRPr>
+              <a:defRPr sz="2400"/>
             </a:pPr>
             <a:r>
               <a:t>1) &lt;предложение&gt; выступает в качестве корневой синтаксической группы дерева</a:t>
@@ -5657,12 +5458,7 @@
           </a:p>
           <a:p>
             <a:pPr algn="just">
-              <a:defRPr sz="2400">
-                <a:latin typeface="+mn-lt"/>
-                <a:ea typeface="+mn-ea"/>
-                <a:cs typeface="+mn-cs"/>
-                <a:sym typeface="Calibri"/>
-              </a:defRPr>
+              <a:defRPr sz="2400"/>
             </a:pPr>
             <a:r>
               <a:t>2)  базой рекурсии для предложения является простое предложение</a:t>
@@ -5670,12 +5466,7 @@
           </a:p>
           <a:p>
             <a:pPr algn="just">
-              <a:defRPr sz="2400">
-                <a:latin typeface="+mn-lt"/>
-                <a:ea typeface="+mn-ea"/>
-                <a:cs typeface="+mn-cs"/>
-                <a:sym typeface="Calibri"/>
-              </a:defRPr>
+              <a:defRPr sz="2400"/>
             </a:pPr>
             <a:r>
               <a:t>3) входящие в состав простого предложения подлежащее и сказуемое делятся на соответствующие их грамматическим правилам части речи</a:t>
@@ -5683,12 +5474,7 @@
           </a:p>
           <a:p>
             <a:pPr algn="just">
-              <a:defRPr sz="2400">
-                <a:latin typeface="+mn-lt"/>
-                <a:ea typeface="+mn-ea"/>
-                <a:cs typeface="+mn-cs"/>
-                <a:sym typeface="Calibri"/>
-              </a:defRPr>
+              <a:defRPr sz="2400"/>
             </a:pPr>
             <a:r>
               <a:t>4) синтаксические группы частей речи переходят в символьные константы, то есть конкретные слова</a:t>
@@ -5696,26 +5482,11 @@
           </a:p>
           <a:p>
             <a:pPr algn="just">
-              <a:defRPr sz="2400">
-                <a:latin typeface="+mn-lt"/>
-                <a:ea typeface="+mn-ea"/>
-                <a:cs typeface="+mn-cs"/>
-                <a:sym typeface="Calibri"/>
-              </a:defRPr>
+              <a:defRPr sz="2400"/>
             </a:pPr>
             <a:r>
               <a:t>5) листья дерева - слова предложения - на них построение дерева завершается</a:t>
             </a:r>
-          </a:p>
-          <a:p>
-            <a:pPr algn="just">
-              <a:defRPr sz="2400">
-                <a:latin typeface="+mn-lt"/>
-                <a:ea typeface="+mn-ea"/>
-                <a:cs typeface="+mn-cs"/>
-                <a:sym typeface="Calibri"/>
-              </a:defRPr>
-            </a:pPr>
           </a:p>
         </p:txBody>
       </p:sp>
@@ -5753,8 +5524,8 @@
         </p:nvSpPr>
         <p:spPr>
           <a:xfrm>
-            <a:off x="2781817" y="1344771"/>
-            <a:ext cx="6628365" cy="497044"/>
+            <a:off x="2781816" y="1344771"/>
+            <a:ext cx="6628366" cy="497043"/>
           </a:xfrm>
           <a:prstGeom prst="rect">
             <a:avLst/>
@@ -5781,10 +5552,10 @@
                 <a:spcPts val="1000"/>
               </a:spcBef>
               <a:defRPr b="1" sz="3200">
-                <a:latin typeface="+mn-lt"/>
-                <a:ea typeface="+mn-ea"/>
-                <a:cs typeface="+mn-cs"/>
-                <a:sym typeface="Calibri"/>
+                <a:latin typeface="+mj-lt"/>
+                <a:ea typeface="+mj-ea"/>
+                <a:cs typeface="+mj-cs"/>
+                <a:sym typeface="Helvetica"/>
               </a:defRPr>
             </a:lvl1pPr>
           </a:lstStyle>
@@ -5860,8 +5631,8 @@
         </p:blipFill>
         <p:spPr>
           <a:xfrm>
-            <a:off x="699513" y="1834477"/>
-            <a:ext cx="9495513" cy="5075189"/>
+            <a:off x="699513" y="1834476"/>
+            <a:ext cx="9495513" cy="5075191"/>
           </a:xfrm>
           <a:prstGeom prst="rect">
             <a:avLst/>
@@ -5879,8 +5650,8 @@
         </p:nvSpPr>
         <p:spPr>
           <a:xfrm>
-            <a:off x="6098651" y="1904620"/>
-            <a:ext cx="3923810" cy="333085"/>
+            <a:off x="6098650" y="1904619"/>
+            <a:ext cx="3923811" cy="333085"/>
           </a:xfrm>
           <a:prstGeom prst="rect">
             <a:avLst/>
@@ -5904,10 +5675,6 @@
                 <a:solidFill>
                   <a:srgbClr val="A7A7A7"/>
                 </a:solidFill>
-                <a:latin typeface="+mn-lt"/>
-                <a:ea typeface="+mn-ea"/>
-                <a:cs typeface="+mn-cs"/>
-                <a:sym typeface="Calibri"/>
               </a:defRPr>
             </a:lvl1pPr>
           </a:lstStyle>
@@ -5953,8 +5720,8 @@
         </p:nvSpPr>
         <p:spPr>
           <a:xfrm>
-            <a:off x="4520824" y="1179671"/>
-            <a:ext cx="3150351" cy="497044"/>
+            <a:off x="4520823" y="1179671"/>
+            <a:ext cx="3150352" cy="497043"/>
           </a:xfrm>
           <a:prstGeom prst="rect">
             <a:avLst/>
@@ -5981,10 +5748,10 @@
                 <a:spcPts val="1000"/>
               </a:spcBef>
               <a:defRPr b="1" sz="3200">
-                <a:latin typeface="+mn-lt"/>
-                <a:ea typeface="+mn-ea"/>
-                <a:cs typeface="+mn-cs"/>
-                <a:sym typeface="Calibri"/>
+                <a:latin typeface="+mj-lt"/>
+                <a:ea typeface="+mj-ea"/>
+                <a:cs typeface="+mj-cs"/>
+                <a:sym typeface="Helvetica"/>
               </a:defRPr>
             </a:lvl1pPr>
           </a:lstStyle>
@@ -6061,7 +5828,7 @@
         <p:spPr>
           <a:xfrm>
             <a:off x="3658551" y="1687714"/>
-            <a:ext cx="5549903" cy="4838702"/>
+            <a:ext cx="5549904" cy="4838702"/>
           </a:xfrm>
           <a:prstGeom prst="rect">
             <a:avLst/>
@@ -6152,7 +5919,7 @@
         <p:spPr>
           <a:xfrm>
             <a:off x="1812548" y="1179671"/>
-            <a:ext cx="8566902" cy="497044"/>
+            <a:ext cx="8566901" cy="497043"/>
           </a:xfrm>
           <a:prstGeom prst="rect">
             <a:avLst/>
@@ -6179,10 +5946,10 @@
                 <a:spcPts val="1000"/>
               </a:spcBef>
               <a:defRPr b="1" sz="3200">
-                <a:latin typeface="+mn-lt"/>
-                <a:ea typeface="+mn-ea"/>
-                <a:cs typeface="+mn-cs"/>
-                <a:sym typeface="Calibri"/>
+                <a:latin typeface="+mj-lt"/>
+                <a:ea typeface="+mj-ea"/>
+                <a:cs typeface="+mj-cs"/>
+                <a:sym typeface="Helvetica"/>
               </a:defRPr>
             </a:lvl1pPr>
           </a:lstStyle>
@@ -6212,8 +5979,8 @@
         </p:blipFill>
         <p:spPr>
           <a:xfrm>
-            <a:off x="1416049" y="2099718"/>
-            <a:ext cx="9359901" cy="4000503"/>
+            <a:off x="1416049" y="2099717"/>
+            <a:ext cx="9359901" cy="4000505"/>
           </a:xfrm>
           <a:prstGeom prst="rect">
             <a:avLst/>
@@ -6382,8 +6149,8 @@
         </p:nvSpPr>
         <p:spPr>
           <a:xfrm>
-            <a:off x="374070" y="1938835"/>
-            <a:ext cx="11817933" cy="4351339"/>
+            <a:off x="374070" y="1938834"/>
+            <a:ext cx="11817933" cy="4351340"/>
           </a:xfrm>
           <a:prstGeom prst="rect">
             <a:avLst/>
@@ -6405,10 +6172,7 @@
               </a:defRPr>
             </a:pPr>
             <a:r>
-              <a:t>&lt;предложение&gt; → &lt;подлежащее&gt; &lt;сказуемое&gt; &lt;дополнение&gt;</a:t>
-            </a:r>
-            <a:r>
-              <a:t> </a:t>
+              <a:t>&lt;предложение&gt; → &lt;подлежащее&gt; &lt;сказуемое&gt; &lt;дополнение&gt; </a:t>
             </a:r>
             <a:r>
               <a:rPr sz="1000">
@@ -6416,15 +6180,7 @@
                   <a:srgbClr val="A7A7A7"/>
                 </a:solidFill>
               </a:rPr>
-              <a:t>// </a:t>
-            </a:r>
-            <a:r>
-              <a:rPr sz="1000">
-                <a:solidFill>
-                  <a:srgbClr val="A7A7A7"/>
-                </a:solidFill>
-              </a:rPr>
-              <a:t>простое предложение с дополнением</a:t>
+              <a:t>// простое предложение с дополнением</a:t>
             </a:r>
           </a:p>
           <a:p>
@@ -6456,15 +6212,7 @@
                   <a:srgbClr val="A7A7A7"/>
                 </a:solidFill>
               </a:rPr>
-              <a:t>// </a:t>
-            </a:r>
-            <a:r>
-              <a:rPr sz="1000">
-                <a:solidFill>
-                  <a:srgbClr val="A7A7A7"/>
-                </a:solidFill>
-              </a:rPr>
-              <a:t>подлежащее – это существительное</a:t>
+              <a:t>// подлежащее – это существительное</a:t>
             </a:r>
             <a:endParaRPr sz="1000"/>
           </a:p>
@@ -6514,10 +6262,7 @@
               </a:defRPr>
             </a:pPr>
             <a:r>
-              <a:t>&lt;дополнение&gt; → &lt;артикль&gt; &lt;список прилагательных&gt; &lt;существительное&gt;</a:t>
-            </a:r>
-            <a:r>
-              <a:t> </a:t>
+              <a:t>&lt;дополнение&gt; → &lt;артикль&gt; &lt;список прилагательных&gt; &lt;существительное&gt; </a:t>
             </a:r>
             <a:r>
               <a:rPr sz="1000">
@@ -6525,15 +6270,7 @@
                   <a:srgbClr val="A7A7A7"/>
                 </a:solidFill>
               </a:rPr>
-              <a:t>// </a:t>
-            </a:r>
-            <a:r>
-              <a:rPr sz="1000">
-                <a:solidFill>
-                  <a:srgbClr val="A7A7A7"/>
-                </a:solidFill>
-              </a:rPr>
-              <a:t>дополнение включает артикль, затем список прилагательных и описываемое существительное</a:t>
+              <a:t>// дополнение включает артикль, затем список прилагательных и описываемое существительное</a:t>
             </a:r>
             <a:endParaRPr sz="1000"/>
           </a:p>
@@ -6572,10 +6309,7 @@
             </a:r>
             <a:br/>
             <a:r>
-              <a:t>				   </a:t>
-            </a:r>
-            <a:r>
-              <a:t>| &lt;&gt; </a:t>
+              <a:t>				   | &lt;&gt; </a:t>
             </a:r>
             <a:r>
               <a:rPr sz="1000">
@@ -6583,15 +6317,7 @@
                   <a:srgbClr val="A7A7A7"/>
                 </a:solidFill>
               </a:rPr>
-              <a:t>// </a:t>
-            </a:r>
-            <a:r>
-              <a:rPr sz="1000">
-                <a:solidFill>
-                  <a:srgbClr val="A7A7A7"/>
-                </a:solidFill>
-              </a:rPr>
-              <a:t>список прилагательных с рекурсией, или одно прилагательное, или его отсутствие</a:t>
+              <a:t>// список прилагательных с рекурсией, или одно прилагательное, или его отсутствие</a:t>
             </a:r>
             <a:endParaRPr>
               <a:solidFill>
@@ -6625,23 +6351,11 @@
                   <a:srgbClr val="000000"/>
                 </a:solidFill>
               </a:rPr>
-              <a:t>&lt;прилагательное&gt; → </a:t>
-            </a:r>
-            <a:r>
-              <a:rPr sz="2000">
-                <a:solidFill>
-                  <a:srgbClr val="000000"/>
-                </a:solidFill>
-              </a:rPr>
-              <a:t>salted | big | brown | roasted </a:t>
+              <a:t>&lt;прилагательное&gt; → salted | big | brown | roasted </a:t>
             </a:r>
             <a:r>
               <a:rPr sz="800"/>
-              <a:t>// </a:t>
-            </a:r>
-            <a:r>
-              <a:rPr sz="800"/>
-              <a:t>допустимые прилагательные</a:t>
+              <a:t>// допустимые прилагательные</a:t>
             </a:r>
             <a:endParaRPr sz="2000"/>
           </a:p>
@@ -6658,10 +6372,7 @@
               </a:defRPr>
             </a:pPr>
             <a:r>
-              <a:t>&lt;существительное&gt; → John | peanut</a:t>
-            </a:r>
-            <a:r>
-              <a:t> </a:t>
+              <a:t>&lt;существительное&gt; → John | peanut </a:t>
             </a:r>
             <a:r>
               <a:rPr sz="1000">
@@ -6669,15 +6380,7 @@
                   <a:srgbClr val="A7A7A7"/>
                 </a:solidFill>
               </a:rPr>
-              <a:t>// </a:t>
-            </a:r>
-            <a:r>
-              <a:rPr sz="1000">
-                <a:solidFill>
-                  <a:srgbClr val="A7A7A7"/>
-                </a:solidFill>
-              </a:rPr>
-              <a:t>допустимые существительные</a:t>
+              <a:t>// допустимые существительные</a:t>
             </a:r>
             <a:endParaRPr sz="1000">
               <a:solidFill>
@@ -6698,10 +6401,7 @@
               </a:defRPr>
             </a:pPr>
             <a:r>
-              <a:t>&lt;глагол&gt; → ate</a:t>
-            </a:r>
-            <a:r>
-              <a:t> </a:t>
+              <a:t>&lt;глагол&gt; → ate </a:t>
             </a:r>
             <a:r>
               <a:rPr sz="1000">
@@ -6709,15 +6409,7 @@
                   <a:srgbClr val="A7A7A7"/>
                 </a:solidFill>
               </a:rPr>
-              <a:t>// </a:t>
-            </a:r>
-            <a:r>
-              <a:rPr sz="1000">
-                <a:solidFill>
-                  <a:srgbClr val="A7A7A7"/>
-                </a:solidFill>
-              </a:rPr>
-              <a:t>допустимый глагол</a:t>
+              <a:t>// допустимый глагол</a:t>
             </a:r>
             <a:endParaRPr sz="1000">
               <a:solidFill>
@@ -6738,10 +6430,7 @@
               </a:defRPr>
             </a:pPr>
             <a:r>
-              <a:t>&lt;артикль&gt; → the</a:t>
-            </a:r>
-            <a:r>
-              <a:t> </a:t>
+              <a:t>&lt;артикль&gt; → the </a:t>
             </a:r>
             <a:r>
               <a:rPr sz="1000">
@@ -6749,15 +6438,7 @@
                   <a:srgbClr val="A7A7A7"/>
                 </a:solidFill>
               </a:rPr>
-              <a:t>// </a:t>
-            </a:r>
-            <a:r>
-              <a:rPr sz="1000">
-                <a:solidFill>
-                  <a:srgbClr val="A7A7A7"/>
-                </a:solidFill>
-              </a:rPr>
-              <a:t>допустимый артикль</a:t>
+              <a:t>// допустимый артикль</a:t>
             </a:r>
           </a:p>
         </p:txBody>
@@ -6770,8 +6451,8 @@
         </p:nvSpPr>
         <p:spPr>
           <a:xfrm>
-            <a:off x="374070" y="1321360"/>
-            <a:ext cx="5947957" cy="333084"/>
+            <a:off x="374069" y="1321360"/>
+            <a:ext cx="5947959" cy="333084"/>
           </a:xfrm>
           <a:prstGeom prst="rect">
             <a:avLst/>
@@ -6789,16 +6470,7 @@
           <a:bodyPr lIns="45718" tIns="45718" rIns="45718" bIns="45718">
             <a:spAutoFit/>
           </a:bodyPr>
-          <a:lstStyle>
-            <a:lvl1pPr>
-              <a:defRPr>
-                <a:latin typeface="+mn-lt"/>
-                <a:ea typeface="+mn-ea"/>
-                <a:cs typeface="+mn-cs"/>
-                <a:sym typeface="Calibri"/>
-              </a:defRPr>
-            </a:lvl1pPr>
-          </a:lstStyle>
+          <a:lstStyle/>
           <a:p>
             <a:pPr/>
             <a:r>
@@ -7047,10 +6719,10 @@
             </a:solidFill>
             <a:effectLst/>
             <a:uFillTx/>
-            <a:latin typeface="+mj-lt"/>
-            <a:ea typeface="+mj-ea"/>
-            <a:cs typeface="+mj-cs"/>
-            <a:sym typeface="Helvetica"/>
+            <a:latin typeface="+mn-lt"/>
+            <a:ea typeface="+mn-ea"/>
+            <a:cs typeface="+mn-cs"/>
+            <a:sym typeface="Calibri"/>
           </a:defRPr>
         </a:defPPr>
         <a:lvl1pPr marL="0" marR="0" indent="0" algn="l" defTabSz="914400" rtl="0" fontAlgn="auto" latinLnBrk="1" hangingPunct="0">
@@ -7618,10 +7290,10 @@
             </a:solidFill>
             <a:effectLst/>
             <a:uFillTx/>
-            <a:latin typeface="+mj-lt"/>
-            <a:ea typeface="+mj-ea"/>
-            <a:cs typeface="+mj-cs"/>
-            <a:sym typeface="Helvetica"/>
+            <a:latin typeface="+mn-lt"/>
+            <a:ea typeface="+mn-ea"/>
+            <a:cs typeface="+mn-cs"/>
+            <a:sym typeface="Calibri"/>
           </a:defRPr>
         </a:defPPr>
         <a:lvl1pPr marL="0" marR="0" indent="0" algn="l" defTabSz="914400" rtl="0" fontAlgn="auto" latinLnBrk="1" hangingPunct="0">
@@ -8101,10 +7773,10 @@
             </a:solidFill>
             <a:effectLst/>
             <a:uFillTx/>
-            <a:latin typeface="+mj-lt"/>
-            <a:ea typeface="+mj-ea"/>
-            <a:cs typeface="+mj-cs"/>
-            <a:sym typeface="Helvetica"/>
+            <a:latin typeface="+mn-lt"/>
+            <a:ea typeface="+mn-ea"/>
+            <a:cs typeface="+mn-cs"/>
+            <a:sym typeface="Calibri"/>
           </a:defRPr>
         </a:defPPr>
         <a:lvl1pPr marL="0" marR="0" indent="0" algn="l" defTabSz="914400" rtl="0" fontAlgn="auto" latinLnBrk="1" hangingPunct="0">
@@ -8672,10 +8344,10 @@
             </a:solidFill>
             <a:effectLst/>
             <a:uFillTx/>
-            <a:latin typeface="+mj-lt"/>
-            <a:ea typeface="+mj-ea"/>
-            <a:cs typeface="+mj-cs"/>
-            <a:sym typeface="Helvetica"/>
+            <a:latin typeface="+mn-lt"/>
+            <a:ea typeface="+mn-ea"/>
+            <a:cs typeface="+mn-cs"/>
+            <a:sym typeface="Calibri"/>
           </a:defRPr>
         </a:defPPr>
         <a:lvl1pPr marL="0" marR="0" indent="0" algn="l" defTabSz="914400" rtl="0" fontAlgn="auto" latinLnBrk="1" hangingPunct="0">
